--- a/Presentation.pptx
+++ b/Presentation.pptx
@@ -14,7 +14,7 @@
     <p:sldMasterId id="2147483906" r:id="rId10"/>
   </p:sldMasterIdLst>
   <p:notesMasterIdLst>
-    <p:notesMasterId r:id="rId32"/>
+    <p:notesMasterId r:id="rId47"/>
   </p:notesMasterIdLst>
   <p:sldIdLst>
     <p:sldId id="256" r:id="rId11"/>
@@ -26,18 +26,33 @@
     <p:sldId id="262" r:id="rId17"/>
     <p:sldId id="264" r:id="rId18"/>
     <p:sldId id="265" r:id="rId19"/>
-    <p:sldId id="266" r:id="rId20"/>
-    <p:sldId id="267" r:id="rId21"/>
-    <p:sldId id="268" r:id="rId22"/>
-    <p:sldId id="269" r:id="rId23"/>
-    <p:sldId id="270" r:id="rId24"/>
-    <p:sldId id="271" r:id="rId25"/>
-    <p:sldId id="272" r:id="rId26"/>
-    <p:sldId id="273" r:id="rId27"/>
-    <p:sldId id="274" r:id="rId28"/>
-    <p:sldId id="263" r:id="rId29"/>
-    <p:sldId id="275" r:id="rId30"/>
-    <p:sldId id="276" r:id="rId31"/>
+    <p:sldId id="277" r:id="rId20"/>
+    <p:sldId id="266" r:id="rId21"/>
+    <p:sldId id="278" r:id="rId22"/>
+    <p:sldId id="279" r:id="rId23"/>
+    <p:sldId id="285" r:id="rId24"/>
+    <p:sldId id="280" r:id="rId25"/>
+    <p:sldId id="281" r:id="rId26"/>
+    <p:sldId id="284" r:id="rId27"/>
+    <p:sldId id="282" r:id="rId28"/>
+    <p:sldId id="283" r:id="rId29"/>
+    <p:sldId id="286" r:id="rId30"/>
+    <p:sldId id="287" r:id="rId31"/>
+    <p:sldId id="268" r:id="rId32"/>
+    <p:sldId id="269" r:id="rId33"/>
+    <p:sldId id="288" r:id="rId34"/>
+    <p:sldId id="289" r:id="rId35"/>
+    <p:sldId id="290" r:id="rId36"/>
+    <p:sldId id="291" r:id="rId37"/>
+    <p:sldId id="292" r:id="rId38"/>
+    <p:sldId id="270" r:id="rId39"/>
+    <p:sldId id="271" r:id="rId40"/>
+    <p:sldId id="272" r:id="rId41"/>
+    <p:sldId id="273" r:id="rId42"/>
+    <p:sldId id="274" r:id="rId43"/>
+    <p:sldId id="263" r:id="rId44"/>
+    <p:sldId id="275" r:id="rId45"/>
+    <p:sldId id="276" r:id="rId46"/>
   </p:sldIdLst>
   <p:sldSz cx="12192000" cy="6858000"/>
   <p:notesSz cx="6858000" cy="9144000"/>
@@ -226,7 +241,7 @@
           <a:p>
             <a:fld id="{AFBCDFCF-0609-4B00-8376-F1377D9B9108}" type="datetimeFigureOut">
               <a:rPr lang="ru-RU" smtClean="0"/>
-              <a:t>07.06.2018</a:t>
+              <a:t>11.06.2018</a:t>
             </a:fld>
             <a:endParaRPr lang="ru-RU"/>
           </a:p>
@@ -622,16 +637,6 @@
           <a:bodyPr/>
           <a:lstStyle/>
           <a:p>
-            <a:r>
-              <a:rPr lang="en-US" dirty="0" smtClean="0"/>
-              <a:t>Immutable</a:t>
-            </a:r>
-          </a:p>
-          <a:p>
-            <a:r>
-              <a:rPr lang="en-US" dirty="0" err="1" smtClean="0"/>
-              <a:t>ProducerConsumer</a:t>
-            </a:r>
             <a:endParaRPr lang="ru-RU" dirty="0"/>
           </a:p>
         </p:txBody>
@@ -653,91 +658,7 @@
           <a:p>
             <a:fld id="{EB800F36-2631-4A3F-84D7-5999A9A090AC}" type="slidenum">
               <a:rPr lang="ru-RU" smtClean="0"/>
-              <a:t>14</a:t>
-            </a:fld>
-            <a:endParaRPr lang="ru-RU"/>
-          </a:p>
-        </p:txBody>
-      </p:sp>
-    </p:spTree>
-    <p:extLst>
-      <p:ext uri="{BB962C8B-B14F-4D97-AF65-F5344CB8AC3E}">
-        <p14:creationId xmlns:p14="http://schemas.microsoft.com/office/powerpoint/2010/main" val="1766443728"/>
-      </p:ext>
-    </p:extLst>
-  </p:cSld>
-  <p:clrMapOvr>
-    <a:masterClrMapping/>
-  </p:clrMapOvr>
-</p:notes>
-</file>
-
-<file path=ppt/notesSlides/notesSlide11.xml><?xml version="1.0" encoding="utf-8"?>
-<p:notes xmlns:a="http://schemas.openxmlformats.org/drawingml/2006/main" xmlns:r="http://schemas.openxmlformats.org/officeDocument/2006/relationships" xmlns:p="http://schemas.openxmlformats.org/presentationml/2006/main">
-  <p:cSld>
-    <p:spTree>
-      <p:nvGrpSpPr>
-        <p:cNvPr id="1" name=""/>
-        <p:cNvGrpSpPr/>
-        <p:nvPr/>
-      </p:nvGrpSpPr>
-      <p:grpSpPr>
-        <a:xfrm>
-          <a:off x="0" y="0"/>
-          <a:ext cx="0" cy="0"/>
-          <a:chOff x="0" y="0"/>
-          <a:chExt cx="0" cy="0"/>
-        </a:xfrm>
-      </p:grpSpPr>
-      <p:sp>
-        <p:nvSpPr>
-          <p:cNvPr id="2" name="Образ слайда 1"/>
-          <p:cNvSpPr>
-            <a:spLocks noGrp="1" noRot="1" noChangeAspect="1"/>
-          </p:cNvSpPr>
-          <p:nvPr>
-            <p:ph type="sldImg"/>
-          </p:nvPr>
-        </p:nvSpPr>
-        <p:spPr/>
-      </p:sp>
-      <p:sp>
-        <p:nvSpPr>
-          <p:cNvPr id="3" name="Заметки 2"/>
-          <p:cNvSpPr>
-            <a:spLocks noGrp="1"/>
-          </p:cNvSpPr>
-          <p:nvPr>
-            <p:ph type="body" idx="1"/>
-          </p:nvPr>
-        </p:nvSpPr>
-        <p:spPr/>
-        <p:txBody>
-          <a:bodyPr/>
-          <a:lstStyle/>
-          <a:p>
-            <a:endParaRPr lang="ru-RU" dirty="0"/>
-          </a:p>
-        </p:txBody>
-      </p:sp>
-      <p:sp>
-        <p:nvSpPr>
-          <p:cNvPr id="4" name="Номер слайда 3"/>
-          <p:cNvSpPr>
-            <a:spLocks noGrp="1"/>
-          </p:cNvSpPr>
-          <p:nvPr>
-            <p:ph type="sldNum" sz="quarter" idx="10"/>
-          </p:nvPr>
-        </p:nvSpPr>
-        <p:spPr/>
-        <p:txBody>
-          <a:bodyPr/>
-          <a:lstStyle/>
-          <a:p>
-            <a:fld id="{EB800F36-2631-4A3F-84D7-5999A9A090AC}" type="slidenum">
-              <a:rPr lang="ru-RU" smtClean="0"/>
-              <a:t>21</a:t>
+              <a:t>36</a:t>
             </a:fld>
             <a:endParaRPr lang="ru-RU"/>
           </a:p>
@@ -1248,7 +1169,7 @@
           <a:p>
             <a:fld id="{EB800F36-2631-4A3F-84D7-5999A9A090AC}" type="slidenum">
               <a:rPr lang="ru-RU" smtClean="0"/>
-              <a:t>10</a:t>
+              <a:t>11</a:t>
             </a:fld>
             <a:endParaRPr lang="ru-RU"/>
           </a:p>
@@ -1332,7 +1253,7 @@
           <a:p>
             <a:fld id="{EB800F36-2631-4A3F-84D7-5999A9A090AC}" type="slidenum">
               <a:rPr lang="ru-RU" smtClean="0"/>
-              <a:t>11</a:t>
+              <a:t>23</a:t>
             </a:fld>
             <a:endParaRPr lang="ru-RU"/>
           </a:p>
@@ -1341,7 +1262,7 @@
     </p:spTree>
     <p:extLst>
       <p:ext uri="{BB962C8B-B14F-4D97-AF65-F5344CB8AC3E}">
-        <p14:creationId xmlns:p14="http://schemas.microsoft.com/office/powerpoint/2010/main" val="3704960280"/>
+        <p14:creationId xmlns:p14="http://schemas.microsoft.com/office/powerpoint/2010/main" val="3358147732"/>
       </p:ext>
     </p:extLst>
   </p:cSld>
@@ -1395,6 +1316,16 @@
           <a:bodyPr/>
           <a:lstStyle/>
           <a:p>
+            <a:r>
+              <a:rPr lang="en-US" dirty="0" smtClean="0"/>
+              <a:t>Immutable</a:t>
+            </a:r>
+          </a:p>
+          <a:p>
+            <a:r>
+              <a:rPr lang="en-US" dirty="0" err="1" smtClean="0"/>
+              <a:t>ProducerConsumer</a:t>
+            </a:r>
             <a:endParaRPr lang="ru-RU" dirty="0"/>
           </a:p>
         </p:txBody>
@@ -1416,7 +1347,7 @@
           <a:p>
             <a:fld id="{EB800F36-2631-4A3F-84D7-5999A9A090AC}" type="slidenum">
               <a:rPr lang="ru-RU" smtClean="0"/>
-              <a:t>13</a:t>
+              <a:t>29</a:t>
             </a:fld>
             <a:endParaRPr lang="ru-RU"/>
           </a:p>
@@ -1425,7 +1356,7 @@
     </p:spTree>
     <p:extLst>
       <p:ext uri="{BB962C8B-B14F-4D97-AF65-F5344CB8AC3E}">
-        <p14:creationId xmlns:p14="http://schemas.microsoft.com/office/powerpoint/2010/main" val="3358147732"/>
+        <p14:creationId xmlns:p14="http://schemas.microsoft.com/office/powerpoint/2010/main" val="1766443728"/>
       </p:ext>
     </p:extLst>
   </p:cSld>
@@ -1577,7 +1508,7 @@
           <a:p>
             <a:fld id="{D72D3A20-6BB2-4AD6-ACA3-B11D728CC3D5}" type="datetimeFigureOut">
               <a:rPr lang="ru-RU" smtClean="0"/>
-              <a:t>07.06.2018</a:t>
+              <a:t>11.06.2018</a:t>
             </a:fld>
             <a:endParaRPr lang="ru-RU"/>
           </a:p>
@@ -1747,7 +1678,7 @@
           <a:p>
             <a:fld id="{D72D3A20-6BB2-4AD6-ACA3-B11D728CC3D5}" type="datetimeFigureOut">
               <a:rPr lang="ru-RU" smtClean="0"/>
-              <a:t>07.06.2018</a:t>
+              <a:t>11.06.2018</a:t>
             </a:fld>
             <a:endParaRPr lang="ru-RU"/>
           </a:p>
@@ -2003,7 +1934,7 @@
           <a:p>
             <a:fld id="{D72D3A20-6BB2-4AD6-ACA3-B11D728CC3D5}" type="datetimeFigureOut">
               <a:rPr lang="ru-RU" smtClean="0"/>
-              <a:t>07.06.2018</a:t>
+              <a:t>11.06.2018</a:t>
             </a:fld>
             <a:endParaRPr lang="ru-RU"/>
           </a:p>
@@ -2128,7 +2059,7 @@
           <a:p>
             <a:fld id="{D72D3A20-6BB2-4AD6-ACA3-B11D728CC3D5}" type="datetimeFigureOut">
               <a:rPr lang="ru-RU" smtClean="0"/>
-              <a:t>07.06.2018</a:t>
+              <a:t>11.06.2018</a:t>
             </a:fld>
             <a:endParaRPr lang="ru-RU"/>
           </a:p>
@@ -2462,7 +2393,7 @@
           <a:p>
             <a:fld id="{D72D3A20-6BB2-4AD6-ACA3-B11D728CC3D5}" type="datetimeFigureOut">
               <a:rPr lang="ru-RU" smtClean="0"/>
-              <a:t>07.06.2018</a:t>
+              <a:t>11.06.2018</a:t>
             </a:fld>
             <a:endParaRPr lang="ru-RU"/>
           </a:p>
@@ -2711,7 +2642,7 @@
           <a:p>
             <a:fld id="{D72D3A20-6BB2-4AD6-ACA3-B11D728CC3D5}" type="datetimeFigureOut">
               <a:rPr lang="ru-RU" smtClean="0"/>
-              <a:t>07.06.2018</a:t>
+              <a:t>11.06.2018</a:t>
             </a:fld>
             <a:endParaRPr lang="ru-RU"/>
           </a:p>
@@ -3061,7 +2992,7 @@
           <a:p>
             <a:fld id="{D72D3A20-6BB2-4AD6-ACA3-B11D728CC3D5}" type="datetimeFigureOut">
               <a:rPr lang="ru-RU" smtClean="0"/>
-              <a:t>07.06.2018</a:t>
+              <a:t>11.06.2018</a:t>
             </a:fld>
             <a:endParaRPr lang="ru-RU"/>
           </a:p>
@@ -3373,7 +3304,7 @@
           <a:p>
             <a:fld id="{D72D3A20-6BB2-4AD6-ACA3-B11D728CC3D5}" type="datetimeFigureOut">
               <a:rPr lang="ru-RU" smtClean="0"/>
-              <a:t>07.06.2018</a:t>
+              <a:t>11.06.2018</a:t>
             </a:fld>
             <a:endParaRPr lang="ru-RU"/>
           </a:p>
@@ -3752,7 +3683,7 @@
           <a:p>
             <a:fld id="{D72D3A20-6BB2-4AD6-ACA3-B11D728CC3D5}" type="datetimeFigureOut">
               <a:rPr lang="ru-RU" smtClean="0"/>
-              <a:t>07.06.2018</a:t>
+              <a:t>11.06.2018</a:t>
             </a:fld>
             <a:endParaRPr lang="ru-RU"/>
           </a:p>
@@ -3870,7 +3801,7 @@
           <a:p>
             <a:fld id="{D72D3A20-6BB2-4AD6-ACA3-B11D728CC3D5}" type="datetimeFigureOut">
               <a:rPr lang="ru-RU" smtClean="0"/>
-              <a:t>07.06.2018</a:t>
+              <a:t>11.06.2018</a:t>
             </a:fld>
             <a:endParaRPr lang="ru-RU"/>
           </a:p>
@@ -4049,7 +3980,7 @@
           <a:p>
             <a:fld id="{D72D3A20-6BB2-4AD6-ACA3-B11D728CC3D5}" type="datetimeFigureOut">
               <a:rPr lang="ru-RU" smtClean="0"/>
-              <a:t>07.06.2018</a:t>
+              <a:t>11.06.2018</a:t>
             </a:fld>
             <a:endParaRPr lang="ru-RU"/>
           </a:p>
@@ -4190,7 +4121,7 @@
           <a:p>
             <a:fld id="{D72D3A20-6BB2-4AD6-ACA3-B11D728CC3D5}" type="datetimeFigureOut">
               <a:rPr lang="ru-RU" smtClean="0"/>
-              <a:t>07.06.2018</a:t>
+              <a:t>11.06.2018</a:t>
             </a:fld>
             <a:endParaRPr lang="ru-RU"/>
           </a:p>
@@ -4393,7 +4324,7 @@
           <a:p>
             <a:fld id="{D72D3A20-6BB2-4AD6-ACA3-B11D728CC3D5}" type="datetimeFigureOut">
               <a:rPr lang="ru-RU" smtClean="0"/>
-              <a:t>07.06.2018</a:t>
+              <a:t>11.06.2018</a:t>
             </a:fld>
             <a:endParaRPr lang="ru-RU"/>
           </a:p>
@@ -4739,7 +4670,7 @@
           <a:p>
             <a:fld id="{D72D3A20-6BB2-4AD6-ACA3-B11D728CC3D5}" type="datetimeFigureOut">
               <a:rPr lang="ru-RU" smtClean="0"/>
-              <a:t>07.06.2018</a:t>
+              <a:t>11.06.2018</a:t>
             </a:fld>
             <a:endParaRPr lang="ru-RU"/>
           </a:p>
@@ -5128,7 +5059,7 @@
           <a:p>
             <a:fld id="{D72D3A20-6BB2-4AD6-ACA3-B11D728CC3D5}" type="datetimeFigureOut">
               <a:rPr lang="ru-RU" smtClean="0"/>
-              <a:t>07.06.2018</a:t>
+              <a:t>11.06.2018</a:t>
             </a:fld>
             <a:endParaRPr lang="ru-RU"/>
           </a:p>
@@ -5305,7 +5236,7 @@
           <a:p>
             <a:fld id="{D72D3A20-6BB2-4AD6-ACA3-B11D728CC3D5}" type="datetimeFigureOut">
               <a:rPr lang="ru-RU" smtClean="0"/>
-              <a:t>07.06.2018</a:t>
+              <a:t>11.06.2018</a:t>
             </a:fld>
             <a:endParaRPr lang="ru-RU"/>
           </a:p>
@@ -5568,7 +5499,7 @@
           <a:p>
             <a:fld id="{D72D3A20-6BB2-4AD6-ACA3-B11D728CC3D5}" type="datetimeFigureOut">
               <a:rPr lang="ru-RU" smtClean="0"/>
-              <a:t>07.06.2018</a:t>
+              <a:t>11.06.2018</a:t>
             </a:fld>
             <a:endParaRPr lang="ru-RU"/>
           </a:p>
@@ -5693,7 +5624,7 @@
           <a:p>
             <a:fld id="{D72D3A20-6BB2-4AD6-ACA3-B11D728CC3D5}" type="datetimeFigureOut">
               <a:rPr lang="ru-RU" smtClean="0"/>
-              <a:t>07.06.2018</a:t>
+              <a:t>11.06.2018</a:t>
             </a:fld>
             <a:endParaRPr lang="ru-RU"/>
           </a:p>
@@ -6027,7 +5958,7 @@
           <a:p>
             <a:fld id="{D72D3A20-6BB2-4AD6-ACA3-B11D728CC3D5}" type="datetimeFigureOut">
               <a:rPr lang="ru-RU" smtClean="0"/>
-              <a:t>07.06.2018</a:t>
+              <a:t>11.06.2018</a:t>
             </a:fld>
             <a:endParaRPr lang="ru-RU"/>
           </a:p>
@@ -6246,7 +6177,7 @@
           <a:p>
             <a:fld id="{D72D3A20-6BB2-4AD6-ACA3-B11D728CC3D5}" type="datetimeFigureOut">
               <a:rPr lang="ru-RU" smtClean="0"/>
-              <a:t>07.06.2018</a:t>
+              <a:t>11.06.2018</a:t>
             </a:fld>
             <a:endParaRPr lang="ru-RU"/>
           </a:p>
@@ -6596,7 +6527,7 @@
           <a:p>
             <a:fld id="{D72D3A20-6BB2-4AD6-ACA3-B11D728CC3D5}" type="datetimeFigureOut">
               <a:rPr lang="ru-RU" smtClean="0"/>
-              <a:t>07.06.2018</a:t>
+              <a:t>11.06.2018</a:t>
             </a:fld>
             <a:endParaRPr lang="ru-RU"/>
           </a:p>
@@ -6878,7 +6809,7 @@
           <a:p>
             <a:fld id="{D72D3A20-6BB2-4AD6-ACA3-B11D728CC3D5}" type="datetimeFigureOut">
               <a:rPr lang="ru-RU" smtClean="0"/>
-              <a:t>07.06.2018</a:t>
+              <a:t>11.06.2018</a:t>
             </a:fld>
             <a:endParaRPr lang="ru-RU"/>
           </a:p>
@@ -7257,7 +7188,7 @@
           <a:p>
             <a:fld id="{D72D3A20-6BB2-4AD6-ACA3-B11D728CC3D5}" type="datetimeFigureOut">
               <a:rPr lang="ru-RU" smtClean="0"/>
-              <a:t>07.06.2018</a:t>
+              <a:t>11.06.2018</a:t>
             </a:fld>
             <a:endParaRPr lang="ru-RU"/>
           </a:p>
@@ -7375,7 +7306,7 @@
           <a:p>
             <a:fld id="{D72D3A20-6BB2-4AD6-ACA3-B11D728CC3D5}" type="datetimeFigureOut">
               <a:rPr lang="ru-RU" smtClean="0"/>
-              <a:t>07.06.2018</a:t>
+              <a:t>11.06.2018</a:t>
             </a:fld>
             <a:endParaRPr lang="ru-RU"/>
           </a:p>
@@ -7546,7 +7477,7 @@
           <a:p>
             <a:fld id="{D72D3A20-6BB2-4AD6-ACA3-B11D728CC3D5}" type="datetimeFigureOut">
               <a:rPr lang="ru-RU" smtClean="0"/>
-              <a:t>07.06.2018</a:t>
+              <a:t>11.06.2018</a:t>
             </a:fld>
             <a:endParaRPr lang="ru-RU"/>
           </a:p>
@@ -7900,7 +7831,7 @@
           <a:p>
             <a:fld id="{D72D3A20-6BB2-4AD6-ACA3-B11D728CC3D5}" type="datetimeFigureOut">
               <a:rPr lang="ru-RU" smtClean="0"/>
-              <a:t>07.06.2018</a:t>
+              <a:t>11.06.2018</a:t>
             </a:fld>
             <a:endParaRPr lang="ru-RU"/>
           </a:p>
@@ -8098,7 +8029,7 @@
           <a:p>
             <a:fld id="{D72D3A20-6BB2-4AD6-ACA3-B11D728CC3D5}" type="datetimeFigureOut">
               <a:rPr lang="ru-RU" smtClean="0"/>
-              <a:t>07.06.2018</a:t>
+              <a:t>11.06.2018</a:t>
             </a:fld>
             <a:endParaRPr lang="ru-RU"/>
           </a:p>
@@ -8459,7 +8390,7 @@
           <a:p>
             <a:fld id="{D72D3A20-6BB2-4AD6-ACA3-B11D728CC3D5}" type="datetimeFigureOut">
               <a:rPr lang="ru-RU" smtClean="0"/>
-              <a:t>07.06.2018</a:t>
+              <a:t>11.06.2018</a:t>
             </a:fld>
             <a:endParaRPr lang="ru-RU"/>
           </a:p>
@@ -8636,7 +8567,7 @@
           <a:p>
             <a:fld id="{D72D3A20-6BB2-4AD6-ACA3-B11D728CC3D5}" type="datetimeFigureOut">
               <a:rPr lang="ru-RU" smtClean="0"/>
-              <a:t>07.06.2018</a:t>
+              <a:t>11.06.2018</a:t>
             </a:fld>
             <a:endParaRPr lang="ru-RU"/>
           </a:p>
@@ -8899,7 +8830,7 @@
           <a:p>
             <a:fld id="{D72D3A20-6BB2-4AD6-ACA3-B11D728CC3D5}" type="datetimeFigureOut">
               <a:rPr lang="ru-RU" smtClean="0"/>
-              <a:t>07.06.2018</a:t>
+              <a:t>11.06.2018</a:t>
             </a:fld>
             <a:endParaRPr lang="ru-RU"/>
           </a:p>
@@ -9193,7 +9124,7 @@
           <a:p>
             <a:fld id="{D72D3A20-6BB2-4AD6-ACA3-B11D728CC3D5}" type="datetimeFigureOut">
               <a:rPr lang="ru-RU" smtClean="0"/>
-              <a:t>07.06.2018</a:t>
+              <a:t>11.06.2018</a:t>
             </a:fld>
             <a:endParaRPr lang="ru-RU"/>
           </a:p>
@@ -9412,7 +9343,7 @@
           <a:p>
             <a:fld id="{D72D3A20-6BB2-4AD6-ACA3-B11D728CC3D5}" type="datetimeFigureOut">
               <a:rPr lang="ru-RU" smtClean="0"/>
-              <a:t>07.06.2018</a:t>
+              <a:t>11.06.2018</a:t>
             </a:fld>
             <a:endParaRPr lang="ru-RU"/>
           </a:p>
@@ -9762,7 +9693,7 @@
           <a:p>
             <a:fld id="{D72D3A20-6BB2-4AD6-ACA3-B11D728CC3D5}" type="datetimeFigureOut">
               <a:rPr lang="ru-RU" smtClean="0"/>
-              <a:t>07.06.2018</a:t>
+              <a:t>11.06.2018</a:t>
             </a:fld>
             <a:endParaRPr lang="ru-RU"/>
           </a:p>
@@ -10044,7 +9975,7 @@
           <a:p>
             <a:fld id="{D72D3A20-6BB2-4AD6-ACA3-B11D728CC3D5}" type="datetimeFigureOut">
               <a:rPr lang="ru-RU" smtClean="0"/>
-              <a:t>07.06.2018</a:t>
+              <a:t>11.06.2018</a:t>
             </a:fld>
             <a:endParaRPr lang="ru-RU"/>
           </a:p>
@@ -10423,7 +10354,7 @@
           <a:p>
             <a:fld id="{D72D3A20-6BB2-4AD6-ACA3-B11D728CC3D5}" type="datetimeFigureOut">
               <a:rPr lang="ru-RU" smtClean="0"/>
-              <a:t>07.06.2018</a:t>
+              <a:t>11.06.2018</a:t>
             </a:fld>
             <a:endParaRPr lang="ru-RU"/>
           </a:p>
@@ -10541,7 +10472,7 @@
           <a:p>
             <a:fld id="{D72D3A20-6BB2-4AD6-ACA3-B11D728CC3D5}" type="datetimeFigureOut">
               <a:rPr lang="ru-RU" smtClean="0"/>
-              <a:t>07.06.2018</a:t>
+              <a:t>11.06.2018</a:t>
             </a:fld>
             <a:endParaRPr lang="ru-RU"/>
           </a:p>
@@ -10712,7 +10643,7 @@
           <a:p>
             <a:fld id="{D72D3A20-6BB2-4AD6-ACA3-B11D728CC3D5}" type="datetimeFigureOut">
               <a:rPr lang="ru-RU" smtClean="0"/>
-              <a:t>07.06.2018</a:t>
+              <a:t>11.06.2018</a:t>
             </a:fld>
             <a:endParaRPr lang="ru-RU"/>
           </a:p>
@@ -10971,7 +10902,7 @@
           <a:p>
             <a:fld id="{D72D3A20-6BB2-4AD6-ACA3-B11D728CC3D5}" type="datetimeFigureOut">
               <a:rPr lang="ru-RU" smtClean="0"/>
-              <a:t>07.06.2018</a:t>
+              <a:t>11.06.2018</a:t>
             </a:fld>
             <a:endParaRPr lang="ru-RU"/>
           </a:p>
@@ -11317,7 +11248,7 @@
           <a:p>
             <a:fld id="{D72D3A20-6BB2-4AD6-ACA3-B11D728CC3D5}" type="datetimeFigureOut">
               <a:rPr lang="ru-RU" smtClean="0"/>
-              <a:t>07.06.2018</a:t>
+              <a:t>11.06.2018</a:t>
             </a:fld>
             <a:endParaRPr lang="ru-RU"/>
           </a:p>
@@ -11706,7 +11637,7 @@
           <a:p>
             <a:fld id="{D72D3A20-6BB2-4AD6-ACA3-B11D728CC3D5}" type="datetimeFigureOut">
               <a:rPr lang="ru-RU" smtClean="0"/>
-              <a:t>07.06.2018</a:t>
+              <a:t>11.06.2018</a:t>
             </a:fld>
             <a:endParaRPr lang="ru-RU"/>
           </a:p>
@@ -11883,7 +11814,7 @@
           <a:p>
             <a:fld id="{D72D3A20-6BB2-4AD6-ACA3-B11D728CC3D5}" type="datetimeFigureOut">
               <a:rPr lang="ru-RU" smtClean="0"/>
-              <a:t>07.06.2018</a:t>
+              <a:t>11.06.2018</a:t>
             </a:fld>
             <a:endParaRPr lang="ru-RU"/>
           </a:p>
@@ -12146,7 +12077,7 @@
           <a:p>
             <a:fld id="{D72D3A20-6BB2-4AD6-ACA3-B11D728CC3D5}" type="datetimeFigureOut">
               <a:rPr lang="ru-RU" smtClean="0"/>
-              <a:t>07.06.2018</a:t>
+              <a:t>11.06.2018</a:t>
             </a:fld>
             <a:endParaRPr lang="ru-RU"/>
           </a:p>
@@ -12440,7 +12371,7 @@
           <a:p>
             <a:fld id="{D72D3A20-6BB2-4AD6-ACA3-B11D728CC3D5}" type="datetimeFigureOut">
               <a:rPr lang="ru-RU" smtClean="0"/>
-              <a:t>07.06.2018</a:t>
+              <a:t>11.06.2018</a:t>
             </a:fld>
             <a:endParaRPr lang="ru-RU"/>
           </a:p>
@@ -12659,7 +12590,7 @@
           <a:p>
             <a:fld id="{D72D3A20-6BB2-4AD6-ACA3-B11D728CC3D5}" type="datetimeFigureOut">
               <a:rPr lang="ru-RU" smtClean="0"/>
-              <a:t>07.06.2018</a:t>
+              <a:t>11.06.2018</a:t>
             </a:fld>
             <a:endParaRPr lang="ru-RU"/>
           </a:p>
@@ -13009,7 +12940,7 @@
           <a:p>
             <a:fld id="{D72D3A20-6BB2-4AD6-ACA3-B11D728CC3D5}" type="datetimeFigureOut">
               <a:rPr lang="ru-RU" smtClean="0"/>
-              <a:t>07.06.2018</a:t>
+              <a:t>11.06.2018</a:t>
             </a:fld>
             <a:endParaRPr lang="ru-RU"/>
           </a:p>
@@ -13321,7 +13252,7 @@
           <a:p>
             <a:fld id="{D72D3A20-6BB2-4AD6-ACA3-B11D728CC3D5}" type="datetimeFigureOut">
               <a:rPr lang="ru-RU" smtClean="0"/>
-              <a:t>07.06.2018</a:t>
+              <a:t>11.06.2018</a:t>
             </a:fld>
             <a:endParaRPr lang="ru-RU"/>
           </a:p>
@@ -13700,7 +13631,7 @@
           <a:p>
             <a:fld id="{D72D3A20-6BB2-4AD6-ACA3-B11D728CC3D5}" type="datetimeFigureOut">
               <a:rPr lang="ru-RU" smtClean="0"/>
-              <a:t>07.06.2018</a:t>
+              <a:t>11.06.2018</a:t>
             </a:fld>
             <a:endParaRPr lang="ru-RU"/>
           </a:p>
@@ -13818,7 +13749,7 @@
           <a:p>
             <a:fld id="{D72D3A20-6BB2-4AD6-ACA3-B11D728CC3D5}" type="datetimeFigureOut">
               <a:rPr lang="ru-RU" smtClean="0"/>
-              <a:t>07.06.2018</a:t>
+              <a:t>11.06.2018</a:t>
             </a:fld>
             <a:endParaRPr lang="ru-RU"/>
           </a:p>
@@ -14050,7 +13981,7 @@
           <a:p>
             <a:fld id="{D72D3A20-6BB2-4AD6-ACA3-B11D728CC3D5}" type="datetimeFigureOut">
               <a:rPr lang="ru-RU" smtClean="0"/>
-              <a:t>07.06.2018</a:t>
+              <a:t>11.06.2018</a:t>
             </a:fld>
             <a:endParaRPr lang="ru-RU"/>
           </a:p>
@@ -14221,7 +14152,7 @@
           <a:p>
             <a:fld id="{D72D3A20-6BB2-4AD6-ACA3-B11D728CC3D5}" type="datetimeFigureOut">
               <a:rPr lang="ru-RU" smtClean="0"/>
-              <a:t>07.06.2018</a:t>
+              <a:t>11.06.2018</a:t>
             </a:fld>
             <a:endParaRPr lang="ru-RU"/>
           </a:p>
@@ -14575,7 +14506,7 @@
           <a:p>
             <a:fld id="{D72D3A20-6BB2-4AD6-ACA3-B11D728CC3D5}" type="datetimeFigureOut">
               <a:rPr lang="ru-RU" smtClean="0"/>
-              <a:t>07.06.2018</a:t>
+              <a:t>11.06.2018</a:t>
             </a:fld>
             <a:endParaRPr lang="ru-RU"/>
           </a:p>
@@ -14964,7 +14895,7 @@
           <a:p>
             <a:fld id="{D72D3A20-6BB2-4AD6-ACA3-B11D728CC3D5}" type="datetimeFigureOut">
               <a:rPr lang="ru-RU" smtClean="0"/>
-              <a:t>07.06.2018</a:t>
+              <a:t>11.06.2018</a:t>
             </a:fld>
             <a:endParaRPr lang="ru-RU"/>
           </a:p>
@@ -15141,7 +15072,7 @@
           <a:p>
             <a:fld id="{D72D3A20-6BB2-4AD6-ACA3-B11D728CC3D5}" type="datetimeFigureOut">
               <a:rPr lang="ru-RU" smtClean="0"/>
-              <a:t>07.06.2018</a:t>
+              <a:t>11.06.2018</a:t>
             </a:fld>
             <a:endParaRPr lang="ru-RU"/>
           </a:p>
@@ -15404,7 +15335,7 @@
           <a:p>
             <a:fld id="{D72D3A20-6BB2-4AD6-ACA3-B11D728CC3D5}" type="datetimeFigureOut">
               <a:rPr lang="ru-RU" smtClean="0"/>
-              <a:t>07.06.2018</a:t>
+              <a:t>11.06.2018</a:t>
             </a:fld>
             <a:endParaRPr lang="ru-RU"/>
           </a:p>
@@ -15698,7 +15629,7 @@
           <a:p>
             <a:fld id="{D72D3A20-6BB2-4AD6-ACA3-B11D728CC3D5}" type="datetimeFigureOut">
               <a:rPr lang="ru-RU" smtClean="0"/>
-              <a:t>07.06.2018</a:t>
+              <a:t>11.06.2018</a:t>
             </a:fld>
             <a:endParaRPr lang="ru-RU"/>
           </a:p>
@@ -15947,7 +15878,7 @@
           <a:p>
             <a:fld id="{D72D3A20-6BB2-4AD6-ACA3-B11D728CC3D5}" type="datetimeFigureOut">
               <a:rPr lang="ru-RU" smtClean="0"/>
-              <a:t>07.06.2018</a:t>
+              <a:t>11.06.2018</a:t>
             </a:fld>
             <a:endParaRPr lang="ru-RU"/>
           </a:p>
@@ -16297,7 +16228,7 @@
           <a:p>
             <a:fld id="{D72D3A20-6BB2-4AD6-ACA3-B11D728CC3D5}" type="datetimeFigureOut">
               <a:rPr lang="ru-RU" smtClean="0"/>
-              <a:t>07.06.2018</a:t>
+              <a:t>11.06.2018</a:t>
             </a:fld>
             <a:endParaRPr lang="ru-RU"/>
           </a:p>
@@ -16609,7 +16540,7 @@
           <a:p>
             <a:fld id="{D72D3A20-6BB2-4AD6-ACA3-B11D728CC3D5}" type="datetimeFigureOut">
               <a:rPr lang="ru-RU" smtClean="0"/>
-              <a:t>07.06.2018</a:t>
+              <a:t>11.06.2018</a:t>
             </a:fld>
             <a:endParaRPr lang="ru-RU"/>
           </a:p>
@@ -16988,7 +16919,7 @@
           <a:p>
             <a:fld id="{D72D3A20-6BB2-4AD6-ACA3-B11D728CC3D5}" type="datetimeFigureOut">
               <a:rPr lang="ru-RU" smtClean="0"/>
-              <a:t>07.06.2018</a:t>
+              <a:t>11.06.2018</a:t>
             </a:fld>
             <a:endParaRPr lang="ru-RU"/>
           </a:p>
@@ -17335,7 +17266,7 @@
           <a:p>
             <a:fld id="{D72D3A20-6BB2-4AD6-ACA3-B11D728CC3D5}" type="datetimeFigureOut">
               <a:rPr lang="ru-RU" smtClean="0"/>
-              <a:t>07.06.2018</a:t>
+              <a:t>11.06.2018</a:t>
             </a:fld>
             <a:endParaRPr lang="ru-RU"/>
           </a:p>
@@ -17476,7 +17407,7 @@
           <a:p>
             <a:fld id="{D72D3A20-6BB2-4AD6-ACA3-B11D728CC3D5}" type="datetimeFigureOut">
               <a:rPr lang="ru-RU" smtClean="0"/>
-              <a:t>07.06.2018</a:t>
+              <a:t>11.06.2018</a:t>
             </a:fld>
             <a:endParaRPr lang="ru-RU"/>
           </a:p>
@@ -17647,7 +17578,7 @@
           <a:p>
             <a:fld id="{D72D3A20-6BB2-4AD6-ACA3-B11D728CC3D5}" type="datetimeFigureOut">
               <a:rPr lang="ru-RU" smtClean="0"/>
-              <a:t>07.06.2018</a:t>
+              <a:t>11.06.2018</a:t>
             </a:fld>
             <a:endParaRPr lang="ru-RU"/>
           </a:p>
@@ -18001,7 +17932,7 @@
           <a:p>
             <a:fld id="{D72D3A20-6BB2-4AD6-ACA3-B11D728CC3D5}" type="datetimeFigureOut">
               <a:rPr lang="ru-RU" smtClean="0"/>
-              <a:t>07.06.2018</a:t>
+              <a:t>11.06.2018</a:t>
             </a:fld>
             <a:endParaRPr lang="ru-RU"/>
           </a:p>
@@ -18390,7 +18321,7 @@
           <a:p>
             <a:fld id="{D72D3A20-6BB2-4AD6-ACA3-B11D728CC3D5}" type="datetimeFigureOut">
               <a:rPr lang="ru-RU" smtClean="0"/>
-              <a:t>07.06.2018</a:t>
+              <a:t>11.06.2018</a:t>
             </a:fld>
             <a:endParaRPr lang="ru-RU"/>
           </a:p>
@@ -18567,7 +18498,7 @@
           <a:p>
             <a:fld id="{D72D3A20-6BB2-4AD6-ACA3-B11D728CC3D5}" type="datetimeFigureOut">
               <a:rPr lang="ru-RU" smtClean="0"/>
-              <a:t>07.06.2018</a:t>
+              <a:t>11.06.2018</a:t>
             </a:fld>
             <a:endParaRPr lang="ru-RU"/>
           </a:p>
@@ -18830,7 +18761,7 @@
           <a:p>
             <a:fld id="{D72D3A20-6BB2-4AD6-ACA3-B11D728CC3D5}" type="datetimeFigureOut">
               <a:rPr lang="ru-RU" smtClean="0"/>
-              <a:t>07.06.2018</a:t>
+              <a:t>11.06.2018</a:t>
             </a:fld>
             <a:endParaRPr lang="ru-RU"/>
           </a:p>
@@ -19124,7 +19055,7 @@
           <a:p>
             <a:fld id="{D72D3A20-6BB2-4AD6-ACA3-B11D728CC3D5}" type="datetimeFigureOut">
               <a:rPr lang="ru-RU" smtClean="0"/>
-              <a:t>07.06.2018</a:t>
+              <a:t>11.06.2018</a:t>
             </a:fld>
             <a:endParaRPr lang="ru-RU"/>
           </a:p>
@@ -19373,7 +19304,7 @@
           <a:p>
             <a:fld id="{D72D3A20-6BB2-4AD6-ACA3-B11D728CC3D5}" type="datetimeFigureOut">
               <a:rPr lang="ru-RU" smtClean="0"/>
-              <a:t>07.06.2018</a:t>
+              <a:t>11.06.2018</a:t>
             </a:fld>
             <a:endParaRPr lang="ru-RU"/>
           </a:p>
@@ -19723,7 +19654,7 @@
           <a:p>
             <a:fld id="{D72D3A20-6BB2-4AD6-ACA3-B11D728CC3D5}" type="datetimeFigureOut">
               <a:rPr lang="ru-RU" smtClean="0"/>
-              <a:t>07.06.2018</a:t>
+              <a:t>11.06.2018</a:t>
             </a:fld>
             <a:endParaRPr lang="ru-RU"/>
           </a:p>
@@ -20035,7 +19966,7 @@
           <a:p>
             <a:fld id="{D72D3A20-6BB2-4AD6-ACA3-B11D728CC3D5}" type="datetimeFigureOut">
               <a:rPr lang="ru-RU" smtClean="0"/>
-              <a:t>07.06.2018</a:t>
+              <a:t>11.06.2018</a:t>
             </a:fld>
             <a:endParaRPr lang="ru-RU"/>
           </a:p>
@@ -20130,7 +20061,7 @@
           <a:p>
             <a:fld id="{D72D3A20-6BB2-4AD6-ACA3-B11D728CC3D5}" type="datetimeFigureOut">
               <a:rPr lang="ru-RU" smtClean="0"/>
-              <a:t>07.06.2018</a:t>
+              <a:t>11.06.2018</a:t>
             </a:fld>
             <a:endParaRPr lang="ru-RU"/>
           </a:p>
@@ -20532,7 +20463,7 @@
           <a:p>
             <a:fld id="{D72D3A20-6BB2-4AD6-ACA3-B11D728CC3D5}" type="datetimeFigureOut">
               <a:rPr lang="ru-RU" smtClean="0"/>
-              <a:t>07.06.2018</a:t>
+              <a:t>11.06.2018</a:t>
             </a:fld>
             <a:endParaRPr lang="ru-RU"/>
           </a:p>
@@ -20650,7 +20581,7 @@
           <a:p>
             <a:fld id="{D72D3A20-6BB2-4AD6-ACA3-B11D728CC3D5}" type="datetimeFigureOut">
               <a:rPr lang="ru-RU" smtClean="0"/>
-              <a:t>07.06.2018</a:t>
+              <a:t>11.06.2018</a:t>
             </a:fld>
             <a:endParaRPr lang="ru-RU"/>
           </a:p>
@@ -20821,7 +20752,7 @@
           <a:p>
             <a:fld id="{D72D3A20-6BB2-4AD6-ACA3-B11D728CC3D5}" type="datetimeFigureOut">
               <a:rPr lang="ru-RU" smtClean="0"/>
-              <a:t>07.06.2018</a:t>
+              <a:t>11.06.2018</a:t>
             </a:fld>
             <a:endParaRPr lang="ru-RU"/>
           </a:p>
@@ -21175,7 +21106,7 @@
           <a:p>
             <a:fld id="{D72D3A20-6BB2-4AD6-ACA3-B11D728CC3D5}" type="datetimeFigureOut">
               <a:rPr lang="ru-RU" smtClean="0"/>
-              <a:t>07.06.2018</a:t>
+              <a:t>11.06.2018</a:t>
             </a:fld>
             <a:endParaRPr lang="ru-RU"/>
           </a:p>
@@ -21564,7 +21495,7 @@
           <a:p>
             <a:fld id="{D72D3A20-6BB2-4AD6-ACA3-B11D728CC3D5}" type="datetimeFigureOut">
               <a:rPr lang="ru-RU" smtClean="0"/>
-              <a:t>07.06.2018</a:t>
+              <a:t>11.06.2018</a:t>
             </a:fld>
             <a:endParaRPr lang="ru-RU"/>
           </a:p>
@@ -21741,7 +21672,7 @@
           <a:p>
             <a:fld id="{D72D3A20-6BB2-4AD6-ACA3-B11D728CC3D5}" type="datetimeFigureOut">
               <a:rPr lang="ru-RU" smtClean="0"/>
-              <a:t>07.06.2018</a:t>
+              <a:t>11.06.2018</a:t>
             </a:fld>
             <a:endParaRPr lang="ru-RU"/>
           </a:p>
@@ -22004,7 +21935,7 @@
           <a:p>
             <a:fld id="{D72D3A20-6BB2-4AD6-ACA3-B11D728CC3D5}" type="datetimeFigureOut">
               <a:rPr lang="ru-RU" smtClean="0"/>
-              <a:t>07.06.2018</a:t>
+              <a:t>11.06.2018</a:t>
             </a:fld>
             <a:endParaRPr lang="ru-RU"/>
           </a:p>
@@ -22298,7 +22229,7 @@
           <a:p>
             <a:fld id="{D72D3A20-6BB2-4AD6-ACA3-B11D728CC3D5}" type="datetimeFigureOut">
               <a:rPr lang="ru-RU" smtClean="0"/>
-              <a:t>07.06.2018</a:t>
+              <a:t>11.06.2018</a:t>
             </a:fld>
             <a:endParaRPr lang="ru-RU"/>
           </a:p>
@@ -22547,7 +22478,7 @@
           <a:p>
             <a:fld id="{D72D3A20-6BB2-4AD6-ACA3-B11D728CC3D5}" type="datetimeFigureOut">
               <a:rPr lang="ru-RU" smtClean="0"/>
-              <a:t>07.06.2018</a:t>
+              <a:t>11.06.2018</a:t>
             </a:fld>
             <a:endParaRPr lang="ru-RU"/>
           </a:p>
@@ -22897,7 +22828,7 @@
           <a:p>
             <a:fld id="{D72D3A20-6BB2-4AD6-ACA3-B11D728CC3D5}" type="datetimeFigureOut">
               <a:rPr lang="ru-RU" smtClean="0"/>
-              <a:t>07.06.2018</a:t>
+              <a:t>11.06.2018</a:t>
             </a:fld>
             <a:endParaRPr lang="ru-RU"/>
           </a:p>
@@ -23067,7 +22998,7 @@
           <a:p>
             <a:fld id="{D72D3A20-6BB2-4AD6-ACA3-B11D728CC3D5}" type="datetimeFigureOut">
               <a:rPr lang="ru-RU" smtClean="0"/>
-              <a:t>07.06.2018</a:t>
+              <a:t>11.06.2018</a:t>
             </a:fld>
             <a:endParaRPr lang="ru-RU"/>
           </a:p>
@@ -23304,7 +23235,7 @@
           <a:p>
             <a:fld id="{D72D3A20-6BB2-4AD6-ACA3-B11D728CC3D5}" type="datetimeFigureOut">
               <a:rPr lang="ru-RU" smtClean="0"/>
-              <a:t>07.06.2018</a:t>
+              <a:t>11.06.2018</a:t>
             </a:fld>
             <a:endParaRPr lang="ru-RU"/>
           </a:p>
@@ -23683,7 +23614,7 @@
           <a:p>
             <a:fld id="{D72D3A20-6BB2-4AD6-ACA3-B11D728CC3D5}" type="datetimeFigureOut">
               <a:rPr lang="ru-RU" smtClean="0"/>
-              <a:t>07.06.2018</a:t>
+              <a:t>11.06.2018</a:t>
             </a:fld>
             <a:endParaRPr lang="ru-RU"/>
           </a:p>
@@ -23801,7 +23732,7 @@
           <a:p>
             <a:fld id="{D72D3A20-6BB2-4AD6-ACA3-B11D728CC3D5}" type="datetimeFigureOut">
               <a:rPr lang="ru-RU" smtClean="0"/>
-              <a:t>07.06.2018</a:t>
+              <a:t>11.06.2018</a:t>
             </a:fld>
             <a:endParaRPr lang="ru-RU"/>
           </a:p>
@@ -24003,7 +23934,7 @@
           <a:p>
             <a:fld id="{D72D3A20-6BB2-4AD6-ACA3-B11D728CC3D5}" type="datetimeFigureOut">
               <a:rPr lang="ru-RU" smtClean="0"/>
-              <a:t>07.06.2018</a:t>
+              <a:t>11.06.2018</a:t>
             </a:fld>
             <a:endParaRPr lang="ru-RU"/>
           </a:p>
@@ -24357,7 +24288,7 @@
           <a:p>
             <a:fld id="{D72D3A20-6BB2-4AD6-ACA3-B11D728CC3D5}" type="datetimeFigureOut">
               <a:rPr lang="ru-RU" smtClean="0"/>
-              <a:t>07.06.2018</a:t>
+              <a:t>11.06.2018</a:t>
             </a:fld>
             <a:endParaRPr lang="ru-RU"/>
           </a:p>
@@ -24746,7 +24677,7 @@
           <a:p>
             <a:fld id="{D72D3A20-6BB2-4AD6-ACA3-B11D728CC3D5}" type="datetimeFigureOut">
               <a:rPr lang="ru-RU" smtClean="0"/>
-              <a:t>07.06.2018</a:t>
+              <a:t>11.06.2018</a:t>
             </a:fld>
             <a:endParaRPr lang="ru-RU"/>
           </a:p>
@@ -24923,7 +24854,7 @@
           <a:p>
             <a:fld id="{D72D3A20-6BB2-4AD6-ACA3-B11D728CC3D5}" type="datetimeFigureOut">
               <a:rPr lang="ru-RU" smtClean="0"/>
-              <a:t>07.06.2018</a:t>
+              <a:t>11.06.2018</a:t>
             </a:fld>
             <a:endParaRPr lang="ru-RU"/>
           </a:p>
@@ -25186,7 +25117,7 @@
           <a:p>
             <a:fld id="{D72D3A20-6BB2-4AD6-ACA3-B11D728CC3D5}" type="datetimeFigureOut">
               <a:rPr lang="ru-RU" smtClean="0"/>
-              <a:t>07.06.2018</a:t>
+              <a:t>11.06.2018</a:t>
             </a:fld>
             <a:endParaRPr lang="ru-RU"/>
           </a:p>
@@ -25480,7 +25411,7 @@
           <a:p>
             <a:fld id="{D72D3A20-6BB2-4AD6-ACA3-B11D728CC3D5}" type="datetimeFigureOut">
               <a:rPr lang="ru-RU" smtClean="0"/>
-              <a:t>07.06.2018</a:t>
+              <a:t>11.06.2018</a:t>
             </a:fld>
             <a:endParaRPr lang="ru-RU"/>
           </a:p>
@@ -25729,7 +25660,7 @@
           <a:p>
             <a:fld id="{D72D3A20-6BB2-4AD6-ACA3-B11D728CC3D5}" type="datetimeFigureOut">
               <a:rPr lang="ru-RU" smtClean="0"/>
-              <a:t>07.06.2018</a:t>
+              <a:t>11.06.2018</a:t>
             </a:fld>
             <a:endParaRPr lang="ru-RU"/>
           </a:p>
@@ -26020,7 +25951,7 @@
           <a:p>
             <a:fld id="{D72D3A20-6BB2-4AD6-ACA3-B11D728CC3D5}" type="datetimeFigureOut">
               <a:rPr lang="ru-RU" smtClean="0"/>
-              <a:t>07.06.2018</a:t>
+              <a:t>11.06.2018</a:t>
             </a:fld>
             <a:endParaRPr lang="ru-RU"/>
           </a:p>
@@ -26363,7 +26294,7 @@
           <a:p>
             <a:fld id="{D72D3A20-6BB2-4AD6-ACA3-B11D728CC3D5}" type="datetimeFigureOut">
               <a:rPr lang="ru-RU" smtClean="0"/>
-              <a:t>07.06.2018</a:t>
+              <a:t>11.06.2018</a:t>
             </a:fld>
             <a:endParaRPr lang="ru-RU"/>
           </a:p>
@@ -26675,7 +26606,7 @@
           <a:p>
             <a:fld id="{D72D3A20-6BB2-4AD6-ACA3-B11D728CC3D5}" type="datetimeFigureOut">
               <a:rPr lang="ru-RU" smtClean="0"/>
-              <a:t>07.06.2018</a:t>
+              <a:t>11.06.2018</a:t>
             </a:fld>
             <a:endParaRPr lang="ru-RU"/>
           </a:p>
@@ -27054,7 +26985,7 @@
           <a:p>
             <a:fld id="{D72D3A20-6BB2-4AD6-ACA3-B11D728CC3D5}" type="datetimeFigureOut">
               <a:rPr lang="ru-RU" smtClean="0"/>
-              <a:t>07.06.2018</a:t>
+              <a:t>11.06.2018</a:t>
             </a:fld>
             <a:endParaRPr lang="ru-RU"/>
           </a:p>
@@ -27172,7 +27103,7 @@
           <a:p>
             <a:fld id="{D72D3A20-6BB2-4AD6-ACA3-B11D728CC3D5}" type="datetimeFigureOut">
               <a:rPr lang="ru-RU" smtClean="0"/>
-              <a:t>07.06.2018</a:t>
+              <a:t>11.06.2018</a:t>
             </a:fld>
             <a:endParaRPr lang="ru-RU"/>
           </a:p>
@@ -27345,7 +27276,7 @@
           <a:p>
             <a:fld id="{D72D3A20-6BB2-4AD6-ACA3-B11D728CC3D5}" type="datetimeFigureOut">
               <a:rPr lang="ru-RU" smtClean="0"/>
-              <a:t>07.06.2018</a:t>
+              <a:t>11.06.2018</a:t>
             </a:fld>
             <a:endParaRPr lang="ru-RU"/>
           </a:p>
@@ -27714,7 +27645,7 @@
           <a:p>
             <a:fld id="{D72D3A20-6BB2-4AD6-ACA3-B11D728CC3D5}" type="datetimeFigureOut">
               <a:rPr lang="ru-RU" smtClean="0"/>
-              <a:t>07.06.2018</a:t>
+              <a:t>11.06.2018</a:t>
             </a:fld>
             <a:endParaRPr lang="ru-RU"/>
           </a:p>
@@ -28103,7 +28034,7 @@
           <a:p>
             <a:fld id="{D72D3A20-6BB2-4AD6-ACA3-B11D728CC3D5}" type="datetimeFigureOut">
               <a:rPr lang="ru-RU" smtClean="0"/>
-              <a:t>07.06.2018</a:t>
+              <a:t>11.06.2018</a:t>
             </a:fld>
             <a:endParaRPr lang="ru-RU"/>
           </a:p>
@@ -28280,7 +28211,7 @@
           <a:p>
             <a:fld id="{D72D3A20-6BB2-4AD6-ACA3-B11D728CC3D5}" type="datetimeFigureOut">
               <a:rPr lang="ru-RU" smtClean="0"/>
-              <a:t>07.06.2018</a:t>
+              <a:t>11.06.2018</a:t>
             </a:fld>
             <a:endParaRPr lang="ru-RU"/>
           </a:p>
@@ -28543,7 +28474,7 @@
           <a:p>
             <a:fld id="{D72D3A20-6BB2-4AD6-ACA3-B11D728CC3D5}" type="datetimeFigureOut">
               <a:rPr lang="ru-RU" smtClean="0"/>
-              <a:t>07.06.2018</a:t>
+              <a:t>11.06.2018</a:t>
             </a:fld>
             <a:endParaRPr lang="ru-RU"/>
           </a:p>
@@ -28668,7 +28599,7 @@
           <a:p>
             <a:fld id="{D72D3A20-6BB2-4AD6-ACA3-B11D728CC3D5}" type="datetimeFigureOut">
               <a:rPr lang="ru-RU" smtClean="0"/>
-              <a:t>07.06.2018</a:t>
+              <a:t>11.06.2018</a:t>
             </a:fld>
             <a:endParaRPr lang="ru-RU"/>
           </a:p>
@@ -28979,7 +28910,7 @@
           <a:p>
             <a:fld id="{D72D3A20-6BB2-4AD6-ACA3-B11D728CC3D5}" type="datetimeFigureOut">
               <a:rPr lang="ru-RU" smtClean="0"/>
-              <a:t>07.06.2018</a:t>
+              <a:t>11.06.2018</a:t>
             </a:fld>
             <a:endParaRPr lang="ru-RU"/>
           </a:p>
@@ -29266,7 +29197,7 @@
           <a:p>
             <a:fld id="{D72D3A20-6BB2-4AD6-ACA3-B11D728CC3D5}" type="datetimeFigureOut">
               <a:rPr lang="ru-RU" smtClean="0"/>
-              <a:t>07.06.2018</a:t>
+              <a:t>11.06.2018</a:t>
             </a:fld>
             <a:endParaRPr lang="ru-RU"/>
           </a:p>
@@ -29515,7 +29446,7 @@
           <a:p>
             <a:fld id="{D72D3A20-6BB2-4AD6-ACA3-B11D728CC3D5}" type="datetimeFigureOut">
               <a:rPr lang="ru-RU" smtClean="0"/>
-              <a:t>07.06.2018</a:t>
+              <a:t>11.06.2018</a:t>
             </a:fld>
             <a:endParaRPr lang="ru-RU"/>
           </a:p>
@@ -29865,7 +29796,7 @@
           <a:p>
             <a:fld id="{D72D3A20-6BB2-4AD6-ACA3-B11D728CC3D5}" type="datetimeFigureOut">
               <a:rPr lang="ru-RU" smtClean="0"/>
-              <a:t>07.06.2018</a:t>
+              <a:t>11.06.2018</a:t>
             </a:fld>
             <a:endParaRPr lang="ru-RU"/>
           </a:p>
@@ -30177,7 +30108,7 @@
           <a:p>
             <a:fld id="{D72D3A20-6BB2-4AD6-ACA3-B11D728CC3D5}" type="datetimeFigureOut">
               <a:rPr lang="ru-RU" smtClean="0"/>
-              <a:t>07.06.2018</a:t>
+              <a:t>11.06.2018</a:t>
             </a:fld>
             <a:endParaRPr lang="ru-RU"/>
           </a:p>
@@ -30556,7 +30487,7 @@
           <a:p>
             <a:fld id="{D72D3A20-6BB2-4AD6-ACA3-B11D728CC3D5}" type="datetimeFigureOut">
               <a:rPr lang="ru-RU" smtClean="0"/>
-              <a:t>07.06.2018</a:t>
+              <a:t>11.06.2018</a:t>
             </a:fld>
             <a:endParaRPr lang="ru-RU"/>
           </a:p>
@@ -30674,7 +30605,7 @@
           <a:p>
             <a:fld id="{D72D3A20-6BB2-4AD6-ACA3-B11D728CC3D5}" type="datetimeFigureOut">
               <a:rPr lang="ru-RU" smtClean="0"/>
-              <a:t>07.06.2018</a:t>
+              <a:t>11.06.2018</a:t>
             </a:fld>
             <a:endParaRPr lang="ru-RU"/>
           </a:p>
@@ -30853,7 +30784,7 @@
           <a:p>
             <a:fld id="{D72D3A20-6BB2-4AD6-ACA3-B11D728CC3D5}" type="datetimeFigureOut">
               <a:rPr lang="ru-RU" smtClean="0"/>
-              <a:t>07.06.2018</a:t>
+              <a:t>11.06.2018</a:t>
             </a:fld>
             <a:endParaRPr lang="ru-RU"/>
           </a:p>
@@ -31222,7 +31153,7 @@
           <a:p>
             <a:fld id="{D72D3A20-6BB2-4AD6-ACA3-B11D728CC3D5}" type="datetimeFigureOut">
               <a:rPr lang="ru-RU" smtClean="0"/>
-              <a:t>07.06.2018</a:t>
+              <a:t>11.06.2018</a:t>
             </a:fld>
             <a:endParaRPr lang="ru-RU"/>
           </a:p>
@@ -31611,7 +31542,7 @@
           <a:p>
             <a:fld id="{D72D3A20-6BB2-4AD6-ACA3-B11D728CC3D5}" type="datetimeFigureOut">
               <a:rPr lang="ru-RU" smtClean="0"/>
-              <a:t>07.06.2018</a:t>
+              <a:t>11.06.2018</a:t>
             </a:fld>
             <a:endParaRPr lang="ru-RU"/>
           </a:p>
@@ -31788,7 +31719,7 @@
           <a:p>
             <a:fld id="{D72D3A20-6BB2-4AD6-ACA3-B11D728CC3D5}" type="datetimeFigureOut">
               <a:rPr lang="ru-RU" smtClean="0"/>
-              <a:t>07.06.2018</a:t>
+              <a:t>11.06.2018</a:t>
             </a:fld>
             <a:endParaRPr lang="ru-RU"/>
           </a:p>
@@ -32009,7 +31940,7 @@
           <a:p>
             <a:fld id="{D72D3A20-6BB2-4AD6-ACA3-B11D728CC3D5}" type="datetimeFigureOut">
               <a:rPr lang="ru-RU" smtClean="0"/>
-              <a:t>07.06.2018</a:t>
+              <a:t>11.06.2018</a:t>
             </a:fld>
             <a:endParaRPr lang="ru-RU"/>
           </a:p>
@@ -32617,7 +32548,7 @@
           <a:p>
             <a:fld id="{D72D3A20-6BB2-4AD6-ACA3-B11D728CC3D5}" type="datetimeFigureOut">
               <a:rPr lang="ru-RU" smtClean="0"/>
-              <a:t>07.06.2018</a:t>
+              <a:t>11.06.2018</a:t>
             </a:fld>
             <a:endParaRPr lang="ru-RU"/>
           </a:p>
@@ -33394,7 +33325,7 @@
           <a:p>
             <a:fld id="{D72D3A20-6BB2-4AD6-ACA3-B11D728CC3D5}" type="datetimeFigureOut">
               <a:rPr lang="ru-RU" smtClean="0"/>
-              <a:t>07.06.2018</a:t>
+              <a:t>11.06.2018</a:t>
             </a:fld>
             <a:endParaRPr lang="ru-RU"/>
           </a:p>
@@ -34169,7 +34100,7 @@
           <a:p>
             <a:fld id="{D72D3A20-6BB2-4AD6-ACA3-B11D728CC3D5}" type="datetimeFigureOut">
               <a:rPr lang="ru-RU" smtClean="0"/>
-              <a:t>07.06.2018</a:t>
+              <a:t>11.06.2018</a:t>
             </a:fld>
             <a:endParaRPr lang="ru-RU"/>
           </a:p>
@@ -34944,7 +34875,7 @@
           <a:p>
             <a:fld id="{D72D3A20-6BB2-4AD6-ACA3-B11D728CC3D5}" type="datetimeFigureOut">
               <a:rPr lang="ru-RU" smtClean="0"/>
-              <a:t>07.06.2018</a:t>
+              <a:t>11.06.2018</a:t>
             </a:fld>
             <a:endParaRPr lang="ru-RU"/>
           </a:p>
@@ -35719,7 +35650,7 @@
           <a:p>
             <a:fld id="{D72D3A20-6BB2-4AD6-ACA3-B11D728CC3D5}" type="datetimeFigureOut">
               <a:rPr lang="ru-RU" smtClean="0"/>
-              <a:t>07.06.2018</a:t>
+              <a:t>11.06.2018</a:t>
             </a:fld>
             <a:endParaRPr lang="ru-RU"/>
           </a:p>
@@ -36494,7 +36425,7 @@
           <a:p>
             <a:fld id="{D72D3A20-6BB2-4AD6-ACA3-B11D728CC3D5}" type="datetimeFigureOut">
               <a:rPr lang="ru-RU" smtClean="0"/>
-              <a:t>07.06.2018</a:t>
+              <a:t>11.06.2018</a:t>
             </a:fld>
             <a:endParaRPr lang="ru-RU"/>
           </a:p>
@@ -37269,7 +37200,7 @@
           <a:p>
             <a:fld id="{D72D3A20-6BB2-4AD6-ACA3-B11D728CC3D5}" type="datetimeFigureOut">
               <a:rPr lang="ru-RU" smtClean="0"/>
-              <a:t>07.06.2018</a:t>
+              <a:t>11.06.2018</a:t>
             </a:fld>
             <a:endParaRPr lang="ru-RU"/>
           </a:p>
@@ -38044,7 +37975,7 @@
           <a:p>
             <a:fld id="{D72D3A20-6BB2-4AD6-ACA3-B11D728CC3D5}" type="datetimeFigureOut">
               <a:rPr lang="ru-RU" smtClean="0"/>
-              <a:t>07.06.2018</a:t>
+              <a:t>11.06.2018</a:t>
             </a:fld>
             <a:endParaRPr lang="ru-RU"/>
           </a:p>
@@ -38820,7 +38751,7 @@
           <a:p>
             <a:fld id="{D72D3A20-6BB2-4AD6-ACA3-B11D728CC3D5}" type="datetimeFigureOut">
               <a:rPr lang="ru-RU" smtClean="0"/>
-              <a:t>07.06.2018</a:t>
+              <a:t>11.06.2018</a:t>
             </a:fld>
             <a:endParaRPr lang="ru-RU"/>
           </a:p>
@@ -39409,16 +39340,38 @@
               <a:t>Как написать многопоточное </a:t>
             </a:r>
             <a:r>
-              <a:rPr lang="en-US" b="1" dirty="0" err="1" smtClean="0"/>
-              <a:t>.Net</a:t>
-            </a:r>
-            <a:r>
-              <a:rPr lang="en-US" b="1" dirty="0"/>
+              <a:rPr lang="en-US" b="1" dirty="0" smtClean="0"/>
+              <a:t/>
+            </a:r>
+            <a:br>
+              <a:rPr lang="en-US" b="1" dirty="0" smtClean="0"/>
+            </a:br>
+            <a:r>
+              <a:rPr lang="en-US" b="1" dirty="0" smtClean="0"/>
+              <a:t>.N</a:t>
+            </a:r>
+            <a:r>
+              <a:rPr lang="en-US" b="1" dirty="0" smtClean="0"/>
+              <a:t>ET-</a:t>
+            </a:r>
+            <a:r>
+              <a:rPr lang="en-US" b="1" dirty="0" smtClean="0"/>
               <a:t> </a:t>
             </a:r>
             <a:r>
               <a:rPr lang="ru-RU" b="1" dirty="0" smtClean="0"/>
-              <a:t>приложение в </a:t>
+              <a:t>приложение </a:t>
+            </a:r>
+            <a:r>
+              <a:rPr lang="en-US" b="1" dirty="0" smtClean="0"/>
+              <a:t/>
+            </a:r>
+            <a:br>
+              <a:rPr lang="en-US" b="1" dirty="0" smtClean="0"/>
+            </a:br>
+            <a:r>
+              <a:rPr lang="ru-RU" b="1" dirty="0" smtClean="0"/>
+              <a:t>в </a:t>
             </a:r>
             <a:r>
               <a:rPr lang="ru-RU" b="1" dirty="0"/>
@@ -39492,16 +39445,39 @@
           <a:chExt cx="0" cy="0"/>
         </a:xfrm>
       </p:grpSpPr>
+      <p:sp>
+        <p:nvSpPr>
+          <p:cNvPr id="2" name="Заголовок 1"/>
+          <p:cNvSpPr>
+            <a:spLocks noGrp="1"/>
+          </p:cNvSpPr>
+          <p:nvPr>
+            <p:ph type="title"/>
+          </p:nvPr>
+        </p:nvSpPr>
+        <p:spPr/>
+        <p:txBody>
+          <a:bodyPr/>
+          <a:lstStyle/>
+          <a:p>
+            <a:r>
+              <a:rPr lang="ru-RU" dirty="0" smtClean="0"/>
+              <a:t>Обработка запросов к сервису</a:t>
+            </a:r>
+            <a:endParaRPr lang="ru-RU" dirty="0"/>
+          </a:p>
+        </p:txBody>
+      </p:sp>
       <p:pic>
         <p:nvPicPr>
-          <p:cNvPr id="5124" name="Picture 4" descr="Waiting Asynchronously for an External Resource"/>
+          <p:cNvPr id="3074" name="Picture 2" descr="Waiting Synchronously for an External Resource"/>
           <p:cNvPicPr>
             <a:picLocks noChangeAspect="1" noChangeArrowheads="1"/>
           </p:cNvPicPr>
           <p:nvPr/>
         </p:nvPicPr>
         <p:blipFill>
-          <a:blip r:embed="rId3">
+          <a:blip r:embed="rId2">
             <a:extLst>
               <a:ext uri="{28A0092B-C50C-407E-A947-70E740481C1C}">
                 <a14:useLocalDpi xmlns:a14="http://schemas.microsoft.com/office/drawing/2010/main" val="0"/>
@@ -39515,8 +39491,8 @@
         </p:blipFill>
         <p:spPr bwMode="auto">
           <a:xfrm>
-            <a:off x="6391276" y="4206875"/>
-            <a:ext cx="4853898" cy="1447344"/>
+            <a:off x="1252854" y="2098674"/>
+            <a:ext cx="9896127" cy="2950845"/>
           </a:xfrm>
           <a:prstGeom prst="rect">
             <a:avLst/>
@@ -39533,223 +39509,10 @@
           </a:extLst>
         </p:spPr>
       </p:pic>
-      <p:sp>
-        <p:nvSpPr>
-          <p:cNvPr id="2" name="Заголовок 1"/>
-          <p:cNvSpPr>
-            <a:spLocks noGrp="1"/>
-          </p:cNvSpPr>
-          <p:nvPr>
-            <p:ph type="title"/>
-          </p:nvPr>
-        </p:nvSpPr>
-        <p:spPr/>
-        <p:txBody>
-          <a:bodyPr/>
-          <a:lstStyle/>
-          <a:p>
-            <a:r>
-              <a:rPr lang="ru-RU" dirty="0" smtClean="0"/>
-              <a:t>Зачем асинхронность?</a:t>
-            </a:r>
-            <a:endParaRPr lang="ru-RU" dirty="0"/>
-          </a:p>
-        </p:txBody>
-      </p:sp>
-      <p:sp>
-        <p:nvSpPr>
-          <p:cNvPr id="3" name="Объект 2"/>
-          <p:cNvSpPr>
-            <a:spLocks noGrp="1"/>
-          </p:cNvSpPr>
-          <p:nvPr>
-            <p:ph idx="1"/>
-          </p:nvPr>
-        </p:nvSpPr>
-        <p:spPr/>
-        <p:txBody>
-          <a:bodyPr>
-            <a:normAutofit/>
-          </a:bodyPr>
-          <a:lstStyle/>
-          <a:p>
-            <a:pPr>
-              <a:buFont typeface="Courier New" panose="02070309020205020404" pitchFamily="49" charset="0"/>
-              <a:buChar char="o"/>
-            </a:pPr>
-            <a:r>
-              <a:rPr lang="en-US" sz="3600" dirty="0" smtClean="0"/>
-              <a:t> </a:t>
-            </a:r>
-            <a:r>
-              <a:rPr lang="ru-RU" sz="3600" dirty="0" smtClean="0"/>
-              <a:t>Отзывчивость</a:t>
-            </a:r>
-          </a:p>
-          <a:p>
-            <a:pPr>
-              <a:buFont typeface="Courier New" panose="02070309020205020404" pitchFamily="49" charset="0"/>
-              <a:buChar char="o"/>
-            </a:pPr>
-            <a:r>
-              <a:rPr lang="ru-RU" sz="3600" dirty="0" smtClean="0"/>
-              <a:t> Масштабируемость</a:t>
-            </a:r>
-            <a:endParaRPr lang="ru-RU" sz="3600" dirty="0"/>
-          </a:p>
-        </p:txBody>
-      </p:sp>
-      <p:pic>
-        <p:nvPicPr>
-          <p:cNvPr id="5122" name="Picture 2" descr="A Two-Threaded Server Receiving Three Requests"/>
-          <p:cNvPicPr>
-            <a:picLocks noChangeAspect="1" noChangeArrowheads="1"/>
-          </p:cNvPicPr>
-          <p:nvPr/>
-        </p:nvPicPr>
-        <p:blipFill>
-          <a:blip r:embed="rId4">
-            <a:extLst>
-              <a:ext uri="{28A0092B-C50C-407E-A947-70E740481C1C}">
-                <a14:useLocalDpi xmlns:a14="http://schemas.microsoft.com/office/drawing/2010/main" val="0"/>
-              </a:ext>
-            </a:extLst>
-          </a:blip>
-          <a:srcRect/>
-          <a:stretch>
-            <a:fillRect/>
-          </a:stretch>
-        </p:blipFill>
-        <p:spPr bwMode="auto">
-          <a:xfrm>
-            <a:off x="712957" y="4206875"/>
-            <a:ext cx="4851265" cy="1446559"/>
-          </a:xfrm>
-          <a:prstGeom prst="rect">
-            <a:avLst/>
-          </a:prstGeom>
-          <a:noFill/>
-          <a:extLst>
-            <a:ext uri="{909E8E84-426E-40DD-AFC4-6F175D3DCCD1}">
-              <a14:hiddenFill xmlns:a14="http://schemas.microsoft.com/office/drawing/2010/main">
-                <a:solidFill>
-                  <a:srgbClr val="FFFFFF"/>
-                </a:solidFill>
-              </a14:hiddenFill>
-            </a:ext>
-          </a:extLst>
-        </p:spPr>
-      </p:pic>
-      <p:cxnSp>
-        <p:nvCxnSpPr>
-          <p:cNvPr id="6" name="Прямая соединительная линия 5"/>
-          <p:cNvCxnSpPr/>
-          <p:nvPr/>
-        </p:nvCxnSpPr>
-        <p:spPr>
-          <a:xfrm>
-            <a:off x="5972175" y="3295650"/>
-            <a:ext cx="0" cy="2847975"/>
-          </a:xfrm>
-          <a:prstGeom prst="line">
-            <a:avLst/>
-          </a:prstGeom>
-        </p:spPr>
-        <p:style>
-          <a:lnRef idx="1">
-            <a:schemeClr val="accent1"/>
-          </a:lnRef>
-          <a:fillRef idx="0">
-            <a:schemeClr val="accent1"/>
-          </a:fillRef>
-          <a:effectRef idx="0">
-            <a:schemeClr val="accent1"/>
-          </a:effectRef>
-          <a:fontRef idx="minor">
-            <a:schemeClr val="tx1"/>
-          </a:fontRef>
-        </p:style>
-      </p:cxnSp>
-      <p:sp>
-        <p:nvSpPr>
-          <p:cNvPr id="9" name="TextBox 8"/>
-          <p:cNvSpPr txBox="1"/>
-          <p:nvPr/>
-        </p:nvSpPr>
-        <p:spPr>
-          <a:xfrm>
-            <a:off x="788671" y="3452170"/>
-            <a:ext cx="4496872" cy="646331"/>
-          </a:xfrm>
-          <a:prstGeom prst="rect">
-            <a:avLst/>
-          </a:prstGeom>
-          <a:noFill/>
-        </p:spPr>
-        <p:txBody>
-          <a:bodyPr wrap="none" rtlCol="0">
-            <a:spAutoFit/>
-          </a:bodyPr>
-          <a:lstStyle/>
-          <a:p>
-            <a:pPr algn="ctr"/>
-            <a:r>
-              <a:rPr lang="ru-RU" dirty="0" smtClean="0"/>
-              <a:t>Веб-сервер, синхронно ожидающий ответа </a:t>
-            </a:r>
-            <a:br>
-              <a:rPr lang="ru-RU" dirty="0" smtClean="0"/>
-            </a:br>
-            <a:r>
-              <a:rPr lang="ru-RU" dirty="0" smtClean="0"/>
-              <a:t>от внешнего ресурса</a:t>
-            </a:r>
-            <a:endParaRPr lang="ru-RU" dirty="0"/>
-          </a:p>
-        </p:txBody>
-      </p:sp>
-      <p:sp>
-        <p:nvSpPr>
-          <p:cNvPr id="12" name="TextBox 11"/>
-          <p:cNvSpPr txBox="1"/>
-          <p:nvPr/>
-        </p:nvSpPr>
-        <p:spPr>
-          <a:xfrm>
-            <a:off x="6534983" y="3452169"/>
-            <a:ext cx="4607480" cy="646331"/>
-          </a:xfrm>
-          <a:prstGeom prst="rect">
-            <a:avLst/>
-          </a:prstGeom>
-          <a:noFill/>
-        </p:spPr>
-        <p:txBody>
-          <a:bodyPr wrap="none" rtlCol="0">
-            <a:spAutoFit/>
-          </a:bodyPr>
-          <a:lstStyle/>
-          <a:p>
-            <a:pPr algn="ctr"/>
-            <a:r>
-              <a:rPr lang="ru-RU" dirty="0" smtClean="0"/>
-              <a:t>Веб-сервер, асинхронно ожидающий ответа </a:t>
-            </a:r>
-            <a:br>
-              <a:rPr lang="ru-RU" dirty="0" smtClean="0"/>
-            </a:br>
-            <a:r>
-              <a:rPr lang="ru-RU" dirty="0" smtClean="0"/>
-              <a:t>от внешнего ресурса</a:t>
-            </a:r>
-            <a:endParaRPr lang="ru-RU" dirty="0"/>
-          </a:p>
-        </p:txBody>
-      </p:sp>
     </p:spTree>
     <p:extLst>
       <p:ext uri="{BB962C8B-B14F-4D97-AF65-F5344CB8AC3E}">
-        <p14:creationId xmlns:p14="http://schemas.microsoft.com/office/powerpoint/2010/main" val="2038377600"/>
+        <p14:creationId xmlns:p14="http://schemas.microsoft.com/office/powerpoint/2010/main" val="1335348635"/>
       </p:ext>
     </p:extLst>
   </p:cSld>
@@ -39759,309 +39522,9 @@
   <p:timing>
     <p:tnLst>
       <p:par>
-        <p:cTn id="1" dur="indefinite" restart="never" nodeType="tmRoot">
-          <p:childTnLst>
-            <p:seq concurrent="1" nextAc="seek">
-              <p:cTn id="2" dur="indefinite" nodeType="mainSeq">
-                <p:childTnLst>
-                  <p:par>
-                    <p:cTn id="3" fill="hold">
-                      <p:stCondLst>
-                        <p:cond delay="indefinite"/>
-                      </p:stCondLst>
-                      <p:childTnLst>
-                        <p:par>
-                          <p:cTn id="4" fill="hold">
-                            <p:stCondLst>
-                              <p:cond delay="0"/>
-                            </p:stCondLst>
-                            <p:childTnLst>
-                              <p:par>
-                                <p:cTn id="5" presetID="10" presetClass="entr" presetSubtype="0" fill="hold" grpId="0" nodeType="clickEffect">
-                                  <p:stCondLst>
-                                    <p:cond delay="0"/>
-                                  </p:stCondLst>
-                                  <p:childTnLst>
-                                    <p:set>
-                                      <p:cBhvr>
-                                        <p:cTn id="6" dur="1" fill="hold">
-                                          <p:stCondLst>
-                                            <p:cond delay="0"/>
-                                          </p:stCondLst>
-                                        </p:cTn>
-                                        <p:tgtEl>
-                                          <p:spTgt spid="3">
-                                            <p:txEl>
-                                              <p:pRg st="1" end="1"/>
-                                            </p:txEl>
-                                          </p:spTgt>
-                                        </p:tgtEl>
-                                        <p:attrNameLst>
-                                          <p:attrName>style.visibility</p:attrName>
-                                        </p:attrNameLst>
-                                      </p:cBhvr>
-                                      <p:to>
-                                        <p:strVal val="visible"/>
-                                      </p:to>
-                                    </p:set>
-                                    <p:animEffect transition="in" filter="fade">
-                                      <p:cBhvr>
-                                        <p:cTn id="7" dur="500"/>
-                                        <p:tgtEl>
-                                          <p:spTgt spid="3">
-                                            <p:txEl>
-                                              <p:pRg st="1" end="1"/>
-                                            </p:txEl>
-                                          </p:spTgt>
-                                        </p:tgtEl>
-                                      </p:cBhvr>
-                                    </p:animEffect>
-                                  </p:childTnLst>
-                                </p:cTn>
-                              </p:par>
-                            </p:childTnLst>
-                          </p:cTn>
-                        </p:par>
-                      </p:childTnLst>
-                    </p:cTn>
-                  </p:par>
-                  <p:par>
-                    <p:cTn id="8" fill="hold">
-                      <p:stCondLst>
-                        <p:cond delay="indefinite"/>
-                      </p:stCondLst>
-                      <p:childTnLst>
-                        <p:par>
-                          <p:cTn id="9" fill="hold">
-                            <p:stCondLst>
-                              <p:cond delay="0"/>
-                            </p:stCondLst>
-                            <p:childTnLst>
-                              <p:par>
-                                <p:cTn id="10" presetID="10" presetClass="entr" presetSubtype="0" fill="hold" nodeType="clickEffect">
-                                  <p:stCondLst>
-                                    <p:cond delay="0"/>
-                                  </p:stCondLst>
-                                  <p:childTnLst>
-                                    <p:set>
-                                      <p:cBhvr>
-                                        <p:cTn id="11" dur="1" fill="hold">
-                                          <p:stCondLst>
-                                            <p:cond delay="0"/>
-                                          </p:stCondLst>
-                                        </p:cTn>
-                                        <p:tgtEl>
-                                          <p:spTgt spid="5122"/>
-                                        </p:tgtEl>
-                                        <p:attrNameLst>
-                                          <p:attrName>style.visibility</p:attrName>
-                                        </p:attrNameLst>
-                                      </p:cBhvr>
-                                      <p:to>
-                                        <p:strVal val="visible"/>
-                                      </p:to>
-                                    </p:set>
-                                    <p:animEffect transition="in" filter="fade">
-                                      <p:cBhvr>
-                                        <p:cTn id="12" dur="500"/>
-                                        <p:tgtEl>
-                                          <p:spTgt spid="5122"/>
-                                        </p:tgtEl>
-                                      </p:cBhvr>
-                                    </p:animEffect>
-                                  </p:childTnLst>
-                                </p:cTn>
-                              </p:par>
-                              <p:par>
-                                <p:cTn id="13" presetID="10" presetClass="entr" presetSubtype="0" fill="hold" grpId="0" nodeType="withEffect">
-                                  <p:stCondLst>
-                                    <p:cond delay="0"/>
-                                  </p:stCondLst>
-                                  <p:childTnLst>
-                                    <p:set>
-                                      <p:cBhvr>
-                                        <p:cTn id="14" dur="1" fill="hold">
-                                          <p:stCondLst>
-                                            <p:cond delay="0"/>
-                                          </p:stCondLst>
-                                        </p:cTn>
-                                        <p:tgtEl>
-                                          <p:spTgt spid="9"/>
-                                        </p:tgtEl>
-                                        <p:attrNameLst>
-                                          <p:attrName>style.visibility</p:attrName>
-                                        </p:attrNameLst>
-                                      </p:cBhvr>
-                                      <p:to>
-                                        <p:strVal val="visible"/>
-                                      </p:to>
-                                    </p:set>
-                                    <p:animEffect transition="in" filter="fade">
-                                      <p:cBhvr>
-                                        <p:cTn id="15" dur="500"/>
-                                        <p:tgtEl>
-                                          <p:spTgt spid="9"/>
-                                        </p:tgtEl>
-                                      </p:cBhvr>
-                                    </p:animEffect>
-                                  </p:childTnLst>
-                                </p:cTn>
-                              </p:par>
-                            </p:childTnLst>
-                          </p:cTn>
-                        </p:par>
-                      </p:childTnLst>
-                    </p:cTn>
-                  </p:par>
-                  <p:par>
-                    <p:cTn id="16" fill="hold">
-                      <p:stCondLst>
-                        <p:cond delay="indefinite"/>
-                      </p:stCondLst>
-                      <p:childTnLst>
-                        <p:par>
-                          <p:cTn id="17" fill="hold">
-                            <p:stCondLst>
-                              <p:cond delay="0"/>
-                            </p:stCondLst>
-                            <p:childTnLst>
-                              <p:par>
-                                <p:cTn id="18" presetID="10" presetClass="entr" presetSubtype="0" fill="hold" nodeType="clickEffect">
-                                  <p:stCondLst>
-                                    <p:cond delay="0"/>
-                                  </p:stCondLst>
-                                  <p:childTnLst>
-                                    <p:set>
-                                      <p:cBhvr>
-                                        <p:cTn id="19" dur="1" fill="hold">
-                                          <p:stCondLst>
-                                            <p:cond delay="0"/>
-                                          </p:stCondLst>
-                                        </p:cTn>
-                                        <p:tgtEl>
-                                          <p:spTgt spid="5124"/>
-                                        </p:tgtEl>
-                                        <p:attrNameLst>
-                                          <p:attrName>style.visibility</p:attrName>
-                                        </p:attrNameLst>
-                                      </p:cBhvr>
-                                      <p:to>
-                                        <p:strVal val="visible"/>
-                                      </p:to>
-                                    </p:set>
-                                    <p:animEffect transition="in" filter="fade">
-                                      <p:cBhvr>
-                                        <p:cTn id="20" dur="500"/>
-                                        <p:tgtEl>
-                                          <p:spTgt spid="5124"/>
-                                        </p:tgtEl>
-                                      </p:cBhvr>
-                                    </p:animEffect>
-                                  </p:childTnLst>
-                                </p:cTn>
-                              </p:par>
-                              <p:par>
-                                <p:cTn id="21" presetID="10" presetClass="entr" presetSubtype="0" fill="hold" nodeType="withEffect">
-                                  <p:stCondLst>
-                                    <p:cond delay="0"/>
-                                  </p:stCondLst>
-                                  <p:childTnLst>
-                                    <p:set>
-                                      <p:cBhvr>
-                                        <p:cTn id="22" dur="1" fill="hold">
-                                          <p:stCondLst>
-                                            <p:cond delay="0"/>
-                                          </p:stCondLst>
-                                        </p:cTn>
-                                        <p:tgtEl>
-                                          <p:spTgt spid="6"/>
-                                        </p:tgtEl>
-                                        <p:attrNameLst>
-                                          <p:attrName>style.visibility</p:attrName>
-                                        </p:attrNameLst>
-                                      </p:cBhvr>
-                                      <p:to>
-                                        <p:strVal val="visible"/>
-                                      </p:to>
-                                    </p:set>
-                                    <p:animEffect transition="in" filter="fade">
-                                      <p:cBhvr>
-                                        <p:cTn id="23" dur="500"/>
-                                        <p:tgtEl>
-                                          <p:spTgt spid="6"/>
-                                        </p:tgtEl>
-                                      </p:cBhvr>
-                                    </p:animEffect>
-                                  </p:childTnLst>
-                                </p:cTn>
-                              </p:par>
-                              <p:par>
-                                <p:cTn id="24" presetID="10" presetClass="entr" presetSubtype="0" fill="hold" grpId="0" nodeType="withEffect">
-                                  <p:stCondLst>
-                                    <p:cond delay="0"/>
-                                  </p:stCondLst>
-                                  <p:childTnLst>
-                                    <p:set>
-                                      <p:cBhvr>
-                                        <p:cTn id="25" dur="1" fill="hold">
-                                          <p:stCondLst>
-                                            <p:cond delay="0"/>
-                                          </p:stCondLst>
-                                        </p:cTn>
-                                        <p:tgtEl>
-                                          <p:spTgt spid="12"/>
-                                        </p:tgtEl>
-                                        <p:attrNameLst>
-                                          <p:attrName>style.visibility</p:attrName>
-                                        </p:attrNameLst>
-                                      </p:cBhvr>
-                                      <p:to>
-                                        <p:strVal val="visible"/>
-                                      </p:to>
-                                    </p:set>
-                                    <p:animEffect transition="in" filter="fade">
-                                      <p:cBhvr>
-                                        <p:cTn id="26" dur="500"/>
-                                        <p:tgtEl>
-                                          <p:spTgt spid="12"/>
-                                        </p:tgtEl>
-                                      </p:cBhvr>
-                                    </p:animEffect>
-                                  </p:childTnLst>
-                                </p:cTn>
-                              </p:par>
-                            </p:childTnLst>
-                          </p:cTn>
-                        </p:par>
-                      </p:childTnLst>
-                    </p:cTn>
-                  </p:par>
-                </p:childTnLst>
-              </p:cTn>
-              <p:prevCondLst>
-                <p:cond evt="onPrev" delay="0">
-                  <p:tgtEl>
-                    <p:sldTgt/>
-                  </p:tgtEl>
-                </p:cond>
-              </p:prevCondLst>
-              <p:nextCondLst>
-                <p:cond evt="onNext" delay="0">
-                  <p:tgtEl>
-                    <p:sldTgt/>
-                  </p:tgtEl>
-                </p:cond>
-              </p:nextCondLst>
-            </p:seq>
-          </p:childTnLst>
-        </p:cTn>
+        <p:cTn id="1" dur="indefinite" restart="never" nodeType="tmRoot"/>
       </p:par>
     </p:tnLst>
-    <p:bldLst>
-      <p:bldP spid="3" grpId="0" uiExpand="1" build="p"/>
-      <p:bldP spid="9" grpId="0"/>
-      <p:bldP spid="12" grpId="0"/>
-    </p:bldLst>
   </p:timing>
 </p:sld>
 </file>
@@ -40100,113 +39563,57 @@
           <a:p>
             <a:r>
               <a:rPr lang="ru-RU" dirty="0" smtClean="0"/>
-              <a:t>Экскурс в историю</a:t>
+              <a:t>Отзывчивость</a:t>
             </a:r>
             <a:endParaRPr lang="ru-RU" dirty="0"/>
           </a:p>
         </p:txBody>
       </p:sp>
-      <p:sp>
-        <p:nvSpPr>
-          <p:cNvPr id="3" name="Объект 2"/>
-          <p:cNvSpPr>
-            <a:spLocks noGrp="1"/>
-          </p:cNvSpPr>
-          <p:nvPr>
-            <p:ph idx="1"/>
-          </p:nvPr>
-        </p:nvSpPr>
-        <p:spPr/>
-        <p:txBody>
-          <a:bodyPr>
-            <a:normAutofit/>
-          </a:bodyPr>
-          <a:lstStyle/>
-          <a:p>
-            <a:r>
-              <a:rPr lang="ru-RU" sz="3200" dirty="0" smtClean="0"/>
-              <a:t>В начале</a:t>
-            </a:r>
-            <a:r>
-              <a:rPr lang="en-US" sz="3200" dirty="0" smtClean="0"/>
-              <a:t>:</a:t>
-            </a:r>
-          </a:p>
-          <a:p>
-            <a:pPr lvl="1"/>
-            <a:r>
-              <a:rPr lang="en-US" sz="2800" dirty="0" err="1" smtClean="0"/>
-              <a:t>Thread.Start</a:t>
-            </a:r>
-            <a:endParaRPr lang="en-US" sz="2800" dirty="0" smtClean="0"/>
-          </a:p>
-          <a:p>
-            <a:r>
-              <a:rPr lang="en-US" sz="3200" dirty="0" err="1" smtClean="0"/>
-              <a:t>.Net</a:t>
-            </a:r>
-            <a:r>
-              <a:rPr lang="en-US" sz="3200" dirty="0" smtClean="0"/>
-              <a:t> 4 (2010 </a:t>
-            </a:r>
-            <a:r>
-              <a:rPr lang="ru-RU" sz="3200" dirty="0" smtClean="0"/>
-              <a:t>год)</a:t>
-            </a:r>
-            <a:r>
-              <a:rPr lang="en-US" sz="3200" dirty="0" smtClean="0"/>
-              <a:t>:</a:t>
-            </a:r>
-          </a:p>
-          <a:p>
-            <a:pPr lvl="1"/>
-            <a:r>
-              <a:rPr lang="en-US" sz="2800" dirty="0" smtClean="0"/>
-              <a:t>Task Parallel Library + Parallel LINQ</a:t>
-            </a:r>
-            <a:r>
-              <a:rPr lang="ru-RU" sz="2800" dirty="0" smtClean="0"/>
-              <a:t> = </a:t>
-            </a:r>
-            <a:r>
-              <a:rPr lang="en-US" sz="2800" dirty="0" smtClean="0"/>
-              <a:t>Parallel Extensions</a:t>
-            </a:r>
-          </a:p>
-          <a:p>
-            <a:r>
-              <a:rPr lang="en-US" sz="3200" dirty="0" err="1" smtClean="0"/>
-              <a:t>.Net</a:t>
-            </a:r>
-            <a:r>
-              <a:rPr lang="en-US" sz="3200" dirty="0" smtClean="0"/>
-              <a:t> 4.5 (2012 </a:t>
-            </a:r>
-            <a:r>
-              <a:rPr lang="ru-RU" sz="3200" dirty="0" smtClean="0"/>
-              <a:t>год)</a:t>
-            </a:r>
-          </a:p>
-          <a:p>
-            <a:pPr lvl="1"/>
-            <a:r>
-              <a:rPr lang="en-US" sz="2800" dirty="0" err="1" smtClean="0"/>
-              <a:t>async</a:t>
-            </a:r>
-            <a:r>
-              <a:rPr lang="en-US" sz="2800" dirty="0" smtClean="0"/>
-              <a:t> + await</a:t>
-            </a:r>
-          </a:p>
-          <a:p>
-            <a:endParaRPr lang="en-US" sz="3200" dirty="0" smtClean="0"/>
-          </a:p>
-        </p:txBody>
-      </p:sp>
+      <p:pic>
+        <p:nvPicPr>
+          <p:cNvPr id="4102" name="Picture 6" descr="ÐÐ°ÑÑÐ¸Ð½ÐºÐ¸ Ð¿Ð¾ Ð·Ð°Ð¿ÑÐ¾ÑÑ app is not responding"/>
+          <p:cNvPicPr>
+            <a:picLocks noChangeAspect="1" noChangeArrowheads="1"/>
+          </p:cNvPicPr>
+          <p:nvPr/>
+        </p:nvPicPr>
+        <p:blipFill>
+          <a:blip r:embed="rId3">
+            <a:extLst>
+              <a:ext uri="{28A0092B-C50C-407E-A947-70E740481C1C}">
+                <a14:useLocalDpi xmlns:a14="http://schemas.microsoft.com/office/drawing/2010/main" val="0"/>
+              </a:ext>
+            </a:extLst>
+          </a:blip>
+          <a:srcRect/>
+          <a:stretch>
+            <a:fillRect/>
+          </a:stretch>
+        </p:blipFill>
+        <p:spPr bwMode="auto">
+          <a:xfrm>
+            <a:off x="1263014" y="1788160"/>
+            <a:ext cx="9801225" cy="4523642"/>
+          </a:xfrm>
+          <a:prstGeom prst="rect">
+            <a:avLst/>
+          </a:prstGeom>
+          <a:noFill/>
+          <a:extLst>
+            <a:ext uri="{909E8E84-426E-40DD-AFC4-6F175D3DCCD1}">
+              <a14:hiddenFill xmlns:a14="http://schemas.microsoft.com/office/drawing/2010/main">
+                <a:solidFill>
+                  <a:srgbClr val="FFFFFF"/>
+                </a:solidFill>
+              </a14:hiddenFill>
+            </a:ext>
+          </a:extLst>
+        </p:spPr>
+      </p:pic>
     </p:spTree>
     <p:extLst>
       <p:ext uri="{BB962C8B-B14F-4D97-AF65-F5344CB8AC3E}">
-        <p14:creationId xmlns:p14="http://schemas.microsoft.com/office/powerpoint/2010/main" val="1935824229"/>
+        <p14:creationId xmlns:p14="http://schemas.microsoft.com/office/powerpoint/2010/main" val="2038377600"/>
       </p:ext>
     </p:extLst>
   </p:cSld>
@@ -40216,307 +39623,9 @@
   <p:timing>
     <p:tnLst>
       <p:par>
-        <p:cTn id="1" dur="indefinite" restart="never" nodeType="tmRoot">
-          <p:childTnLst>
-            <p:seq concurrent="1" nextAc="seek">
-              <p:cTn id="2" dur="indefinite" nodeType="mainSeq">
-                <p:childTnLst>
-                  <p:par>
-                    <p:cTn id="3" fill="hold">
-                      <p:stCondLst>
-                        <p:cond delay="indefinite"/>
-                        <p:cond evt="onBegin" delay="0">
-                          <p:tn val="2"/>
-                        </p:cond>
-                      </p:stCondLst>
-                      <p:childTnLst>
-                        <p:par>
-                          <p:cTn id="4" fill="hold">
-                            <p:stCondLst>
-                              <p:cond delay="0"/>
-                            </p:stCondLst>
-                            <p:childTnLst>
-                              <p:par>
-                                <p:cTn id="5" presetID="10" presetClass="entr" presetSubtype="0" fill="hold" grpId="0" nodeType="withEffect">
-                                  <p:stCondLst>
-                                    <p:cond delay="0"/>
-                                  </p:stCondLst>
-                                  <p:childTnLst>
-                                    <p:set>
-                                      <p:cBhvr>
-                                        <p:cTn id="6" dur="1" fill="hold">
-                                          <p:stCondLst>
-                                            <p:cond delay="0"/>
-                                          </p:stCondLst>
-                                        </p:cTn>
-                                        <p:tgtEl>
-                                          <p:spTgt spid="3">
-                                            <p:txEl>
-                                              <p:pRg st="1" end="1"/>
-                                            </p:txEl>
-                                          </p:spTgt>
-                                        </p:tgtEl>
-                                        <p:attrNameLst>
-                                          <p:attrName>style.visibility</p:attrName>
-                                        </p:attrNameLst>
-                                      </p:cBhvr>
-                                      <p:to>
-                                        <p:strVal val="visible"/>
-                                      </p:to>
-                                    </p:set>
-                                    <p:animEffect transition="in" filter="fade">
-                                      <p:cBhvr>
-                                        <p:cTn id="7" dur="500"/>
-                                        <p:tgtEl>
-                                          <p:spTgt spid="3">
-                                            <p:txEl>
-                                              <p:pRg st="1" end="1"/>
-                                            </p:txEl>
-                                          </p:spTgt>
-                                        </p:tgtEl>
-                                      </p:cBhvr>
-                                    </p:animEffect>
-                                  </p:childTnLst>
-                                </p:cTn>
-                              </p:par>
-                            </p:childTnLst>
-                          </p:cTn>
-                        </p:par>
-                      </p:childTnLst>
-                    </p:cTn>
-                  </p:par>
-                  <p:par>
-                    <p:cTn id="8" fill="hold">
-                      <p:stCondLst>
-                        <p:cond delay="indefinite"/>
-                      </p:stCondLst>
-                      <p:childTnLst>
-                        <p:par>
-                          <p:cTn id="9" fill="hold">
-                            <p:stCondLst>
-                              <p:cond delay="0"/>
-                            </p:stCondLst>
-                            <p:childTnLst>
-                              <p:par>
-                                <p:cTn id="10" presetID="10" presetClass="entr" presetSubtype="0" fill="hold" grpId="0" nodeType="clickEffect">
-                                  <p:stCondLst>
-                                    <p:cond delay="0"/>
-                                  </p:stCondLst>
-                                  <p:childTnLst>
-                                    <p:set>
-                                      <p:cBhvr>
-                                        <p:cTn id="11" dur="1" fill="hold">
-                                          <p:stCondLst>
-                                            <p:cond delay="0"/>
-                                          </p:stCondLst>
-                                        </p:cTn>
-                                        <p:tgtEl>
-                                          <p:spTgt spid="3">
-                                            <p:txEl>
-                                              <p:pRg st="2" end="2"/>
-                                            </p:txEl>
-                                          </p:spTgt>
-                                        </p:tgtEl>
-                                        <p:attrNameLst>
-                                          <p:attrName>style.visibility</p:attrName>
-                                        </p:attrNameLst>
-                                      </p:cBhvr>
-                                      <p:to>
-                                        <p:strVal val="visible"/>
-                                      </p:to>
-                                    </p:set>
-                                    <p:animEffect transition="in" filter="fade">
-                                      <p:cBhvr>
-                                        <p:cTn id="12" dur="500"/>
-                                        <p:tgtEl>
-                                          <p:spTgt spid="3">
-                                            <p:txEl>
-                                              <p:pRg st="2" end="2"/>
-                                            </p:txEl>
-                                          </p:spTgt>
-                                        </p:tgtEl>
-                                      </p:cBhvr>
-                                    </p:animEffect>
-                                  </p:childTnLst>
-                                </p:cTn>
-                              </p:par>
-                              <p:par>
-                                <p:cTn id="13" presetID="10" presetClass="entr" presetSubtype="0" fill="hold" grpId="0" nodeType="withEffect">
-                                  <p:stCondLst>
-                                    <p:cond delay="0"/>
-                                  </p:stCondLst>
-                                  <p:childTnLst>
-                                    <p:set>
-                                      <p:cBhvr>
-                                        <p:cTn id="14" dur="1" fill="hold">
-                                          <p:stCondLst>
-                                            <p:cond delay="0"/>
-                                          </p:stCondLst>
-                                        </p:cTn>
-                                        <p:tgtEl>
-                                          <p:spTgt spid="3">
-                                            <p:txEl>
-                                              <p:pRg st="3" end="3"/>
-                                            </p:txEl>
-                                          </p:spTgt>
-                                        </p:tgtEl>
-                                        <p:attrNameLst>
-                                          <p:attrName>style.visibility</p:attrName>
-                                        </p:attrNameLst>
-                                      </p:cBhvr>
-                                      <p:to>
-                                        <p:strVal val="visible"/>
-                                      </p:to>
-                                    </p:set>
-                                    <p:animEffect transition="in" filter="fade">
-                                      <p:cBhvr>
-                                        <p:cTn id="15" dur="500"/>
-                                        <p:tgtEl>
-                                          <p:spTgt spid="3">
-                                            <p:txEl>
-                                              <p:pRg st="3" end="3"/>
-                                            </p:txEl>
-                                          </p:spTgt>
-                                        </p:tgtEl>
-                                      </p:cBhvr>
-                                    </p:animEffect>
-                                  </p:childTnLst>
-                                </p:cTn>
-                              </p:par>
-                            </p:childTnLst>
-                          </p:cTn>
-                        </p:par>
-                      </p:childTnLst>
-                    </p:cTn>
-                  </p:par>
-                  <p:par>
-                    <p:cTn id="16" fill="hold">
-                      <p:stCondLst>
-                        <p:cond delay="indefinite"/>
-                      </p:stCondLst>
-                      <p:childTnLst>
-                        <p:par>
-                          <p:cTn id="17" fill="hold">
-                            <p:stCondLst>
-                              <p:cond delay="0"/>
-                            </p:stCondLst>
-                            <p:childTnLst>
-                              <p:par>
-                                <p:cTn id="18" presetID="10" presetClass="entr" presetSubtype="0" fill="hold" grpId="0" nodeType="clickEffect">
-                                  <p:stCondLst>
-                                    <p:cond delay="0"/>
-                                  </p:stCondLst>
-                                  <p:childTnLst>
-                                    <p:set>
-                                      <p:cBhvr>
-                                        <p:cTn id="19" dur="1" fill="hold">
-                                          <p:stCondLst>
-                                            <p:cond delay="0"/>
-                                          </p:stCondLst>
-                                        </p:cTn>
-                                        <p:tgtEl>
-                                          <p:spTgt spid="3">
-                                            <p:txEl>
-                                              <p:pRg st="4" end="4"/>
-                                            </p:txEl>
-                                          </p:spTgt>
-                                        </p:tgtEl>
-                                        <p:attrNameLst>
-                                          <p:attrName>style.visibility</p:attrName>
-                                        </p:attrNameLst>
-                                      </p:cBhvr>
-                                      <p:to>
-                                        <p:strVal val="visible"/>
-                                      </p:to>
-                                    </p:set>
-                                    <p:animEffect transition="in" filter="fade">
-                                      <p:cBhvr>
-                                        <p:cTn id="20" dur="500"/>
-                                        <p:tgtEl>
-                                          <p:spTgt spid="3">
-                                            <p:txEl>
-                                              <p:pRg st="4" end="4"/>
-                                            </p:txEl>
-                                          </p:spTgt>
-                                        </p:tgtEl>
-                                      </p:cBhvr>
-                                    </p:animEffect>
-                                  </p:childTnLst>
-                                </p:cTn>
-                              </p:par>
-                              <p:par>
-                                <p:cTn id="21" presetID="10" presetClass="entr" presetSubtype="0" fill="hold" grpId="0" nodeType="withEffect">
-                                  <p:stCondLst>
-                                    <p:cond delay="0"/>
-                                  </p:stCondLst>
-                                  <p:childTnLst>
-                                    <p:set>
-                                      <p:cBhvr>
-                                        <p:cTn id="22" dur="1" fill="hold">
-                                          <p:stCondLst>
-                                            <p:cond delay="0"/>
-                                          </p:stCondLst>
-                                        </p:cTn>
-                                        <p:tgtEl>
-                                          <p:spTgt spid="3">
-                                            <p:txEl>
-                                              <p:pRg st="5" end="5"/>
-                                            </p:txEl>
-                                          </p:spTgt>
-                                        </p:tgtEl>
-                                        <p:attrNameLst>
-                                          <p:attrName>style.visibility</p:attrName>
-                                        </p:attrNameLst>
-                                      </p:cBhvr>
-                                      <p:to>
-                                        <p:strVal val="visible"/>
-                                      </p:to>
-                                    </p:set>
-                                    <p:animEffect transition="in" filter="fade">
-                                      <p:cBhvr>
-                                        <p:cTn id="23" dur="500"/>
-                                        <p:tgtEl>
-                                          <p:spTgt spid="3">
-                                            <p:txEl>
-                                              <p:pRg st="5" end="5"/>
-                                            </p:txEl>
-                                          </p:spTgt>
-                                        </p:tgtEl>
-                                      </p:cBhvr>
-                                    </p:animEffect>
-                                  </p:childTnLst>
-                                </p:cTn>
-                              </p:par>
-                            </p:childTnLst>
-                          </p:cTn>
-                        </p:par>
-                      </p:childTnLst>
-                    </p:cTn>
-                  </p:par>
-                </p:childTnLst>
-              </p:cTn>
-              <p:prevCondLst>
-                <p:cond evt="onPrev" delay="0">
-                  <p:tgtEl>
-                    <p:sldTgt/>
-                  </p:tgtEl>
-                </p:cond>
-              </p:prevCondLst>
-              <p:nextCondLst>
-                <p:cond evt="onNext" delay="0">
-                  <p:tgtEl>
-                    <p:sldTgt/>
-                  </p:tgtEl>
-                </p:cond>
-              </p:nextCondLst>
-            </p:seq>
-          </p:childTnLst>
-        </p:cTn>
+        <p:cTn id="1" dur="indefinite" restart="never" nodeType="tmRoot"/>
       </p:par>
     </p:tnLst>
-    <p:bldLst>
-      <p:bldP spid="3" grpId="0" uiExpand="1" build="p"/>
-    </p:bldLst>
   </p:timing>
 </p:sld>
 </file>
@@ -40555,35 +39664,15 @@
           <a:p>
             <a:r>
               <a:rPr lang="ru-RU" dirty="0" smtClean="0"/>
-              <a:t>Как не выстрелить себе в ногу</a:t>
+              <a:t>Масштабируемость</a:t>
             </a:r>
             <a:endParaRPr lang="ru-RU" dirty="0"/>
-          </a:p>
-        </p:txBody>
-      </p:sp>
-      <p:sp>
-        <p:nvSpPr>
-          <p:cNvPr id="3" name="Объект 2"/>
-          <p:cNvSpPr>
-            <a:spLocks noGrp="1"/>
-          </p:cNvSpPr>
-          <p:nvPr>
-            <p:ph idx="1"/>
-          </p:nvPr>
-        </p:nvSpPr>
-        <p:spPr/>
-        <p:txBody>
-          <a:bodyPr/>
-          <a:lstStyle/>
-          <a:p>
-            <a:endParaRPr lang="ru-RU"/>
           </a:p>
         </p:txBody>
       </p:sp>
       <p:pic>
         <p:nvPicPr>
-          <p:cNvPr id="6146" name="Picture 2" descr="ÐÐ¾Ñ-Ð¾Ð¶ÐµÐµ Ð¸Ð·Ð¾Ð±ÑÐ°Ð¶ÐµÐ½Ð¸Ðµ"/>
+          <p:cNvPr id="4" name="Picture 4" descr="Waiting Asynchronously for an External Resource"/>
           <p:cNvPicPr>
             <a:picLocks noChangeAspect="1" noChangeArrowheads="1"/>
           </p:cNvPicPr>
@@ -40604,8 +39693,8 @@
         </p:blipFill>
         <p:spPr bwMode="auto">
           <a:xfrm>
-            <a:off x="1739900" y="1760780"/>
-            <a:ext cx="8185150" cy="4242637"/>
+            <a:off x="6224668" y="3342640"/>
+            <a:ext cx="5553924" cy="1656079"/>
           </a:xfrm>
           <a:prstGeom prst="rect">
             <a:avLst/>
@@ -40622,10 +39711,157 @@
           </a:extLst>
         </p:spPr>
       </p:pic>
+      <p:pic>
+        <p:nvPicPr>
+          <p:cNvPr id="5" name="Picture 2" descr="A Two-Threaded Server Receiving Three Requests"/>
+          <p:cNvPicPr>
+            <a:picLocks noChangeAspect="1" noChangeArrowheads="1"/>
+          </p:cNvPicPr>
+          <p:nvPr/>
+        </p:nvPicPr>
+        <p:blipFill>
+          <a:blip r:embed="rId3">
+            <a:extLst>
+              <a:ext uri="{28A0092B-C50C-407E-A947-70E740481C1C}">
+                <a14:useLocalDpi xmlns:a14="http://schemas.microsoft.com/office/drawing/2010/main" val="0"/>
+              </a:ext>
+            </a:extLst>
+          </a:blip>
+          <a:srcRect/>
+          <a:stretch>
+            <a:fillRect/>
+          </a:stretch>
+        </p:blipFill>
+        <p:spPr bwMode="auto">
+          <a:xfrm>
+            <a:off x="296721" y="3342641"/>
+            <a:ext cx="5553927" cy="1656080"/>
+          </a:xfrm>
+          <a:prstGeom prst="rect">
+            <a:avLst/>
+          </a:prstGeom>
+          <a:noFill/>
+          <a:extLst>
+            <a:ext uri="{909E8E84-426E-40DD-AFC4-6F175D3DCCD1}">
+              <a14:hiddenFill xmlns:a14="http://schemas.microsoft.com/office/drawing/2010/main">
+                <a:solidFill>
+                  <a:srgbClr val="FFFFFF"/>
+                </a:solidFill>
+              </a14:hiddenFill>
+            </a:ext>
+          </a:extLst>
+        </p:spPr>
+      </p:pic>
+      <p:cxnSp>
+        <p:nvCxnSpPr>
+          <p:cNvPr id="6" name="Прямая соединительная линия 5"/>
+          <p:cNvCxnSpPr/>
+          <p:nvPr/>
+        </p:nvCxnSpPr>
+        <p:spPr>
+          <a:xfrm>
+            <a:off x="6055401" y="2249170"/>
+            <a:ext cx="0" cy="2847975"/>
+          </a:xfrm>
+          <a:prstGeom prst="line">
+            <a:avLst/>
+          </a:prstGeom>
+        </p:spPr>
+        <p:style>
+          <a:lnRef idx="1">
+            <a:schemeClr val="accent1"/>
+          </a:lnRef>
+          <a:fillRef idx="0">
+            <a:schemeClr val="accent1"/>
+          </a:fillRef>
+          <a:effectRef idx="0">
+            <a:schemeClr val="accent1"/>
+          </a:effectRef>
+          <a:fontRef idx="minor">
+            <a:schemeClr val="tx1"/>
+          </a:fontRef>
+        </p:style>
+      </p:cxnSp>
+      <p:sp>
+        <p:nvSpPr>
+          <p:cNvPr id="7" name="TextBox 6"/>
+          <p:cNvSpPr txBox="1"/>
+          <p:nvPr/>
+        </p:nvSpPr>
+        <p:spPr>
+          <a:xfrm>
+            <a:off x="173337" y="2315703"/>
+            <a:ext cx="5923481" cy="830997"/>
+          </a:xfrm>
+          <a:prstGeom prst="rect">
+            <a:avLst/>
+          </a:prstGeom>
+          <a:noFill/>
+        </p:spPr>
+        <p:txBody>
+          <a:bodyPr wrap="none" rtlCol="0">
+            <a:spAutoFit/>
+          </a:bodyPr>
+          <a:lstStyle/>
+          <a:p>
+            <a:pPr algn="ctr"/>
+            <a:r>
+              <a:rPr lang="ru-RU" sz="2400" dirty="0" smtClean="0"/>
+              <a:t>Веб-сервер, синхронно ожидающий ответа </a:t>
+            </a:r>
+            <a:br>
+              <a:rPr lang="ru-RU" sz="2400" dirty="0" smtClean="0"/>
+            </a:br>
+            <a:r>
+              <a:rPr lang="ru-RU" sz="2400" dirty="0" smtClean="0"/>
+              <a:t>от внешнего ресурса</a:t>
+            </a:r>
+            <a:endParaRPr lang="ru-RU" sz="2400" dirty="0"/>
+          </a:p>
+        </p:txBody>
+      </p:sp>
+      <p:sp>
+        <p:nvSpPr>
+          <p:cNvPr id="8" name="TextBox 7"/>
+          <p:cNvSpPr txBox="1"/>
+          <p:nvPr/>
+        </p:nvSpPr>
+        <p:spPr>
+          <a:xfrm>
+            <a:off x="6036635" y="2315703"/>
+            <a:ext cx="6070957" cy="830997"/>
+          </a:xfrm>
+          <a:prstGeom prst="rect">
+            <a:avLst/>
+          </a:prstGeom>
+          <a:noFill/>
+        </p:spPr>
+        <p:txBody>
+          <a:bodyPr wrap="none" rtlCol="0">
+            <a:spAutoFit/>
+          </a:bodyPr>
+          <a:lstStyle/>
+          <a:p>
+            <a:pPr algn="ctr"/>
+            <a:r>
+              <a:rPr lang="ru-RU" sz="2400" dirty="0" smtClean="0"/>
+              <a:t>Веб-сервер, асинхронно ожидающий ответа </a:t>
+            </a:r>
+            <a:br>
+              <a:rPr lang="ru-RU" sz="2400" dirty="0" smtClean="0"/>
+            </a:br>
+            <a:r>
+              <a:rPr lang="ru-RU" sz="2400" dirty="0" smtClean="0"/>
+              <a:t>от внешнего ресурса</a:t>
+            </a:r>
+            <a:endParaRPr lang="ru-RU" sz="2400" dirty="0"/>
+          </a:p>
+        </p:txBody>
+      </p:sp>
     </p:spTree>
     <p:extLst>
       <p:ext uri="{BB962C8B-B14F-4D97-AF65-F5344CB8AC3E}">
-        <p14:creationId xmlns:p14="http://schemas.microsoft.com/office/powerpoint/2010/main" val="2474590045"/>
+        <p14:creationId xmlns:p14="http://schemas.microsoft.com/office/powerpoint/2010/main" val="508560594"/>
       </p:ext>
     </p:extLst>
   </p:cSld>
@@ -40661,7 +39897,7 @@
       </p:grpSpPr>
       <p:sp>
         <p:nvSpPr>
-          <p:cNvPr id="2" name="Заголовок 1"/>
+          <p:cNvPr id="4" name="Заголовок 3"/>
           <p:cNvSpPr>
             <a:spLocks noGrp="1"/>
           </p:cNvSpPr>
@@ -40675,8 +39911,8 @@
           <a:lstStyle/>
           <a:p>
             <a:r>
-              <a:rPr lang="en-US" dirty="0" smtClean="0"/>
-              <a:t>Deadlock</a:t>
+              <a:rPr lang="ru-RU" dirty="0" smtClean="0"/>
+              <a:t>Экскурс в историю</a:t>
             </a:r>
             <a:endParaRPr lang="ru-RU" dirty="0"/>
           </a:p>
@@ -40684,77 +39920,27 @@
       </p:sp>
       <p:sp>
         <p:nvSpPr>
-          <p:cNvPr id="3" name="Объект 2"/>
-          <p:cNvSpPr>
-            <a:spLocks noGrp="1"/>
-          </p:cNvSpPr>
-          <p:nvPr>
-            <p:ph idx="1"/>
+          <p:cNvPr id="5" name="Текст 4"/>
+          <p:cNvSpPr>
+            <a:spLocks noGrp="1"/>
+          </p:cNvSpPr>
+          <p:nvPr>
+            <p:ph type="body" idx="1"/>
           </p:nvPr>
         </p:nvSpPr>
         <p:spPr/>
         <p:txBody>
-          <a:bodyPr>
-            <a:normAutofit/>
-          </a:bodyPr>
-          <a:lstStyle/>
-          <a:p>
-            <a:pPr>
-              <a:buFont typeface="Courier New" panose="02070309020205020404" pitchFamily="49" charset="0"/>
-              <a:buChar char="o"/>
-            </a:pPr>
-            <a:r>
-              <a:rPr lang="ru-RU" sz="3600" dirty="0" smtClean="0"/>
-              <a:t> Помните про контекст синхронизации</a:t>
-            </a:r>
-          </a:p>
-          <a:p>
-            <a:pPr>
-              <a:buFont typeface="Courier New" panose="02070309020205020404" pitchFamily="49" charset="0"/>
-              <a:buChar char="o"/>
-            </a:pPr>
-            <a:r>
-              <a:rPr lang="ru-RU" sz="3600" dirty="0"/>
-              <a:t> </a:t>
-            </a:r>
-            <a:r>
-              <a:rPr lang="ru-RU" sz="3600" dirty="0" smtClean="0"/>
-              <a:t>Не выполняйте блокирующих ожиданий асинхронного кода</a:t>
-            </a:r>
-          </a:p>
-          <a:p>
-            <a:pPr>
-              <a:buFont typeface="Courier New" panose="02070309020205020404" pitchFamily="49" charset="0"/>
-              <a:buChar char="o"/>
-            </a:pPr>
-            <a:r>
-              <a:rPr lang="ru-RU" sz="3600" dirty="0" smtClean="0"/>
-              <a:t> Используйте </a:t>
-            </a:r>
-            <a:r>
-              <a:rPr lang="en-US" sz="3600" dirty="0" err="1" smtClean="0"/>
-              <a:t>async</a:t>
-            </a:r>
-            <a:r>
-              <a:rPr lang="ru-RU" sz="3600" dirty="0" smtClean="0"/>
-              <a:t>/</a:t>
-            </a:r>
-            <a:r>
-              <a:rPr lang="en-US" sz="3600" dirty="0" smtClean="0"/>
-              <a:t>await</a:t>
-            </a:r>
-            <a:r>
-              <a:rPr lang="ru-RU" sz="3600" dirty="0" smtClean="0"/>
-              <a:t> во всей цепочке вызовов</a:t>
-            </a:r>
-            <a:endParaRPr lang="ru-RU" sz="3600" dirty="0"/>
+          <a:bodyPr/>
+          <a:lstStyle/>
+          <a:p>
+            <a:endParaRPr lang="ru-RU"/>
           </a:p>
         </p:txBody>
       </p:sp>
     </p:spTree>
     <p:extLst>
       <p:ext uri="{BB962C8B-B14F-4D97-AF65-F5344CB8AC3E}">
-        <p14:creationId xmlns:p14="http://schemas.microsoft.com/office/powerpoint/2010/main" val="3119239369"/>
+        <p14:creationId xmlns:p14="http://schemas.microsoft.com/office/powerpoint/2010/main" val="1431968507"/>
       </p:ext>
     </p:extLst>
   </p:cSld>
@@ -40764,157 +39950,9 @@
   <p:timing>
     <p:tnLst>
       <p:par>
-        <p:cTn id="1" dur="indefinite" restart="never" nodeType="tmRoot">
-          <p:childTnLst>
-            <p:seq concurrent="1" nextAc="seek">
-              <p:cTn id="2" dur="indefinite" nodeType="mainSeq">
-                <p:childTnLst>
-                  <p:par>
-                    <p:cTn id="3" fill="hold">
-                      <p:stCondLst>
-                        <p:cond delay="indefinite"/>
-                      </p:stCondLst>
-                      <p:childTnLst>
-                        <p:par>
-                          <p:cTn id="4" fill="hold">
-                            <p:stCondLst>
-                              <p:cond delay="0"/>
-                            </p:stCondLst>
-                            <p:childTnLst>
-                              <p:par>
-                                <p:cTn id="5" presetID="10" presetClass="entr" presetSubtype="0" fill="hold" grpId="0" nodeType="clickEffect">
-                                  <p:stCondLst>
-                                    <p:cond delay="0"/>
-                                  </p:stCondLst>
-                                  <p:childTnLst>
-                                    <p:set>
-                                      <p:cBhvr>
-                                        <p:cTn id="6" dur="1" fill="hold">
-                                          <p:stCondLst>
-                                            <p:cond delay="0"/>
-                                          </p:stCondLst>
-                                        </p:cTn>
-                                        <p:tgtEl>
-                                          <p:spTgt spid="3">
-                                            <p:txEl>
-                                              <p:pRg st="1" end="1"/>
-                                            </p:txEl>
-                                          </p:spTgt>
-                                        </p:tgtEl>
-                                        <p:attrNameLst>
-                                          <p:attrName>style.visibility</p:attrName>
-                                        </p:attrNameLst>
-                                      </p:cBhvr>
-                                      <p:to>
-                                        <p:strVal val="visible"/>
-                                      </p:to>
-                                    </p:set>
-                                    <p:animEffect transition="in" filter="fade">
-                                      <p:cBhvr>
-                                        <p:cTn id="7" dur="500"/>
-                                        <p:tgtEl>
-                                          <p:spTgt spid="3">
-                                            <p:txEl>
-                                              <p:pRg st="1" end="1"/>
-                                            </p:txEl>
-                                          </p:spTgt>
-                                        </p:tgtEl>
-                                      </p:cBhvr>
-                                    </p:animEffect>
-                                  </p:childTnLst>
-                                </p:cTn>
-                              </p:par>
-                            </p:childTnLst>
-                          </p:cTn>
-                        </p:par>
-                      </p:childTnLst>
-                    </p:cTn>
-                  </p:par>
-                  <p:par>
-                    <p:cTn id="8" fill="hold">
-                      <p:stCondLst>
-                        <p:cond delay="indefinite"/>
-                      </p:stCondLst>
-                      <p:childTnLst>
-                        <p:par>
-                          <p:cTn id="9" fill="hold">
-                            <p:stCondLst>
-                              <p:cond delay="0"/>
-                            </p:stCondLst>
-                            <p:childTnLst>
-                              <p:par>
-                                <p:cTn id="10" presetID="10" presetClass="entr" presetSubtype="0" fill="hold" grpId="0" nodeType="clickEffect">
-                                  <p:stCondLst>
-                                    <p:cond delay="0"/>
-                                  </p:stCondLst>
-                                  <p:childTnLst>
-                                    <p:set>
-                                      <p:cBhvr>
-                                        <p:cTn id="11" dur="1" fill="hold">
-                                          <p:stCondLst>
-                                            <p:cond delay="0"/>
-                                          </p:stCondLst>
-                                        </p:cTn>
-                                        <p:tgtEl>
-                                          <p:spTgt spid="3">
-                                            <p:txEl>
-                                              <p:pRg st="2" end="2"/>
-                                            </p:txEl>
-                                          </p:spTgt>
-                                        </p:tgtEl>
-                                        <p:attrNameLst>
-                                          <p:attrName>style.visibility</p:attrName>
-                                        </p:attrNameLst>
-                                      </p:cBhvr>
-                                      <p:to>
-                                        <p:strVal val="visible"/>
-                                      </p:to>
-                                    </p:set>
-                                    <p:animEffect transition="in" filter="fade">
-                                      <p:cBhvr>
-                                        <p:cTn id="12" dur="500"/>
-                                        <p:tgtEl>
-                                          <p:spTgt spid="3">
-                                            <p:txEl>
-                                              <p:pRg st="2" end="2"/>
-                                            </p:txEl>
-                                          </p:spTgt>
-                                        </p:tgtEl>
-                                      </p:cBhvr>
-                                    </p:animEffect>
-                                  </p:childTnLst>
-                                </p:cTn>
-                              </p:par>
-                            </p:childTnLst>
-                          </p:cTn>
-                        </p:par>
-                      </p:childTnLst>
-                    </p:cTn>
-                  </p:par>
-                </p:childTnLst>
-              </p:cTn>
-              <p:prevCondLst>
-                <p:cond evt="onPrev" delay="0">
-                  <p:tgtEl>
-                    <p:sldTgt/>
-                  </p:tgtEl>
-                </p:cond>
-              </p:prevCondLst>
-              <p:nextCondLst>
-                <p:cond evt="onNext" delay="0">
-                  <p:tgtEl>
-                    <p:sldTgt/>
-                  </p:tgtEl>
-                </p:cond>
-              </p:nextCondLst>
-            </p:seq>
-          </p:childTnLst>
-        </p:cTn>
+        <p:cTn id="1" dur="indefinite" restart="never" nodeType="tmRoot"/>
       </p:par>
     </p:tnLst>
-    <p:bldLst>
-      <p:bldP spid="3" grpId="0" uiExpand="1" build="p"/>
-    </p:bldLst>
   </p:timing>
 </p:sld>
 </file>
@@ -40952,8 +39990,8 @@
           <a:lstStyle/>
           <a:p>
             <a:r>
-              <a:rPr lang="ru-RU" dirty="0" smtClean="0"/>
-              <a:t>Состояние гонки</a:t>
+              <a:rPr lang="ru-RU" dirty="0" err="1" smtClean="0"/>
+              <a:t>Многопоточность</a:t>
             </a:r>
             <a:endParaRPr lang="ru-RU" dirty="0"/>
           </a:p>
@@ -40961,117 +39999,27 @@
       </p:sp>
       <p:sp>
         <p:nvSpPr>
-          <p:cNvPr id="3" name="Объект 2"/>
-          <p:cNvSpPr>
-            <a:spLocks noGrp="1"/>
-          </p:cNvSpPr>
-          <p:nvPr>
-            <p:ph idx="1"/>
+          <p:cNvPr id="3" name="Текст 2"/>
+          <p:cNvSpPr>
+            <a:spLocks noGrp="1"/>
+          </p:cNvSpPr>
+          <p:nvPr>
+            <p:ph type="body" idx="1"/>
           </p:nvPr>
         </p:nvSpPr>
         <p:spPr/>
         <p:txBody>
-          <a:bodyPr>
-            <a:normAutofit fontScale="92500" lnSpcReduction="10000"/>
-          </a:bodyPr>
-          <a:lstStyle/>
-          <a:p>
-            <a:pPr>
-              <a:buFont typeface="Courier New" panose="02070309020205020404" pitchFamily="49" charset="0"/>
-              <a:buChar char="o"/>
-            </a:pPr>
-            <a:r>
-              <a:rPr lang="ru-RU" sz="3200" dirty="0" smtClean="0"/>
-              <a:t> Не работайте с </a:t>
-            </a:r>
-            <a:r>
-              <a:rPr lang="ru-RU" sz="3200" dirty="0" err="1" smtClean="0"/>
-              <a:t>потоконебезопасными</a:t>
-            </a:r>
-            <a:r>
-              <a:rPr lang="ru-RU" sz="3200" dirty="0" smtClean="0"/>
-              <a:t> структурами данных из нескольких потоков</a:t>
-            </a:r>
-          </a:p>
-          <a:p>
-            <a:pPr lvl="1">
-              <a:buFont typeface="Courier New" panose="02070309020205020404" pitchFamily="49" charset="0"/>
-              <a:buChar char="o"/>
-            </a:pPr>
-            <a:r>
-              <a:rPr lang="en-US" sz="3000" dirty="0"/>
-              <a:t> </a:t>
-            </a:r>
-            <a:r>
-              <a:rPr lang="en-US" sz="3000" dirty="0" smtClean="0"/>
-              <a:t>lock(object) {}</a:t>
-            </a:r>
-          </a:p>
-          <a:p>
-            <a:pPr lvl="1">
-              <a:buFont typeface="Courier New" panose="02070309020205020404" pitchFamily="49" charset="0"/>
-              <a:buChar char="o"/>
-            </a:pPr>
-            <a:r>
-              <a:rPr lang="en-US" sz="3000" dirty="0"/>
-              <a:t> </a:t>
-            </a:r>
-            <a:r>
-              <a:rPr lang="en-US" sz="3000" dirty="0" smtClean="0"/>
-              <a:t>Interlocked</a:t>
-            </a:r>
-            <a:endParaRPr lang="ru-RU" sz="3000" dirty="0" smtClean="0"/>
-          </a:p>
-          <a:p>
-            <a:pPr>
-              <a:buFont typeface="Courier New" panose="02070309020205020404" pitchFamily="49" charset="0"/>
-              <a:buChar char="o"/>
-            </a:pPr>
-            <a:r>
-              <a:rPr lang="ru-RU" sz="3200" dirty="0" smtClean="0"/>
-              <a:t> Пользуйтесь специальными коллекциями из </a:t>
-            </a:r>
-            <a:r>
-              <a:rPr lang="en-US" sz="3200" dirty="0" err="1" smtClean="0"/>
-              <a:t>System.Collections.Concurrent</a:t>
-            </a:r>
-            <a:endParaRPr lang="en-US" sz="3200" dirty="0" smtClean="0"/>
-          </a:p>
-          <a:p>
-            <a:pPr lvl="1">
-              <a:buFont typeface="Courier New" panose="02070309020205020404" pitchFamily="49" charset="0"/>
-              <a:buChar char="o"/>
-            </a:pPr>
-            <a:r>
-              <a:rPr lang="en-US" sz="3000" dirty="0" smtClean="0"/>
-              <a:t> </a:t>
-            </a:r>
-            <a:r>
-              <a:rPr lang="en-US" sz="3000" dirty="0" err="1" smtClean="0"/>
-              <a:t>ConcurrentDictionary</a:t>
-            </a:r>
-            <a:endParaRPr lang="ru-RU" sz="3000" dirty="0" smtClean="0"/>
-          </a:p>
-          <a:p>
-            <a:pPr>
-              <a:buFont typeface="Courier New" panose="02070309020205020404" pitchFamily="49" charset="0"/>
-              <a:buChar char="o"/>
-            </a:pPr>
-            <a:r>
-              <a:rPr lang="ru-RU" sz="3200" dirty="0"/>
-              <a:t> </a:t>
-            </a:r>
-            <a:r>
-              <a:rPr lang="ru-RU" sz="3200" dirty="0" smtClean="0"/>
-              <a:t>Выполняйте операции с коллекциями за один вызов метода</a:t>
-            </a:r>
+          <a:bodyPr/>
+          <a:lstStyle/>
+          <a:p>
+            <a:endParaRPr lang="ru-RU"/>
           </a:p>
         </p:txBody>
       </p:sp>
     </p:spTree>
     <p:extLst>
       <p:ext uri="{BB962C8B-B14F-4D97-AF65-F5344CB8AC3E}">
-        <p14:creationId xmlns:p14="http://schemas.microsoft.com/office/powerpoint/2010/main" val="1147705217"/>
+        <p14:creationId xmlns:p14="http://schemas.microsoft.com/office/powerpoint/2010/main" val="3737850727"/>
       </p:ext>
     </p:extLst>
   </p:cSld>
@@ -41081,200 +40029,9 @@
   <p:timing>
     <p:tnLst>
       <p:par>
-        <p:cTn id="1" dur="indefinite" restart="never" nodeType="tmRoot">
-          <p:childTnLst>
-            <p:seq concurrent="1" nextAc="seek">
-              <p:cTn id="2" dur="indefinite" nodeType="mainSeq">
-                <p:childTnLst>
-                  <p:par>
-                    <p:cTn id="3" fill="hold">
-                      <p:stCondLst>
-                        <p:cond delay="indefinite"/>
-                      </p:stCondLst>
-                      <p:childTnLst>
-                        <p:par>
-                          <p:cTn id="4" fill="hold">
-                            <p:stCondLst>
-                              <p:cond delay="0"/>
-                            </p:stCondLst>
-                            <p:childTnLst>
-                              <p:par>
-                                <p:cTn id="5" presetID="10" presetClass="entr" presetSubtype="0" fill="hold" grpId="0" nodeType="clickEffect">
-                                  <p:stCondLst>
-                                    <p:cond delay="0"/>
-                                  </p:stCondLst>
-                                  <p:childTnLst>
-                                    <p:set>
-                                      <p:cBhvr>
-                                        <p:cTn id="6" dur="1" fill="hold">
-                                          <p:stCondLst>
-                                            <p:cond delay="0"/>
-                                          </p:stCondLst>
-                                        </p:cTn>
-                                        <p:tgtEl>
-                                          <p:spTgt spid="3">
-                                            <p:txEl>
-                                              <p:pRg st="3" end="3"/>
-                                            </p:txEl>
-                                          </p:spTgt>
-                                        </p:tgtEl>
-                                        <p:attrNameLst>
-                                          <p:attrName>style.visibility</p:attrName>
-                                        </p:attrNameLst>
-                                      </p:cBhvr>
-                                      <p:to>
-                                        <p:strVal val="visible"/>
-                                      </p:to>
-                                    </p:set>
-                                    <p:animEffect transition="in" filter="fade">
-                                      <p:cBhvr>
-                                        <p:cTn id="7" dur="500"/>
-                                        <p:tgtEl>
-                                          <p:spTgt spid="3">
-                                            <p:txEl>
-                                              <p:pRg st="3" end="3"/>
-                                            </p:txEl>
-                                          </p:spTgt>
-                                        </p:tgtEl>
-                                      </p:cBhvr>
-                                    </p:animEffect>
-                                  </p:childTnLst>
-                                </p:cTn>
-                              </p:par>
-                              <p:par>
-                                <p:cTn id="8" presetID="10" presetClass="entr" presetSubtype="0" fill="hold" grpId="0" nodeType="withEffect">
-                                  <p:stCondLst>
-                                    <p:cond delay="0"/>
-                                  </p:stCondLst>
-                                  <p:childTnLst>
-                                    <p:set>
-                                      <p:cBhvr>
-                                        <p:cTn id="9" dur="1" fill="hold">
-                                          <p:stCondLst>
-                                            <p:cond delay="0"/>
-                                          </p:stCondLst>
-                                        </p:cTn>
-                                        <p:tgtEl>
-                                          <p:spTgt spid="3">
-                                            <p:txEl>
-                                              <p:pRg st="4" end="4"/>
-                                            </p:txEl>
-                                          </p:spTgt>
-                                        </p:tgtEl>
-                                        <p:attrNameLst>
-                                          <p:attrName>style.visibility</p:attrName>
-                                        </p:attrNameLst>
-                                      </p:cBhvr>
-                                      <p:to>
-                                        <p:strVal val="visible"/>
-                                      </p:to>
-                                    </p:set>
-                                    <p:animEffect transition="in" filter="fade">
-                                      <p:cBhvr>
-                                        <p:cTn id="10" dur="500"/>
-                                        <p:tgtEl>
-                                          <p:spTgt spid="3">
-                                            <p:txEl>
-                                              <p:pRg st="4" end="4"/>
-                                            </p:txEl>
-                                          </p:spTgt>
-                                        </p:tgtEl>
-                                      </p:cBhvr>
-                                    </p:animEffect>
-                                  </p:childTnLst>
-                                </p:cTn>
-                              </p:par>
-                            </p:childTnLst>
-                          </p:cTn>
-                        </p:par>
-                      </p:childTnLst>
-                    </p:cTn>
-                  </p:par>
-                  <p:par>
-                    <p:cTn id="11" fill="hold">
-                      <p:stCondLst>
-                        <p:cond delay="indefinite"/>
-                      </p:stCondLst>
-                      <p:childTnLst>
-                        <p:par>
-                          <p:cTn id="12" fill="hold">
-                            <p:stCondLst>
-                              <p:cond delay="0"/>
-                            </p:stCondLst>
-                            <p:childTnLst>
-                              <p:par>
-                                <p:cTn id="13" presetID="10" presetClass="entr" presetSubtype="0" fill="hold" grpId="0" nodeType="clickEffect">
-                                  <p:stCondLst>
-                                    <p:cond delay="0"/>
-                                  </p:stCondLst>
-                                  <p:childTnLst>
-                                    <p:set>
-                                      <p:cBhvr>
-                                        <p:cTn id="14" dur="1" fill="hold">
-                                          <p:stCondLst>
-                                            <p:cond delay="0"/>
-                                          </p:stCondLst>
-                                        </p:cTn>
-                                        <p:tgtEl>
-                                          <p:spTgt spid="3">
-                                            <p:txEl>
-                                              <p:pRg st="5" end="5"/>
-                                            </p:txEl>
-                                          </p:spTgt>
-                                        </p:tgtEl>
-                                        <p:attrNameLst>
-                                          <p:attrName>style.visibility</p:attrName>
-                                        </p:attrNameLst>
-                                      </p:cBhvr>
-                                      <p:to>
-                                        <p:strVal val="visible"/>
-                                      </p:to>
-                                    </p:set>
-                                    <p:animEffect transition="in" filter="fade">
-                                      <p:cBhvr>
-                                        <p:cTn id="15" dur="500"/>
-                                        <p:tgtEl>
-                                          <p:spTgt spid="3">
-                                            <p:txEl>
-                                              <p:pRg st="5" end="5"/>
-                                            </p:txEl>
-                                          </p:spTgt>
-                                        </p:tgtEl>
-                                      </p:cBhvr>
-                                    </p:animEffect>
-                                  </p:childTnLst>
-                                </p:cTn>
-                              </p:par>
-                            </p:childTnLst>
-                          </p:cTn>
-                        </p:par>
-                      </p:childTnLst>
-                    </p:cTn>
-                  </p:par>
-                </p:childTnLst>
-              </p:cTn>
-              <p:prevCondLst>
-                <p:cond evt="onPrev" delay="0">
-                  <p:tgtEl>
-                    <p:sldTgt/>
-                  </p:tgtEl>
-                </p:cond>
-              </p:prevCondLst>
-              <p:nextCondLst>
-                <p:cond evt="onNext" delay="0">
-                  <p:tgtEl>
-                    <p:sldTgt/>
-                  </p:tgtEl>
-                </p:cond>
-              </p:nextCondLst>
-            </p:seq>
-          </p:childTnLst>
-        </p:cTn>
+        <p:cTn id="1" dur="indefinite" restart="never" nodeType="tmRoot"/>
       </p:par>
     </p:tnLst>
-    <p:bldLst>
-      <p:bldP spid="3" grpId="0" uiExpand="1" build="p"/>
-    </p:bldLst>
   </p:timing>
 </p:sld>
 </file>
@@ -41296,9 +40053,33 @@
           <a:chExt cx="0" cy="0"/>
         </a:xfrm>
       </p:grpSpPr>
-      <p:sp>
-        <p:nvSpPr>
-          <p:cNvPr id="2" name="Заголовок 1"/>
+      <p:pic>
+        <p:nvPicPr>
+          <p:cNvPr id="8" name="Рисунок 7"/>
+          <p:cNvPicPr>
+            <a:picLocks noChangeAspect="1"/>
+          </p:cNvPicPr>
+          <p:nvPr/>
+        </p:nvPicPr>
+        <p:blipFill>
+          <a:blip r:embed="rId2"/>
+          <a:stretch>
+            <a:fillRect/>
+          </a:stretch>
+        </p:blipFill>
+        <p:spPr>
+          <a:xfrm>
+            <a:off x="849630" y="2018129"/>
+            <a:ext cx="5276850" cy="3257550"/>
+          </a:xfrm>
+          <a:prstGeom prst="rect">
+            <a:avLst/>
+          </a:prstGeom>
+        </p:spPr>
+      </p:pic>
+      <p:sp>
+        <p:nvSpPr>
+          <p:cNvPr id="4" name="Заголовок 3"/>
           <p:cNvSpPr>
             <a:spLocks noGrp="1"/>
           </p:cNvSpPr>
@@ -41313,80 +40094,78 @@
           <a:p>
             <a:r>
               <a:rPr lang="ru-RU" dirty="0" smtClean="0"/>
-              <a:t>Обработка ошибок</a:t>
+              <a:t>До </a:t>
+            </a:r>
+            <a:r>
+              <a:rPr lang="en-US" dirty="0" smtClean="0"/>
+              <a:t>.NET </a:t>
+            </a:r>
+            <a:r>
+              <a:rPr lang="ru-RU" dirty="0" smtClean="0"/>
+              <a:t>4.0 (2010)</a:t>
             </a:r>
             <a:endParaRPr lang="ru-RU" dirty="0"/>
           </a:p>
         </p:txBody>
       </p:sp>
-      <p:sp>
-        <p:nvSpPr>
-          <p:cNvPr id="3" name="Объект 2"/>
-          <p:cNvSpPr>
-            <a:spLocks noGrp="1"/>
-          </p:cNvSpPr>
-          <p:nvPr>
-            <p:ph idx="1"/>
-          </p:nvPr>
-        </p:nvSpPr>
-        <p:spPr/>
-        <p:txBody>
-          <a:bodyPr>
-            <a:normAutofit/>
-          </a:bodyPr>
-          <a:lstStyle/>
-          <a:p>
-            <a:pPr>
-              <a:buFont typeface="Courier New" panose="02070309020205020404" pitchFamily="49" charset="0"/>
-              <a:buChar char="o"/>
-            </a:pPr>
-            <a:r>
-              <a:rPr lang="ru-RU" sz="3600" dirty="0" smtClean="0"/>
-              <a:t> Обрабатывайте </a:t>
-            </a:r>
-            <a:r>
-              <a:rPr lang="en-US" sz="3600" dirty="0" err="1" smtClean="0"/>
-              <a:t>AggregateException</a:t>
-            </a:r>
-            <a:endParaRPr lang="en-US" sz="3600" dirty="0" smtClean="0"/>
-          </a:p>
-          <a:p>
-            <a:pPr>
-              <a:buFont typeface="Courier New" panose="02070309020205020404" pitchFamily="49" charset="0"/>
-              <a:buChar char="o"/>
-            </a:pPr>
-            <a:r>
-              <a:rPr lang="ru-RU" sz="3400" dirty="0"/>
-              <a:t> </a:t>
-            </a:r>
-            <a:r>
-              <a:rPr lang="ru-RU" sz="3400" dirty="0" smtClean="0"/>
-              <a:t>Для обработки реального исключения используйте методы объекта </a:t>
-            </a:r>
-            <a:r>
-              <a:rPr lang="en-US" sz="3400" dirty="0" err="1" smtClean="0"/>
-              <a:t>AggregateException</a:t>
-            </a:r>
-            <a:r>
-              <a:rPr lang="en-US" sz="3400" dirty="0" smtClean="0"/>
-              <a:t> Flatten</a:t>
-            </a:r>
-            <a:r>
-              <a:rPr lang="ru-RU" sz="3400" dirty="0" smtClean="0"/>
-              <a:t> и </a:t>
-            </a:r>
-            <a:r>
-              <a:rPr lang="en-US" sz="3400" dirty="0" smtClean="0"/>
-              <a:t>Handle</a:t>
-            </a:r>
-            <a:endParaRPr lang="ru-RU" sz="3400" dirty="0"/>
-          </a:p>
-        </p:txBody>
-      </p:sp>
+      <p:pic>
+        <p:nvPicPr>
+          <p:cNvPr id="10" name="Рисунок 9"/>
+          <p:cNvPicPr>
+            <a:picLocks noChangeAspect="1"/>
+          </p:cNvPicPr>
+          <p:nvPr/>
+        </p:nvPicPr>
+        <p:blipFill>
+          <a:blip r:embed="rId3"/>
+          <a:stretch>
+            <a:fillRect/>
+          </a:stretch>
+        </p:blipFill>
+        <p:spPr>
+          <a:xfrm>
+            <a:off x="6936105" y="2289591"/>
+            <a:ext cx="4219575" cy="2714625"/>
+          </a:xfrm>
+          <a:prstGeom prst="rect">
+            <a:avLst/>
+          </a:prstGeom>
+        </p:spPr>
+      </p:pic>
+      <p:cxnSp>
+        <p:nvCxnSpPr>
+          <p:cNvPr id="12" name="Прямая соединительная линия 11"/>
+          <p:cNvCxnSpPr/>
+          <p:nvPr/>
+        </p:nvCxnSpPr>
+        <p:spPr>
+          <a:xfrm>
+            <a:off x="6492240" y="2092960"/>
+            <a:ext cx="0" cy="3809782"/>
+          </a:xfrm>
+          <a:prstGeom prst="line">
+            <a:avLst/>
+          </a:prstGeom>
+        </p:spPr>
+        <p:style>
+          <a:lnRef idx="1">
+            <a:schemeClr val="accent1"/>
+          </a:lnRef>
+          <a:fillRef idx="0">
+            <a:schemeClr val="accent1"/>
+          </a:fillRef>
+          <a:effectRef idx="0">
+            <a:schemeClr val="accent1"/>
+          </a:effectRef>
+          <a:fontRef idx="minor">
+            <a:schemeClr val="tx1"/>
+          </a:fontRef>
+        </p:style>
+      </p:cxnSp>
     </p:spTree>
     <p:extLst>
       <p:ext uri="{BB962C8B-B14F-4D97-AF65-F5344CB8AC3E}">
-        <p14:creationId xmlns:p14="http://schemas.microsoft.com/office/powerpoint/2010/main" val="2217972207"/>
+        <p14:creationId xmlns:p14="http://schemas.microsoft.com/office/powerpoint/2010/main" val="3020269900"/>
       </p:ext>
     </p:extLst>
   </p:cSld>
@@ -41396,96 +40175,9 @@
   <p:timing>
     <p:tnLst>
       <p:par>
-        <p:cTn id="1" dur="indefinite" restart="never" nodeType="tmRoot">
-          <p:childTnLst>
-            <p:seq concurrent="1" nextAc="seek">
-              <p:cTn id="2" dur="indefinite" nodeType="mainSeq">
-                <p:childTnLst>
-                  <p:par>
-                    <p:cTn id="3" fill="hold">
-                      <p:stCondLst>
-                        <p:cond delay="indefinite"/>
-                      </p:stCondLst>
-                      <p:childTnLst>
-                        <p:par>
-                          <p:cTn id="4" fill="hold">
-                            <p:stCondLst>
-                              <p:cond delay="0"/>
-                            </p:stCondLst>
-                            <p:childTnLst>
-                              <p:par>
-                                <p:cTn id="5" presetID="10" presetClass="entr" presetSubtype="0" fill="hold" grpId="0" nodeType="clickEffect">
-                                  <p:stCondLst>
-                                    <p:cond delay="0"/>
-                                  </p:stCondLst>
-                                  <p:childTnLst>
-                                    <p:set>
-                                      <p:cBhvr>
-                                        <p:cTn id="6" dur="1" fill="hold">
-                                          <p:stCondLst>
-                                            <p:cond delay="0"/>
-                                          </p:stCondLst>
-                                        </p:cTn>
-                                        <p:tgtEl>
-                                          <p:spTgt spid="3">
-                                            <p:txEl>
-                                              <p:pRg st="1" end="1"/>
-                                            </p:txEl>
-                                          </p:spTgt>
-                                        </p:tgtEl>
-                                        <p:attrNameLst>
-                                          <p:attrName>style.visibility</p:attrName>
-                                        </p:attrNameLst>
-                                      </p:cBhvr>
-                                      <p:to>
-                                        <p:strVal val="visible"/>
-                                      </p:to>
-                                    </p:set>
-                                    <p:animEffect transition="in" filter="fade">
-                                      <p:cBhvr>
-                                        <p:cTn id="7" dur="500"/>
-                                        <p:tgtEl>
-                                          <p:spTgt spid="3">
-                                            <p:txEl>
-                                              <p:pRg st="1" end="1"/>
-                                            </p:txEl>
-                                          </p:spTgt>
-                                        </p:tgtEl>
-                                      </p:cBhvr>
-                                    </p:animEffect>
-                                  </p:childTnLst>
-                                </p:cTn>
-                              </p:par>
-                            </p:childTnLst>
-                          </p:cTn>
-                        </p:par>
-                      </p:childTnLst>
-                    </p:cTn>
-                  </p:par>
-                </p:childTnLst>
-              </p:cTn>
-              <p:prevCondLst>
-                <p:cond evt="onPrev" delay="0">
-                  <p:tgtEl>
-                    <p:sldTgt/>
-                  </p:tgtEl>
-                </p:cond>
-              </p:prevCondLst>
-              <p:nextCondLst>
-                <p:cond evt="onNext" delay="0">
-                  <p:tgtEl>
-                    <p:sldTgt/>
-                  </p:tgtEl>
-                </p:cond>
-              </p:nextCondLst>
-            </p:seq>
-          </p:childTnLst>
-        </p:cTn>
+        <p:cTn id="1" dur="indefinite" restart="never" nodeType="tmRoot"/>
       </p:par>
     </p:tnLst>
-    <p:bldLst>
-      <p:bldP spid="3" grpId="0" uiExpand="1" build="p"/>
-    </p:bldLst>
   </p:timing>
 </p:sld>
 </file>
@@ -41523,125 +40215,95 @@
           <a:lstStyle/>
           <a:p>
             <a:r>
-              <a:rPr lang="ru-RU" dirty="0" smtClean="0"/>
-              <a:t>Запуск фоновых задач</a:t>
+              <a:rPr lang="en-US" dirty="0" smtClean="0"/>
+              <a:t>Task Parallel Library</a:t>
             </a:r>
             <a:endParaRPr lang="ru-RU" dirty="0"/>
           </a:p>
         </p:txBody>
       </p:sp>
-      <p:sp>
-        <p:nvSpPr>
-          <p:cNvPr id="3" name="Объект 2"/>
-          <p:cNvSpPr>
-            <a:spLocks noGrp="1"/>
-          </p:cNvSpPr>
-          <p:nvPr>
-            <p:ph idx="1"/>
-          </p:nvPr>
-        </p:nvSpPr>
-        <p:spPr/>
-        <p:txBody>
-          <a:bodyPr>
-            <a:normAutofit/>
-          </a:bodyPr>
-          <a:lstStyle/>
-          <a:p>
-            <a:pPr>
-              <a:buFont typeface="Courier New" panose="02070309020205020404" pitchFamily="49" charset="0"/>
-              <a:buChar char="o"/>
-            </a:pPr>
-            <a:r>
-              <a:rPr lang="ru-RU" sz="3200" dirty="0" smtClean="0"/>
-              <a:t> </a:t>
-            </a:r>
-            <a:r>
-              <a:rPr lang="en-US" sz="3200" dirty="0" err="1" smtClean="0"/>
-              <a:t>Task.Run</a:t>
-            </a:r>
-            <a:r>
-              <a:rPr lang="en-US" sz="3200" dirty="0" smtClean="0"/>
-              <a:t>()</a:t>
-            </a:r>
-            <a:r>
-              <a:rPr lang="ru-RU" sz="3200" dirty="0" smtClean="0"/>
-              <a:t> или </a:t>
-            </a:r>
-            <a:r>
-              <a:rPr lang="en-US" sz="3200" dirty="0" err="1" smtClean="0"/>
-              <a:t>Task.Factory.StartNew</a:t>
-            </a:r>
-            <a:r>
-              <a:rPr lang="en-US" sz="3200" dirty="0" smtClean="0"/>
-              <a:t>()</a:t>
-            </a:r>
-          </a:p>
-          <a:p>
-            <a:pPr>
-              <a:buFont typeface="Courier New" panose="02070309020205020404" pitchFamily="49" charset="0"/>
-              <a:buChar char="o"/>
-            </a:pPr>
-            <a:r>
-              <a:rPr lang="en-US" sz="3200" dirty="0"/>
-              <a:t> </a:t>
-            </a:r>
-            <a:r>
-              <a:rPr lang="ru-RU" sz="3200" dirty="0" smtClean="0"/>
-              <a:t>Для параллелизма по данным стоит использовать класс </a:t>
-            </a:r>
-            <a:r>
-              <a:rPr lang="en-US" sz="3200" dirty="0" smtClean="0"/>
-              <a:t>Parallel </a:t>
-            </a:r>
-            <a:r>
-              <a:rPr lang="ru-RU" sz="3200" dirty="0" smtClean="0"/>
-              <a:t>или </a:t>
-            </a:r>
-            <a:r>
-              <a:rPr lang="en-US" sz="3200" dirty="0" smtClean="0"/>
-              <a:t>PLINQ</a:t>
-            </a:r>
-          </a:p>
-          <a:p>
-            <a:pPr>
-              <a:buFont typeface="Courier New" panose="02070309020205020404" pitchFamily="49" charset="0"/>
-              <a:buChar char="o"/>
-            </a:pPr>
-            <a:r>
-              <a:rPr lang="ru-RU" sz="3200" dirty="0"/>
-              <a:t> </a:t>
-            </a:r>
-            <a:r>
-              <a:rPr lang="ru-RU" sz="3200" dirty="0" smtClean="0"/>
-              <a:t>Запущенные таким образом фоновые задачи можно ожидать блокирующим образом, в отличие от асинхронных методов</a:t>
-            </a:r>
-            <a:endParaRPr lang="en-US" sz="3200" dirty="0" smtClean="0"/>
-          </a:p>
-          <a:p>
-            <a:pPr>
-              <a:buFont typeface="Courier New" panose="02070309020205020404" pitchFamily="49" charset="0"/>
-              <a:buChar char="o"/>
-            </a:pPr>
-            <a:r>
-              <a:rPr lang="en-US" sz="3200" dirty="0"/>
-              <a:t> </a:t>
-            </a:r>
-            <a:r>
-              <a:rPr lang="ru-RU" sz="3200" dirty="0" smtClean="0"/>
-              <a:t>Не использовать в </a:t>
-            </a:r>
-            <a:r>
-              <a:rPr lang="en-US" sz="3200" dirty="0" err="1" smtClean="0"/>
-              <a:t>ASP.Net</a:t>
-            </a:r>
-            <a:endParaRPr lang="ru-RU" sz="3200" dirty="0"/>
-          </a:p>
-        </p:txBody>
-      </p:sp>
+      <p:pic>
+        <p:nvPicPr>
+          <p:cNvPr id="4" name="Рисунок 3"/>
+          <p:cNvPicPr>
+            <a:picLocks noChangeAspect="1"/>
+          </p:cNvPicPr>
+          <p:nvPr/>
+        </p:nvPicPr>
+        <p:blipFill>
+          <a:blip r:embed="rId2"/>
+          <a:stretch>
+            <a:fillRect/>
+          </a:stretch>
+        </p:blipFill>
+        <p:spPr>
+          <a:xfrm>
+            <a:off x="1131889" y="2786380"/>
+            <a:ext cx="3724275" cy="2514600"/>
+          </a:xfrm>
+          <a:prstGeom prst="rect">
+            <a:avLst/>
+          </a:prstGeom>
+        </p:spPr>
+      </p:pic>
+      <p:pic>
+        <p:nvPicPr>
+          <p:cNvPr id="5" name="Рисунок 4"/>
+          <p:cNvPicPr>
+            <a:picLocks noChangeAspect="1"/>
+          </p:cNvPicPr>
+          <p:nvPr/>
+        </p:nvPicPr>
+        <p:blipFill>
+          <a:blip r:embed="rId3"/>
+          <a:stretch>
+            <a:fillRect/>
+          </a:stretch>
+        </p:blipFill>
+        <p:spPr>
+          <a:xfrm>
+            <a:off x="5750877" y="2233295"/>
+            <a:ext cx="6257925" cy="4057650"/>
+          </a:xfrm>
+          <a:prstGeom prst="rect">
+            <a:avLst/>
+          </a:prstGeom>
+        </p:spPr>
+      </p:pic>
+      <p:cxnSp>
+        <p:nvCxnSpPr>
+          <p:cNvPr id="7" name="Прямая соединительная линия 6"/>
+          <p:cNvCxnSpPr/>
+          <p:nvPr/>
+        </p:nvCxnSpPr>
+        <p:spPr>
+          <a:xfrm>
+            <a:off x="5303520" y="2032000"/>
+            <a:ext cx="0" cy="4023360"/>
+          </a:xfrm>
+          <a:prstGeom prst="line">
+            <a:avLst/>
+          </a:prstGeom>
+        </p:spPr>
+        <p:style>
+          <a:lnRef idx="1">
+            <a:schemeClr val="accent1"/>
+          </a:lnRef>
+          <a:fillRef idx="0">
+            <a:schemeClr val="accent1"/>
+          </a:fillRef>
+          <a:effectRef idx="0">
+            <a:schemeClr val="accent1"/>
+          </a:effectRef>
+          <a:fontRef idx="minor">
+            <a:schemeClr val="tx1"/>
+          </a:fontRef>
+        </p:style>
+      </p:cxnSp>
     </p:spTree>
     <p:extLst>
       <p:ext uri="{BB962C8B-B14F-4D97-AF65-F5344CB8AC3E}">
-        <p14:creationId xmlns:p14="http://schemas.microsoft.com/office/powerpoint/2010/main" val="839958983"/>
+        <p14:creationId xmlns:p14="http://schemas.microsoft.com/office/powerpoint/2010/main" val="1313778478"/>
       </p:ext>
     </p:extLst>
   </p:cSld>
@@ -41651,218 +40313,9 @@
   <p:timing>
     <p:tnLst>
       <p:par>
-        <p:cTn id="1" dur="indefinite" restart="never" nodeType="tmRoot">
-          <p:childTnLst>
-            <p:seq concurrent="1" nextAc="seek">
-              <p:cTn id="2" dur="indefinite" nodeType="mainSeq">
-                <p:childTnLst>
-                  <p:par>
-                    <p:cTn id="3" fill="hold">
-                      <p:stCondLst>
-                        <p:cond delay="indefinite"/>
-                      </p:stCondLst>
-                      <p:childTnLst>
-                        <p:par>
-                          <p:cTn id="4" fill="hold">
-                            <p:stCondLst>
-                              <p:cond delay="0"/>
-                            </p:stCondLst>
-                            <p:childTnLst>
-                              <p:par>
-                                <p:cTn id="5" presetID="10" presetClass="entr" presetSubtype="0" fill="hold" grpId="0" nodeType="clickEffect">
-                                  <p:stCondLst>
-                                    <p:cond delay="0"/>
-                                  </p:stCondLst>
-                                  <p:childTnLst>
-                                    <p:set>
-                                      <p:cBhvr>
-                                        <p:cTn id="6" dur="1" fill="hold">
-                                          <p:stCondLst>
-                                            <p:cond delay="0"/>
-                                          </p:stCondLst>
-                                        </p:cTn>
-                                        <p:tgtEl>
-                                          <p:spTgt spid="3">
-                                            <p:txEl>
-                                              <p:pRg st="1" end="1"/>
-                                            </p:txEl>
-                                          </p:spTgt>
-                                        </p:tgtEl>
-                                        <p:attrNameLst>
-                                          <p:attrName>style.visibility</p:attrName>
-                                        </p:attrNameLst>
-                                      </p:cBhvr>
-                                      <p:to>
-                                        <p:strVal val="visible"/>
-                                      </p:to>
-                                    </p:set>
-                                    <p:animEffect transition="in" filter="fade">
-                                      <p:cBhvr>
-                                        <p:cTn id="7" dur="500"/>
-                                        <p:tgtEl>
-                                          <p:spTgt spid="3">
-                                            <p:txEl>
-                                              <p:pRg st="1" end="1"/>
-                                            </p:txEl>
-                                          </p:spTgt>
-                                        </p:tgtEl>
-                                      </p:cBhvr>
-                                    </p:animEffect>
-                                  </p:childTnLst>
-                                </p:cTn>
-                              </p:par>
-                            </p:childTnLst>
-                          </p:cTn>
-                        </p:par>
-                      </p:childTnLst>
-                    </p:cTn>
-                  </p:par>
-                  <p:par>
-                    <p:cTn id="8" fill="hold">
-                      <p:stCondLst>
-                        <p:cond delay="indefinite"/>
-                      </p:stCondLst>
-                      <p:childTnLst>
-                        <p:par>
-                          <p:cTn id="9" fill="hold">
-                            <p:stCondLst>
-                              <p:cond delay="0"/>
-                            </p:stCondLst>
-                            <p:childTnLst>
-                              <p:par>
-                                <p:cTn id="10" presetID="10" presetClass="entr" presetSubtype="0" fill="hold" grpId="0" nodeType="clickEffect">
-                                  <p:stCondLst>
-                                    <p:cond delay="0"/>
-                                  </p:stCondLst>
-                                  <p:childTnLst>
-                                    <p:set>
-                                      <p:cBhvr>
-                                        <p:cTn id="11" dur="1" fill="hold">
-                                          <p:stCondLst>
-                                            <p:cond delay="0"/>
-                                          </p:stCondLst>
-                                        </p:cTn>
-                                        <p:tgtEl>
-                                          <p:spTgt spid="3">
-                                            <p:txEl>
-                                              <p:pRg st="2" end="2"/>
-                                            </p:txEl>
-                                          </p:spTgt>
-                                        </p:tgtEl>
-                                        <p:attrNameLst>
-                                          <p:attrName>style.visibility</p:attrName>
-                                        </p:attrNameLst>
-                                      </p:cBhvr>
-                                      <p:to>
-                                        <p:strVal val="visible"/>
-                                      </p:to>
-                                    </p:set>
-                                    <p:animEffect transition="in" filter="fade">
-                                      <p:cBhvr>
-                                        <p:cTn id="12" dur="500"/>
-                                        <p:tgtEl>
-                                          <p:spTgt spid="3">
-                                            <p:txEl>
-                                              <p:pRg st="2" end="2"/>
-                                            </p:txEl>
-                                          </p:spTgt>
-                                        </p:tgtEl>
-                                      </p:cBhvr>
-                                    </p:animEffect>
-                                  </p:childTnLst>
-                                </p:cTn>
-                              </p:par>
-                            </p:childTnLst>
-                          </p:cTn>
-                        </p:par>
-                      </p:childTnLst>
-                    </p:cTn>
-                  </p:par>
-                  <p:par>
-                    <p:cTn id="13" fill="hold">
-                      <p:stCondLst>
-                        <p:cond delay="indefinite"/>
-                      </p:stCondLst>
-                      <p:childTnLst>
-                        <p:par>
-                          <p:cTn id="14" fill="hold">
-                            <p:stCondLst>
-                              <p:cond delay="0"/>
-                            </p:stCondLst>
-                            <p:childTnLst>
-                              <p:par>
-                                <p:cTn id="15" presetID="10" presetClass="entr" presetSubtype="0" fill="hold" grpId="0" nodeType="clickEffect">
-                                  <p:stCondLst>
-                                    <p:cond delay="0"/>
-                                  </p:stCondLst>
-                                  <p:childTnLst>
-                                    <p:set>
-                                      <p:cBhvr>
-                                        <p:cTn id="16" dur="1" fill="hold">
-                                          <p:stCondLst>
-                                            <p:cond delay="0"/>
-                                          </p:stCondLst>
-                                        </p:cTn>
-                                        <p:tgtEl>
-                                          <p:spTgt spid="3">
-                                            <p:txEl>
-                                              <p:pRg st="3" end="3"/>
-                                            </p:txEl>
-                                          </p:spTgt>
-                                        </p:tgtEl>
-                                        <p:attrNameLst>
-                                          <p:attrName>style.visibility</p:attrName>
-                                        </p:attrNameLst>
-                                      </p:cBhvr>
-                                      <p:to>
-                                        <p:strVal val="visible"/>
-                                      </p:to>
-                                    </p:set>
-                                    <p:animEffect transition="in" filter="fade">
-                                      <p:cBhvr>
-                                        <p:cTn id="17" dur="500"/>
-                                        <p:tgtEl>
-                                          <p:spTgt spid="3">
-                                            <p:txEl>
-                                              <p:pRg st="3" end="3"/>
-                                            </p:txEl>
-                                          </p:spTgt>
-                                        </p:tgtEl>
-                                      </p:cBhvr>
-                                    </p:animEffect>
-                                  </p:childTnLst>
-                                </p:cTn>
-                              </p:par>
-                            </p:childTnLst>
-                          </p:cTn>
-                        </p:par>
-                      </p:childTnLst>
-                    </p:cTn>
-                  </p:par>
-                </p:childTnLst>
-              </p:cTn>
-              <p:prevCondLst>
-                <p:cond evt="onPrev" delay="0">
-                  <p:tgtEl>
-                    <p:sldTgt/>
-                  </p:tgtEl>
-                </p:cond>
-              </p:prevCondLst>
-              <p:nextCondLst>
-                <p:cond evt="onNext" delay="0">
-                  <p:tgtEl>
-                    <p:sldTgt/>
-                  </p:tgtEl>
-                </p:cond>
-              </p:nextCondLst>
-            </p:seq>
-          </p:childTnLst>
-        </p:cTn>
+        <p:cTn id="1" dur="indefinite" restart="never" nodeType="tmRoot"/>
       </p:par>
     </p:tnLst>
-    <p:bldLst>
-      <p:bldP spid="3" grpId="0" uiExpand="1" build="p"/>
-    </p:bldLst>
   </p:timing>
 </p:sld>
 </file>
@@ -41900,65 +40353,41 @@
           <a:lstStyle/>
           <a:p>
             <a:r>
-              <a:rPr lang="ru-RU" dirty="0" smtClean="0"/>
-              <a:t>Остановка выполнения</a:t>
+              <a:rPr lang="en-US" dirty="0" err="1" smtClean="0"/>
+              <a:t>Parallel.Invoke</a:t>
             </a:r>
             <a:endParaRPr lang="ru-RU" dirty="0"/>
           </a:p>
         </p:txBody>
       </p:sp>
-      <p:sp>
-        <p:nvSpPr>
-          <p:cNvPr id="3" name="Объект 2"/>
-          <p:cNvSpPr>
-            <a:spLocks noGrp="1"/>
-          </p:cNvSpPr>
-          <p:nvPr>
-            <p:ph idx="1"/>
-          </p:nvPr>
-        </p:nvSpPr>
-        <p:spPr/>
-        <p:txBody>
-          <a:bodyPr>
-            <a:normAutofit/>
-          </a:bodyPr>
-          <a:lstStyle/>
-          <a:p>
-            <a:pPr>
-              <a:buFont typeface="Courier New" panose="02070309020205020404" pitchFamily="49" charset="0"/>
-              <a:buChar char="o"/>
-            </a:pPr>
-            <a:r>
-              <a:rPr lang="ru-RU" sz="3200" dirty="0" smtClean="0"/>
-              <a:t> Используйте механизм </a:t>
-            </a:r>
-            <a:r>
-              <a:rPr lang="en-US" sz="3200" dirty="0" err="1" smtClean="0"/>
-              <a:t>CancellationToken</a:t>
-            </a:r>
-            <a:endParaRPr lang="ru-RU" sz="3200" dirty="0" smtClean="0"/>
-          </a:p>
-          <a:p>
-            <a:pPr>
-              <a:buFont typeface="Courier New" panose="02070309020205020404" pitchFamily="49" charset="0"/>
-              <a:buChar char="o"/>
-            </a:pPr>
-            <a:r>
-              <a:rPr lang="ru-RU" sz="3200" dirty="0"/>
-              <a:t> </a:t>
-            </a:r>
-            <a:r>
-              <a:rPr lang="ru-RU" sz="3200" dirty="0" smtClean="0"/>
-              <a:t>Наличие запроса отмены задачи необходимо проверять вручную</a:t>
-            </a:r>
-            <a:endParaRPr lang="ru-RU" sz="3200" dirty="0"/>
-          </a:p>
-        </p:txBody>
-      </p:sp>
+      <p:pic>
+        <p:nvPicPr>
+          <p:cNvPr id="4" name="Рисунок 3"/>
+          <p:cNvPicPr>
+            <a:picLocks noChangeAspect="1"/>
+          </p:cNvPicPr>
+          <p:nvPr/>
+        </p:nvPicPr>
+        <p:blipFill>
+          <a:blip r:embed="rId2"/>
+          <a:stretch>
+            <a:fillRect/>
+          </a:stretch>
+        </p:blipFill>
+        <p:spPr>
+          <a:xfrm>
+            <a:off x="1097280" y="2061527"/>
+            <a:ext cx="8582025" cy="885825"/>
+          </a:xfrm>
+          <a:prstGeom prst="rect">
+            <a:avLst/>
+          </a:prstGeom>
+        </p:spPr>
+      </p:pic>
     </p:spTree>
     <p:extLst>
       <p:ext uri="{BB962C8B-B14F-4D97-AF65-F5344CB8AC3E}">
-        <p14:creationId xmlns:p14="http://schemas.microsoft.com/office/powerpoint/2010/main" val="4111389727"/>
+        <p14:creationId xmlns:p14="http://schemas.microsoft.com/office/powerpoint/2010/main" val="2826994989"/>
       </p:ext>
     </p:extLst>
   </p:cSld>
@@ -41968,96 +40397,9 @@
   <p:timing>
     <p:tnLst>
       <p:par>
-        <p:cTn id="1" dur="indefinite" restart="never" nodeType="tmRoot">
-          <p:childTnLst>
-            <p:seq concurrent="1" nextAc="seek">
-              <p:cTn id="2" dur="indefinite" nodeType="mainSeq">
-                <p:childTnLst>
-                  <p:par>
-                    <p:cTn id="3" fill="hold">
-                      <p:stCondLst>
-                        <p:cond delay="indefinite"/>
-                      </p:stCondLst>
-                      <p:childTnLst>
-                        <p:par>
-                          <p:cTn id="4" fill="hold">
-                            <p:stCondLst>
-                              <p:cond delay="0"/>
-                            </p:stCondLst>
-                            <p:childTnLst>
-                              <p:par>
-                                <p:cTn id="5" presetID="10" presetClass="entr" presetSubtype="0" fill="hold" grpId="0" nodeType="clickEffect">
-                                  <p:stCondLst>
-                                    <p:cond delay="0"/>
-                                  </p:stCondLst>
-                                  <p:childTnLst>
-                                    <p:set>
-                                      <p:cBhvr>
-                                        <p:cTn id="6" dur="1" fill="hold">
-                                          <p:stCondLst>
-                                            <p:cond delay="0"/>
-                                          </p:stCondLst>
-                                        </p:cTn>
-                                        <p:tgtEl>
-                                          <p:spTgt spid="3">
-                                            <p:txEl>
-                                              <p:pRg st="1" end="1"/>
-                                            </p:txEl>
-                                          </p:spTgt>
-                                        </p:tgtEl>
-                                        <p:attrNameLst>
-                                          <p:attrName>style.visibility</p:attrName>
-                                        </p:attrNameLst>
-                                      </p:cBhvr>
-                                      <p:to>
-                                        <p:strVal val="visible"/>
-                                      </p:to>
-                                    </p:set>
-                                    <p:animEffect transition="in" filter="fade">
-                                      <p:cBhvr>
-                                        <p:cTn id="7" dur="500"/>
-                                        <p:tgtEl>
-                                          <p:spTgt spid="3">
-                                            <p:txEl>
-                                              <p:pRg st="1" end="1"/>
-                                            </p:txEl>
-                                          </p:spTgt>
-                                        </p:tgtEl>
-                                      </p:cBhvr>
-                                    </p:animEffect>
-                                  </p:childTnLst>
-                                </p:cTn>
-                              </p:par>
-                            </p:childTnLst>
-                          </p:cTn>
-                        </p:par>
-                      </p:childTnLst>
-                    </p:cTn>
-                  </p:par>
-                </p:childTnLst>
-              </p:cTn>
-              <p:prevCondLst>
-                <p:cond evt="onPrev" delay="0">
-                  <p:tgtEl>
-                    <p:sldTgt/>
-                  </p:tgtEl>
-                </p:cond>
-              </p:prevCondLst>
-              <p:nextCondLst>
-                <p:cond evt="onNext" delay="0">
-                  <p:tgtEl>
-                    <p:sldTgt/>
-                  </p:tgtEl>
-                </p:cond>
-              </p:nextCondLst>
-            </p:seq>
-          </p:childTnLst>
-        </p:cTn>
+        <p:cTn id="1" dur="indefinite" restart="never" nodeType="tmRoot"/>
       </p:par>
     </p:tnLst>
-    <p:bldLst>
-      <p:bldP spid="3" grpId="0" uiExpand="1" build="p"/>
-    </p:bldLst>
   </p:timing>
 </p:sld>
 </file>
@@ -42095,77 +40437,99 @@
           <a:lstStyle/>
           <a:p>
             <a:r>
-              <a:rPr lang="ru-RU" dirty="0" smtClean="0"/>
-              <a:t>Сложная обработка данных</a:t>
-            </a:r>
-            <a:endParaRPr lang="ru-RU" dirty="0"/>
-          </a:p>
-        </p:txBody>
-      </p:sp>
-      <p:sp>
-        <p:nvSpPr>
-          <p:cNvPr id="3" name="Объект 2"/>
-          <p:cNvSpPr>
-            <a:spLocks noGrp="1"/>
-          </p:cNvSpPr>
-          <p:nvPr>
-            <p:ph idx="1"/>
-          </p:nvPr>
-        </p:nvSpPr>
-        <p:spPr/>
-        <p:txBody>
-          <a:bodyPr/>
-          <a:lstStyle/>
-          <a:p>
+              <a:rPr lang="en-US" dirty="0" err="1" smtClean="0"/>
+              <a:t>Parallel.ForEach</a:t>
+            </a:r>
+            <a:r>
+              <a:rPr lang="en-US" dirty="0" smtClean="0"/>
+              <a:t> + PLINQ</a:t>
+            </a:r>
             <a:endParaRPr lang="ru-RU" dirty="0"/>
           </a:p>
         </p:txBody>
       </p:sp>
       <p:pic>
         <p:nvPicPr>
-          <p:cNvPr id="7170" name="Picture 2" descr="ÐÐ°ÑÑÐ¸Ð½ÐºÐ¸ Ð¿Ð¾ Ð·Ð°Ð¿ÑÐ¾ÑÑ tpl dataflow"/>
+          <p:cNvPr id="5" name="Рисунок 4"/>
           <p:cNvPicPr>
-            <a:picLocks noChangeAspect="1" noChangeArrowheads="1"/>
+            <a:picLocks noChangeAspect="1"/>
           </p:cNvPicPr>
           <p:nvPr/>
         </p:nvPicPr>
         <p:blipFill>
-          <a:blip r:embed="rId2">
-            <a:extLst>
-              <a:ext uri="{28A0092B-C50C-407E-A947-70E740481C1C}">
-                <a14:useLocalDpi xmlns:a14="http://schemas.microsoft.com/office/drawing/2010/main" val="0"/>
-              </a:ext>
-            </a:extLst>
-          </a:blip>
-          <a:srcRect/>
+          <a:blip r:embed="rId2"/>
           <a:stretch>
             <a:fillRect/>
           </a:stretch>
         </p:blipFill>
-        <p:spPr bwMode="auto">
-          <a:xfrm>
-            <a:off x="618045" y="1845734"/>
-            <a:ext cx="10636857" cy="3830602"/>
+        <p:spPr>
+          <a:xfrm>
+            <a:off x="1097280" y="1995805"/>
+            <a:ext cx="6657975" cy="1914525"/>
           </a:xfrm>
           <a:prstGeom prst="rect">
             <a:avLst/>
           </a:prstGeom>
-          <a:noFill/>
-          <a:extLst>
-            <a:ext uri="{909E8E84-426E-40DD-AFC4-6F175D3DCCD1}">
-              <a14:hiddenFill xmlns:a14="http://schemas.microsoft.com/office/drawing/2010/main">
-                <a:solidFill>
-                  <a:srgbClr val="FFFFFF"/>
-                </a:solidFill>
-              </a14:hiddenFill>
-            </a:ext>
-          </a:extLst>
         </p:spPr>
       </p:pic>
+      <p:pic>
+        <p:nvPicPr>
+          <p:cNvPr id="6" name="Рисунок 5"/>
+          <p:cNvPicPr>
+            <a:picLocks noChangeAspect="1"/>
+          </p:cNvPicPr>
+          <p:nvPr/>
+        </p:nvPicPr>
+        <p:blipFill>
+          <a:blip r:embed="rId3"/>
+          <a:stretch>
+            <a:fillRect/>
+          </a:stretch>
+        </p:blipFill>
+        <p:spPr>
+          <a:xfrm>
+            <a:off x="1097280" y="4462780"/>
+            <a:ext cx="6562725" cy="1447800"/>
+          </a:xfrm>
+          <a:prstGeom prst="rect">
+            <a:avLst/>
+          </a:prstGeom>
+        </p:spPr>
+      </p:pic>
+      <p:cxnSp>
+        <p:nvCxnSpPr>
+          <p:cNvPr id="16" name="Прямая соединительная линия 15"/>
+          <p:cNvCxnSpPr/>
+          <p:nvPr/>
+        </p:nvCxnSpPr>
+        <p:spPr>
+          <a:xfrm>
+            <a:off x="1168400" y="4094480"/>
+            <a:ext cx="9895840" cy="0"/>
+          </a:xfrm>
+          <a:prstGeom prst="line">
+            <a:avLst/>
+          </a:prstGeom>
+        </p:spPr>
+        <p:style>
+          <a:lnRef idx="1">
+            <a:schemeClr val="accent1"/>
+          </a:lnRef>
+          <a:fillRef idx="0">
+            <a:schemeClr val="accent1"/>
+          </a:fillRef>
+          <a:effectRef idx="0">
+            <a:schemeClr val="accent1"/>
+          </a:effectRef>
+          <a:fontRef idx="minor">
+            <a:schemeClr val="tx1"/>
+          </a:fontRef>
+        </p:style>
+      </p:cxnSp>
     </p:spTree>
     <p:extLst>
       <p:ext uri="{BB962C8B-B14F-4D97-AF65-F5344CB8AC3E}">
-        <p14:creationId xmlns:p14="http://schemas.microsoft.com/office/powerpoint/2010/main" val="1907858395"/>
+        <p14:creationId xmlns:p14="http://schemas.microsoft.com/office/powerpoint/2010/main" val="2783887155"/>
       </p:ext>
     </p:extLst>
   </p:cSld>
@@ -42201,7 +40565,7 @@
       </p:grpSpPr>
       <p:sp>
         <p:nvSpPr>
-          <p:cNvPr id="2" name="Заголовок 1"/>
+          <p:cNvPr id="4" name="Заголовок 3"/>
           <p:cNvSpPr>
             <a:spLocks noGrp="1"/>
           </p:cNvSpPr>
@@ -42215,8 +40579,8 @@
           <a:lstStyle/>
           <a:p>
             <a:r>
-              <a:rPr lang="en-US" dirty="0" smtClean="0"/>
-              <a:t>Reactive Programming</a:t>
+              <a:rPr lang="ru-RU" dirty="0" smtClean="0"/>
+              <a:t>Асинхронность</a:t>
             </a:r>
             <a:endParaRPr lang="ru-RU" dirty="0"/>
           </a:p>
@@ -42224,76 +40588,27 @@
       </p:sp>
       <p:sp>
         <p:nvSpPr>
-          <p:cNvPr id="3" name="Объект 2"/>
-          <p:cNvSpPr>
-            <a:spLocks noGrp="1"/>
-          </p:cNvSpPr>
-          <p:nvPr>
-            <p:ph idx="1"/>
+          <p:cNvPr id="5" name="Текст 4"/>
+          <p:cNvSpPr>
+            <a:spLocks noGrp="1"/>
+          </p:cNvSpPr>
+          <p:nvPr>
+            <p:ph type="body" idx="1"/>
           </p:nvPr>
         </p:nvSpPr>
         <p:spPr/>
         <p:txBody>
-          <a:bodyPr>
-            <a:normAutofit/>
-          </a:bodyPr>
-          <a:lstStyle/>
-          <a:p>
-            <a:r>
-              <a:rPr lang="en-US" sz="4000" dirty="0" smtClean="0"/>
-              <a:t>- </a:t>
-            </a:r>
-            <a:r>
-              <a:rPr lang="ru-RU" sz="4000" dirty="0" smtClean="0"/>
-              <a:t>декларативный стиль программирования, при котором приложение реагирует на возникающие события</a:t>
-            </a:r>
-            <a:endParaRPr lang="ru-RU" sz="4000" dirty="0"/>
-          </a:p>
-        </p:txBody>
-      </p:sp>
-      <p:pic>
-        <p:nvPicPr>
-          <p:cNvPr id="4098" name="Picture 2" descr="ÐÐ°ÑÑÐ¸Ð½ÐºÐ¸ Ð¿Ð¾ Ð·Ð°Ð¿ÑÐ¾ÑÑ rx .net"/>
-          <p:cNvPicPr>
-            <a:picLocks noChangeAspect="1" noChangeArrowheads="1"/>
-          </p:cNvPicPr>
-          <p:nvPr/>
-        </p:nvPicPr>
-        <p:blipFill rotWithShape="1">
-          <a:blip r:embed="rId2">
-            <a:extLst>
-              <a:ext uri="{28A0092B-C50C-407E-A947-70E740481C1C}">
-                <a14:useLocalDpi xmlns:a14="http://schemas.microsoft.com/office/drawing/2010/main" val="0"/>
-              </a:ext>
-            </a:extLst>
-          </a:blip>
-          <a:srcRect t="14698" b="17061"/>
-          <a:stretch/>
-        </p:blipFill>
-        <p:spPr bwMode="auto">
-          <a:xfrm>
-            <a:off x="5499100" y="3657600"/>
-            <a:ext cx="5656580" cy="2171326"/>
-          </a:xfrm>
-          <a:prstGeom prst="rect">
-            <a:avLst/>
-          </a:prstGeom>
-          <a:noFill/>
-          <a:extLst>
-            <a:ext uri="{909E8E84-426E-40DD-AFC4-6F175D3DCCD1}">
-              <a14:hiddenFill xmlns:a14="http://schemas.microsoft.com/office/drawing/2010/main">
-                <a:solidFill>
-                  <a:srgbClr val="FFFFFF"/>
-                </a:solidFill>
-              </a14:hiddenFill>
-            </a:ext>
-          </a:extLst>
-        </p:spPr>
-      </p:pic>
+          <a:bodyPr/>
+          <a:lstStyle/>
+          <a:p>
+            <a:endParaRPr lang="ru-RU"/>
+          </a:p>
+        </p:txBody>
+      </p:sp>
     </p:spTree>
     <p:extLst>
       <p:ext uri="{BB962C8B-B14F-4D97-AF65-F5344CB8AC3E}">
-        <p14:creationId xmlns:p14="http://schemas.microsoft.com/office/powerpoint/2010/main" val="664873569"/>
+        <p14:creationId xmlns:p14="http://schemas.microsoft.com/office/powerpoint/2010/main" val="1281839749"/>
       </p:ext>
     </p:extLst>
   </p:cSld>
@@ -42350,6 +40665,66 @@
           </a:p>
         </p:txBody>
       </p:sp>
+      <p:sp>
+        <p:nvSpPr>
+          <p:cNvPr id="11" name="Текст 10"/>
+          <p:cNvSpPr>
+            <a:spLocks noGrp="1"/>
+          </p:cNvSpPr>
+          <p:nvPr>
+            <p:ph type="body" idx="1"/>
+          </p:nvPr>
+        </p:nvSpPr>
+        <p:spPr/>
+        <p:txBody>
+          <a:bodyPr/>
+          <a:lstStyle/>
+          <a:p>
+            <a:endParaRPr lang="ru-RU"/>
+          </a:p>
+        </p:txBody>
+      </p:sp>
+      <p:pic>
+        <p:nvPicPr>
+          <p:cNvPr id="1030" name="Picture 6" descr="ÐÐ°ÑÑÐ¸Ð½ÐºÐ¸ Ð¿Ð¾ Ð·Ð°Ð¿ÑÐ¾ÑÑ why"/>
+          <p:cNvPicPr>
+            <a:picLocks noChangeAspect="1" noChangeArrowheads="1"/>
+          </p:cNvPicPr>
+          <p:nvPr/>
+        </p:nvPicPr>
+        <p:blipFill>
+          <a:blip r:embed="rId3">
+            <a:extLst>
+              <a:ext uri="{28A0092B-C50C-407E-A947-70E740481C1C}">
+                <a14:useLocalDpi xmlns:a14="http://schemas.microsoft.com/office/drawing/2010/main" val="0"/>
+              </a:ext>
+            </a:extLst>
+          </a:blip>
+          <a:srcRect/>
+          <a:stretch>
+            <a:fillRect/>
+          </a:stretch>
+        </p:blipFill>
+        <p:spPr bwMode="auto">
+          <a:xfrm>
+            <a:off x="5083174" y="0"/>
+            <a:ext cx="6732905" cy="4182170"/>
+          </a:xfrm>
+          <a:prstGeom prst="rect">
+            <a:avLst/>
+          </a:prstGeom>
+          <a:noFill/>
+          <a:extLst>
+            <a:ext uri="{909E8E84-426E-40DD-AFC4-6F175D3DCCD1}">
+              <a14:hiddenFill xmlns:a14="http://schemas.microsoft.com/office/drawing/2010/main">
+                <a:solidFill>
+                  <a:srgbClr val="FFFFFF"/>
+                </a:solidFill>
+              </a14:hiddenFill>
+            </a:ext>
+          </a:extLst>
+        </p:spPr>
+      </p:pic>
     </p:spTree>
     <p:extLst>
       <p:ext uri="{BB962C8B-B14F-4D97-AF65-F5344CB8AC3E}">
@@ -42387,9 +40762,33 @@
           <a:chExt cx="0" cy="0"/>
         </a:xfrm>
       </p:grpSpPr>
-      <p:sp>
-        <p:nvSpPr>
-          <p:cNvPr id="2" name="Заголовок 1"/>
+      <p:pic>
+        <p:nvPicPr>
+          <p:cNvPr id="13" name="Рисунок 12"/>
+          <p:cNvPicPr>
+            <a:picLocks noChangeAspect="1"/>
+          </p:cNvPicPr>
+          <p:nvPr/>
+        </p:nvPicPr>
+        <p:blipFill>
+          <a:blip r:embed="rId2"/>
+          <a:stretch>
+            <a:fillRect/>
+          </a:stretch>
+        </p:blipFill>
+        <p:spPr>
+          <a:xfrm>
+            <a:off x="1280160" y="3277976"/>
+            <a:ext cx="4467225" cy="3038475"/>
+          </a:xfrm>
+          <a:prstGeom prst="rect">
+            <a:avLst/>
+          </a:prstGeom>
+        </p:spPr>
+      </p:pic>
+      <p:sp>
+        <p:nvSpPr>
+          <p:cNvPr id="4" name="Заголовок 3"/>
           <p:cNvSpPr>
             <a:spLocks noGrp="1"/>
           </p:cNvSpPr>
@@ -42404,7 +40803,11 @@
           <a:p>
             <a:r>
               <a:rPr lang="ru-RU" dirty="0" smtClean="0"/>
-              <a:t>Ресурсы</a:t>
+              <a:t>До </a:t>
+            </a:r>
+            <a:r>
+              <a:rPr lang="en-US" dirty="0" smtClean="0"/>
+              <a:t>.NET 4.5 (2012)</a:t>
             </a:r>
             <a:endParaRPr lang="ru-RU" dirty="0"/>
           </a:p>
@@ -42412,15 +40815,49 @@
       </p:sp>
       <p:sp>
         <p:nvSpPr>
-          <p:cNvPr id="3" name="Объект 2"/>
-          <p:cNvSpPr>
-            <a:spLocks noGrp="1"/>
-          </p:cNvSpPr>
-          <p:nvPr>
-            <p:ph idx="1"/>
-          </p:nvPr>
-        </p:nvSpPr>
-        <p:spPr/>
+          <p:cNvPr id="6" name="Текст 5"/>
+          <p:cNvSpPr>
+            <a:spLocks noGrp="1"/>
+          </p:cNvSpPr>
+          <p:nvPr>
+            <p:ph type="body" idx="1"/>
+          </p:nvPr>
+        </p:nvSpPr>
+        <p:spPr>
+          <a:xfrm>
+            <a:off x="6217920" y="1846052"/>
+            <a:ext cx="4937760" cy="736282"/>
+          </a:xfrm>
+        </p:spPr>
+        <p:txBody>
+          <a:bodyPr/>
+          <a:lstStyle/>
+          <a:p>
+            <a:pPr algn="ctr"/>
+            <a:r>
+              <a:rPr lang="en-US" dirty="0" smtClean="0"/>
+              <a:t>Event-based asynchronous pattern (EAP)</a:t>
+            </a:r>
+            <a:endParaRPr lang="ru-RU" dirty="0"/>
+          </a:p>
+        </p:txBody>
+      </p:sp>
+      <p:sp>
+        <p:nvSpPr>
+          <p:cNvPr id="7" name="Объект 6"/>
+          <p:cNvSpPr>
+            <a:spLocks noGrp="1"/>
+          </p:cNvSpPr>
+          <p:nvPr>
+            <p:ph sz="half" idx="2"/>
+          </p:nvPr>
+        </p:nvSpPr>
+        <p:spPr>
+          <a:xfrm>
+            <a:off x="6217920" y="2531534"/>
+            <a:ext cx="4937760" cy="3378200"/>
+          </a:xfrm>
+        </p:spPr>
         <p:txBody>
           <a:bodyPr/>
           <a:lstStyle/>
@@ -42434,10 +40871,12 @@
               <a:t> </a:t>
             </a:r>
             <a:r>
-              <a:rPr lang="en-US" dirty="0" smtClean="0">
-                <a:hlinkClick r:id="rId2"/>
-              </a:rPr>
-              <a:t>Task-based Asynchronous Pattern</a:t>
+              <a:rPr lang="ru-RU" dirty="0" smtClean="0"/>
+              <a:t>метод </a:t>
+            </a:r>
+            <a:r>
+              <a:rPr lang="en-US" dirty="0" err="1" smtClean="0"/>
+              <a:t>OperationAsync</a:t>
             </a:r>
             <a:endParaRPr lang="en-US" dirty="0" smtClean="0"/>
           </a:p>
@@ -42447,33 +40886,100 @@
               <a:buChar char="o"/>
             </a:pPr>
             <a:r>
+              <a:rPr lang="en-US" dirty="0"/>
+              <a:t> </a:t>
+            </a:r>
+            <a:r>
+              <a:rPr lang="ru-RU" dirty="0" smtClean="0"/>
+              <a:t>событие </a:t>
+            </a:r>
+            <a:r>
+              <a:rPr lang="en-US" dirty="0" err="1" smtClean="0"/>
+              <a:t>OperationCompleted</a:t>
+            </a:r>
+            <a:endParaRPr lang="ru-RU" dirty="0" smtClean="0"/>
+          </a:p>
+          <a:p>
+            <a:pPr marL="0" indent="0">
+              <a:buNone/>
+            </a:pPr>
+            <a:endParaRPr lang="ru-RU" dirty="0"/>
+          </a:p>
+        </p:txBody>
+      </p:sp>
+      <p:sp>
+        <p:nvSpPr>
+          <p:cNvPr id="8" name="Текст 7"/>
+          <p:cNvSpPr>
+            <a:spLocks noGrp="1"/>
+          </p:cNvSpPr>
+          <p:nvPr>
+            <p:ph type="body" sz="quarter" idx="3"/>
+          </p:nvPr>
+        </p:nvSpPr>
+        <p:spPr>
+          <a:xfrm>
+            <a:off x="1097280" y="1846052"/>
+            <a:ext cx="4937760" cy="736282"/>
+          </a:xfrm>
+        </p:spPr>
+        <p:txBody>
+          <a:bodyPr/>
+          <a:lstStyle/>
+          <a:p>
+            <a:pPr algn="ctr"/>
+            <a:r>
               <a:rPr lang="en-US" dirty="0" smtClean="0"/>
-              <a:t> </a:t>
-            </a:r>
-            <a:r>
-              <a:rPr lang="en-US" dirty="0" smtClean="0">
-                <a:hlinkClick r:id="rId3"/>
-              </a:rPr>
-              <a:t>Concurrency in C# Cookbook</a:t>
-            </a:r>
-            <a:endParaRPr lang="en-US" dirty="0" smtClean="0"/>
-          </a:p>
+              <a:t>Asynchronous programming model (APM)</a:t>
+            </a:r>
+            <a:endParaRPr lang="ru-RU" dirty="0"/>
+          </a:p>
+        </p:txBody>
+      </p:sp>
+      <p:sp>
+        <p:nvSpPr>
+          <p:cNvPr id="9" name="Объект 8"/>
+          <p:cNvSpPr>
+            <a:spLocks noGrp="1"/>
+          </p:cNvSpPr>
+          <p:nvPr>
+            <p:ph sz="quarter" idx="4"/>
+          </p:nvPr>
+        </p:nvSpPr>
+        <p:spPr>
+          <a:xfrm>
+            <a:off x="1280160" y="2531534"/>
+            <a:ext cx="4937760" cy="3378200"/>
+          </a:xfrm>
+        </p:spPr>
+        <p:txBody>
+          <a:bodyPr/>
+          <a:lstStyle/>
           <a:p>
             <a:pPr>
               <a:buFont typeface="Courier New" panose="02070309020205020404" pitchFamily="49" charset="0"/>
               <a:buChar char="o"/>
             </a:pPr>
             <a:r>
-              <a:rPr lang="en-US" dirty="0"/>
+              <a:rPr lang="en-US" dirty="0" smtClean="0"/>
               <a:t> </a:t>
             </a:r>
             <a:r>
-              <a:rPr lang="en-US" dirty="0" smtClean="0">
-                <a:hlinkClick r:id="rId4"/>
-              </a:rPr>
-              <a:t>C# Concurrent Collections</a:t>
-            </a:r>
-            <a:endParaRPr lang="en-US" dirty="0" smtClean="0"/>
+              <a:rPr lang="en-US" dirty="0" err="1" smtClean="0"/>
+              <a:t>IAsyncResult</a:t>
+            </a:r>
+            <a:r>
+              <a:rPr lang="en-US" dirty="0" smtClean="0"/>
+              <a:t> </a:t>
+            </a:r>
+            <a:r>
+              <a:rPr lang="en-US" dirty="0" err="1" smtClean="0"/>
+              <a:t>BeginOperation</a:t>
+            </a:r>
+            <a:r>
+              <a:rPr lang="en-US" dirty="0" smtClean="0"/>
+              <a:t>()</a:t>
+            </a:r>
           </a:p>
           <a:p>
             <a:pPr>
@@ -42485,29 +40991,65 @@
               <a:t> </a:t>
             </a:r>
             <a:r>
-              <a:rPr lang="en-US" dirty="0">
-                <a:hlinkClick r:id="rId5"/>
-              </a:rPr>
-              <a:t>http://www.albahari.com/threading</a:t>
-            </a:r>
-            <a:r>
-              <a:rPr lang="en-US" dirty="0" smtClean="0">
-                <a:hlinkClick r:id="rId5"/>
-              </a:rPr>
-              <a:t>/</a:t>
+              <a:rPr lang="en-US" dirty="0" err="1" smtClean="0"/>
+              <a:t>EndOperatio</a:t>
+            </a:r>
+            <a:r>
+              <a:rPr lang="en-US" dirty="0" err="1"/>
+              <a:t>n</a:t>
+            </a:r>
+            <a:r>
+              <a:rPr lang="en-US" dirty="0" smtClean="0"/>
+              <a:t>(</a:t>
+            </a:r>
+            <a:r>
+              <a:rPr lang="en-US" dirty="0" err="1" smtClean="0"/>
+              <a:t>IAsyncResult</a:t>
             </a:r>
             <a:r>
               <a:rPr lang="en-US" dirty="0" smtClean="0"/>
               <a:t> </a:t>
             </a:r>
+            <a:r>
+              <a:rPr lang="en-US" dirty="0" err="1" smtClean="0"/>
+              <a:t>ar</a:t>
+            </a:r>
+            <a:r>
+              <a:rPr lang="en-US" dirty="0" smtClean="0"/>
+              <a:t>)</a:t>
+            </a:r>
             <a:endParaRPr lang="ru-RU" dirty="0"/>
           </a:p>
         </p:txBody>
       </p:sp>
+      <p:pic>
+        <p:nvPicPr>
+          <p:cNvPr id="11" name="Рисунок 10"/>
+          <p:cNvPicPr>
+            <a:picLocks noChangeAspect="1"/>
+          </p:cNvPicPr>
+          <p:nvPr/>
+        </p:nvPicPr>
+        <p:blipFill>
+          <a:blip r:embed="rId3"/>
+          <a:stretch>
+            <a:fillRect/>
+          </a:stretch>
+        </p:blipFill>
+        <p:spPr>
+          <a:xfrm>
+            <a:off x="6217920" y="3493770"/>
+            <a:ext cx="4152900" cy="2247900"/>
+          </a:xfrm>
+          <a:prstGeom prst="rect">
+            <a:avLst/>
+          </a:prstGeom>
+        </p:spPr>
+      </p:pic>
     </p:spTree>
     <p:extLst>
       <p:ext uri="{BB962C8B-B14F-4D97-AF65-F5344CB8AC3E}">
-        <p14:creationId xmlns:p14="http://schemas.microsoft.com/office/powerpoint/2010/main" val="177013043"/>
+        <p14:creationId xmlns:p14="http://schemas.microsoft.com/office/powerpoint/2010/main" val="1782767015"/>
       </p:ext>
     </p:extLst>
   </p:cSld>
@@ -42543,7 +41085,7 @@
       </p:grpSpPr>
       <p:sp>
         <p:nvSpPr>
-          <p:cNvPr id="2" name="Заголовок 1"/>
+          <p:cNvPr id="7" name="Заголовок 6"/>
           <p:cNvSpPr>
             <a:spLocks noGrp="1"/>
           </p:cNvSpPr>
@@ -42557,17 +41099,1116 @@
           <a:lstStyle/>
           <a:p>
             <a:r>
-              <a:rPr lang="ru-RU" dirty="0" smtClean="0"/>
-              <a:t>Спасибо за внимание</a:t>
+              <a:rPr lang="en-US" dirty="0" smtClean="0"/>
+              <a:t>Task-based Asynchronous Pattern (TAP)</a:t>
             </a:r>
             <a:endParaRPr lang="ru-RU" dirty="0"/>
           </a:p>
         </p:txBody>
       </p:sp>
+      <p:pic>
+        <p:nvPicPr>
+          <p:cNvPr id="9" name="Рисунок 8"/>
+          <p:cNvPicPr>
+            <a:picLocks noChangeAspect="1"/>
+          </p:cNvPicPr>
+          <p:nvPr/>
+        </p:nvPicPr>
+        <p:blipFill>
+          <a:blip r:embed="rId2"/>
+          <a:stretch>
+            <a:fillRect/>
+          </a:stretch>
+        </p:blipFill>
+        <p:spPr>
+          <a:xfrm>
+            <a:off x="1097280" y="1890819"/>
+            <a:ext cx="5295900" cy="3790950"/>
+          </a:xfrm>
+          <a:prstGeom prst="rect">
+            <a:avLst/>
+          </a:prstGeom>
+        </p:spPr>
+      </p:pic>
     </p:spTree>
     <p:extLst>
       <p:ext uri="{BB962C8B-B14F-4D97-AF65-F5344CB8AC3E}">
-        <p14:creationId xmlns:p14="http://schemas.microsoft.com/office/powerpoint/2010/main" val="1125138191"/>
+        <p14:creationId xmlns:p14="http://schemas.microsoft.com/office/powerpoint/2010/main" val="2712941003"/>
+      </p:ext>
+    </p:extLst>
+  </p:cSld>
+  <p:clrMapOvr>
+    <a:masterClrMapping/>
+  </p:clrMapOvr>
+  <p:timing>
+    <p:tnLst>
+      <p:par>
+        <p:cTn id="1" dur="indefinite" restart="never" nodeType="tmRoot"/>
+      </p:par>
+    </p:tnLst>
+  </p:timing>
+</p:sld>
+</file>
+
+<file path=ppt/slides/slide22.xml><?xml version="1.0" encoding="utf-8"?>
+<p:sld xmlns:a="http://schemas.openxmlformats.org/drawingml/2006/main" xmlns:r="http://schemas.openxmlformats.org/officeDocument/2006/relationships" xmlns:p="http://schemas.openxmlformats.org/presentationml/2006/main">
+  <p:cSld>
+    <p:spTree>
+      <p:nvGrpSpPr>
+        <p:cNvPr id="1" name=""/>
+        <p:cNvGrpSpPr/>
+        <p:nvPr/>
+      </p:nvGrpSpPr>
+      <p:grpSpPr>
+        <a:xfrm>
+          <a:off x="0" y="0"/>
+          <a:ext cx="0" cy="0"/>
+          <a:chOff x="0" y="0"/>
+          <a:chExt cx="0" cy="0"/>
+        </a:xfrm>
+      </p:grpSpPr>
+      <p:sp>
+        <p:nvSpPr>
+          <p:cNvPr id="2" name="Заголовок 1"/>
+          <p:cNvSpPr>
+            <a:spLocks noGrp="1"/>
+          </p:cNvSpPr>
+          <p:nvPr>
+            <p:ph type="title"/>
+          </p:nvPr>
+        </p:nvSpPr>
+        <p:spPr/>
+        <p:txBody>
+          <a:bodyPr/>
+          <a:lstStyle/>
+          <a:p>
+            <a:r>
+              <a:rPr lang="ru-RU" dirty="0" smtClean="0"/>
+              <a:t>Как не выстрелить себе в ногу</a:t>
+            </a:r>
+            <a:endParaRPr lang="ru-RU" dirty="0"/>
+          </a:p>
+        </p:txBody>
+      </p:sp>
+      <p:pic>
+        <p:nvPicPr>
+          <p:cNvPr id="6146" name="Picture 2" descr="ÐÐ¾Ñ+Ð¾Ð¶ÐµÐµ Ð¸Ð·Ð¾Ð±ÑÐ°Ð¶ÐµÐ½Ð¸Ðµ"/>
+          <p:cNvPicPr>
+            <a:picLocks noChangeAspect="1" noChangeArrowheads="1"/>
+          </p:cNvPicPr>
+          <p:nvPr/>
+        </p:nvPicPr>
+        <p:blipFill>
+          <a:blip r:embed="rId2">
+            <a:extLst>
+              <a:ext uri="{28A0092B-C50C-407E-A947-70E740481C1C}">
+                <a14:useLocalDpi xmlns:a14="http://schemas.microsoft.com/office/drawing/2010/main" val="0"/>
+              </a:ext>
+            </a:extLst>
+          </a:blip>
+          <a:srcRect/>
+          <a:stretch>
+            <a:fillRect/>
+          </a:stretch>
+        </p:blipFill>
+        <p:spPr bwMode="auto">
+          <a:xfrm>
+            <a:off x="1739900" y="1760780"/>
+            <a:ext cx="8185150" cy="4242637"/>
+          </a:xfrm>
+          <a:prstGeom prst="rect">
+            <a:avLst/>
+          </a:prstGeom>
+          <a:noFill/>
+          <a:extLst>
+            <a:ext uri="{909E8E84-426E-40DD-AFC4-6F175D3DCCD1}">
+              <a14:hiddenFill xmlns:a14="http://schemas.microsoft.com/office/drawing/2010/main">
+                <a:solidFill>
+                  <a:srgbClr val="FFFFFF"/>
+                </a:solidFill>
+              </a14:hiddenFill>
+            </a:ext>
+          </a:extLst>
+        </p:spPr>
+      </p:pic>
+    </p:spTree>
+    <p:extLst>
+      <p:ext uri="{BB962C8B-B14F-4D97-AF65-F5344CB8AC3E}">
+        <p14:creationId xmlns:p14="http://schemas.microsoft.com/office/powerpoint/2010/main" val="2474590045"/>
+      </p:ext>
+    </p:extLst>
+  </p:cSld>
+  <p:clrMapOvr>
+    <a:masterClrMapping/>
+  </p:clrMapOvr>
+  <p:timing>
+    <p:tnLst>
+      <p:par>
+        <p:cTn id="1" dur="indefinite" restart="never" nodeType="tmRoot"/>
+      </p:par>
+    </p:tnLst>
+  </p:timing>
+</p:sld>
+</file>
+
+<file path=ppt/slides/slide23.xml><?xml version="1.0" encoding="utf-8"?>
+<p:sld xmlns:a="http://schemas.openxmlformats.org/drawingml/2006/main" xmlns:r="http://schemas.openxmlformats.org/officeDocument/2006/relationships" xmlns:p="http://schemas.openxmlformats.org/presentationml/2006/main">
+  <p:cSld>
+    <p:spTree>
+      <p:nvGrpSpPr>
+        <p:cNvPr id="1" name=""/>
+        <p:cNvGrpSpPr/>
+        <p:nvPr/>
+      </p:nvGrpSpPr>
+      <p:grpSpPr>
+        <a:xfrm>
+          <a:off x="0" y="0"/>
+          <a:ext cx="0" cy="0"/>
+          <a:chOff x="0" y="0"/>
+          <a:chExt cx="0" cy="0"/>
+        </a:xfrm>
+      </p:grpSpPr>
+      <p:sp>
+        <p:nvSpPr>
+          <p:cNvPr id="2" name="Заголовок 1"/>
+          <p:cNvSpPr>
+            <a:spLocks noGrp="1"/>
+          </p:cNvSpPr>
+          <p:nvPr>
+            <p:ph type="title"/>
+          </p:nvPr>
+        </p:nvSpPr>
+        <p:spPr/>
+        <p:txBody>
+          <a:bodyPr/>
+          <a:lstStyle/>
+          <a:p>
+            <a:r>
+              <a:rPr lang="en-US" dirty="0" smtClean="0"/>
+              <a:t>Deadlock</a:t>
+            </a:r>
+            <a:endParaRPr lang="ru-RU" dirty="0"/>
+          </a:p>
+        </p:txBody>
+      </p:sp>
+      <p:pic>
+        <p:nvPicPr>
+          <p:cNvPr id="5122" name="Picture 2" descr="ÐÐ°ÑÑÐ¸Ð½ÐºÐ¸ Ð¿Ð¾ Ð·Ð°Ð¿ÑÐ¾ÑÑ deadlock"/>
+          <p:cNvPicPr>
+            <a:picLocks noChangeAspect="1" noChangeArrowheads="1"/>
+          </p:cNvPicPr>
+          <p:nvPr/>
+        </p:nvPicPr>
+        <p:blipFill>
+          <a:blip r:embed="rId3">
+            <a:extLst>
+              <a:ext uri="{28A0092B-C50C-407E-A947-70E740481C1C}">
+                <a14:useLocalDpi xmlns:a14="http://schemas.microsoft.com/office/drawing/2010/main" val="0"/>
+              </a:ext>
+            </a:extLst>
+          </a:blip>
+          <a:srcRect/>
+          <a:stretch>
+            <a:fillRect/>
+          </a:stretch>
+        </p:blipFill>
+        <p:spPr bwMode="auto">
+          <a:xfrm>
+            <a:off x="4826000" y="1808480"/>
+            <a:ext cx="7315200" cy="4489705"/>
+          </a:xfrm>
+          <a:prstGeom prst="rect">
+            <a:avLst/>
+          </a:prstGeom>
+          <a:noFill/>
+          <a:extLst>
+            <a:ext uri="{909E8E84-426E-40DD-AFC4-6F175D3DCCD1}">
+              <a14:hiddenFill xmlns:a14="http://schemas.microsoft.com/office/drawing/2010/main">
+                <a:solidFill>
+                  <a:srgbClr val="FFFFFF"/>
+                </a:solidFill>
+              </a14:hiddenFill>
+            </a:ext>
+          </a:extLst>
+        </p:spPr>
+      </p:pic>
+      <p:pic>
+        <p:nvPicPr>
+          <p:cNvPr id="5" name="Рисунок 4"/>
+          <p:cNvPicPr>
+            <a:picLocks noChangeAspect="1"/>
+          </p:cNvPicPr>
+          <p:nvPr/>
+        </p:nvPicPr>
+        <p:blipFill>
+          <a:blip r:embed="rId4"/>
+          <a:stretch>
+            <a:fillRect/>
+          </a:stretch>
+        </p:blipFill>
+        <p:spPr>
+          <a:xfrm>
+            <a:off x="378460" y="1853247"/>
+            <a:ext cx="4648200" cy="4086225"/>
+          </a:xfrm>
+          <a:prstGeom prst="rect">
+            <a:avLst/>
+          </a:prstGeom>
+        </p:spPr>
+      </p:pic>
+    </p:spTree>
+    <p:extLst>
+      <p:ext uri="{BB962C8B-B14F-4D97-AF65-F5344CB8AC3E}">
+        <p14:creationId xmlns:p14="http://schemas.microsoft.com/office/powerpoint/2010/main" val="3119239369"/>
+      </p:ext>
+    </p:extLst>
+  </p:cSld>
+  <p:clrMapOvr>
+    <a:masterClrMapping/>
+  </p:clrMapOvr>
+  <p:timing>
+    <p:tnLst>
+      <p:par>
+        <p:cTn id="1" dur="indefinite" restart="never" nodeType="tmRoot"/>
+      </p:par>
+    </p:tnLst>
+  </p:timing>
+</p:sld>
+</file>
+
+<file path=ppt/slides/slide24.xml><?xml version="1.0" encoding="utf-8"?>
+<p:sld xmlns:a="http://schemas.openxmlformats.org/drawingml/2006/main" xmlns:r="http://schemas.openxmlformats.org/officeDocument/2006/relationships" xmlns:p="http://schemas.openxmlformats.org/presentationml/2006/main">
+  <p:cSld>
+    <p:spTree>
+      <p:nvGrpSpPr>
+        <p:cNvPr id="1" name=""/>
+        <p:cNvGrpSpPr/>
+        <p:nvPr/>
+      </p:nvGrpSpPr>
+      <p:grpSpPr>
+        <a:xfrm>
+          <a:off x="0" y="0"/>
+          <a:ext cx="0" cy="0"/>
+          <a:chOff x="0" y="0"/>
+          <a:chExt cx="0" cy="0"/>
+        </a:xfrm>
+      </p:grpSpPr>
+      <p:sp>
+        <p:nvSpPr>
+          <p:cNvPr id="2" name="Заголовок 1"/>
+          <p:cNvSpPr>
+            <a:spLocks noGrp="1"/>
+          </p:cNvSpPr>
+          <p:nvPr>
+            <p:ph type="title"/>
+          </p:nvPr>
+        </p:nvSpPr>
+        <p:spPr/>
+        <p:txBody>
+          <a:bodyPr/>
+          <a:lstStyle/>
+          <a:p>
+            <a:r>
+              <a:rPr lang="en-US" dirty="0" smtClean="0"/>
+              <a:t>Deadlock </a:t>
+            </a:r>
+            <a:r>
+              <a:rPr lang="ru-RU" dirty="0" smtClean="0"/>
+              <a:t>в асинхронном коде</a:t>
+            </a:r>
+            <a:endParaRPr lang="ru-RU" dirty="0"/>
+          </a:p>
+        </p:txBody>
+      </p:sp>
+      <p:pic>
+        <p:nvPicPr>
+          <p:cNvPr id="6" name="Рисунок 5"/>
+          <p:cNvPicPr>
+            <a:picLocks noChangeAspect="1"/>
+          </p:cNvPicPr>
+          <p:nvPr/>
+        </p:nvPicPr>
+        <p:blipFill>
+          <a:blip r:embed="rId2"/>
+          <a:stretch>
+            <a:fillRect/>
+          </a:stretch>
+        </p:blipFill>
+        <p:spPr>
+          <a:xfrm>
+            <a:off x="1097280" y="1824672"/>
+            <a:ext cx="7505700" cy="4143375"/>
+          </a:xfrm>
+          <a:prstGeom prst="rect">
+            <a:avLst/>
+          </a:prstGeom>
+        </p:spPr>
+      </p:pic>
+      <p:sp>
+        <p:nvSpPr>
+          <p:cNvPr id="7" name="Объект 2"/>
+          <p:cNvSpPr>
+            <a:spLocks noGrp="1"/>
+          </p:cNvSpPr>
+          <p:nvPr>
+            <p:ph idx="1"/>
+          </p:nvPr>
+        </p:nvSpPr>
+        <p:spPr>
+          <a:xfrm>
+            <a:off x="7284720" y="2895600"/>
+            <a:ext cx="4724400" cy="2973494"/>
+          </a:xfrm>
+        </p:spPr>
+        <p:txBody>
+          <a:bodyPr>
+            <a:normAutofit/>
+          </a:bodyPr>
+          <a:lstStyle/>
+          <a:p>
+            <a:pPr>
+              <a:buFont typeface="Courier New" panose="02070309020205020404" pitchFamily="49" charset="0"/>
+              <a:buChar char="o"/>
+            </a:pPr>
+            <a:r>
+              <a:rPr lang="en-US" sz="3600" dirty="0" smtClean="0"/>
+              <a:t> </a:t>
+            </a:r>
+            <a:r>
+              <a:rPr lang="en-US" sz="3600" dirty="0" err="1" smtClean="0"/>
+              <a:t>async</a:t>
+            </a:r>
+            <a:r>
+              <a:rPr lang="en-US" sz="3600" dirty="0" smtClean="0"/>
+              <a:t> </a:t>
+            </a:r>
+            <a:r>
+              <a:rPr lang="en-US" sz="3600" dirty="0" err="1" smtClean="0"/>
+              <a:t>ActionResult</a:t>
+            </a:r>
+            <a:endParaRPr lang="en-US" sz="3600" dirty="0" smtClean="0"/>
+          </a:p>
+          <a:p>
+            <a:pPr>
+              <a:buFont typeface="Courier New" panose="02070309020205020404" pitchFamily="49" charset="0"/>
+              <a:buChar char="o"/>
+            </a:pPr>
+            <a:r>
+              <a:rPr lang="en-US" sz="3600" dirty="0"/>
+              <a:t> </a:t>
+            </a:r>
+            <a:r>
+              <a:rPr lang="en-US" sz="3600" dirty="0" err="1" smtClean="0"/>
+              <a:t>ConfigureAwait</a:t>
+            </a:r>
+            <a:r>
+              <a:rPr lang="en-US" sz="3600" dirty="0" smtClean="0"/>
+              <a:t>(false)</a:t>
+            </a:r>
+            <a:endParaRPr lang="ru-RU" sz="3600" dirty="0"/>
+          </a:p>
+        </p:txBody>
+      </p:sp>
+    </p:spTree>
+    <p:extLst>
+      <p:ext uri="{BB962C8B-B14F-4D97-AF65-F5344CB8AC3E}">
+        <p14:creationId xmlns:p14="http://schemas.microsoft.com/office/powerpoint/2010/main" val="662995486"/>
+      </p:ext>
+    </p:extLst>
+  </p:cSld>
+  <p:clrMapOvr>
+    <a:masterClrMapping/>
+  </p:clrMapOvr>
+  <p:timing>
+    <p:tnLst>
+      <p:par>
+        <p:cTn id="1" dur="indefinite" restart="never" nodeType="tmRoot"/>
+      </p:par>
+    </p:tnLst>
+  </p:timing>
+</p:sld>
+</file>
+
+<file path=ppt/slides/slide25.xml><?xml version="1.0" encoding="utf-8"?>
+<p:sld xmlns:a="http://schemas.openxmlformats.org/drawingml/2006/main" xmlns:r="http://schemas.openxmlformats.org/officeDocument/2006/relationships" xmlns:p="http://schemas.openxmlformats.org/presentationml/2006/main">
+  <p:cSld>
+    <p:spTree>
+      <p:nvGrpSpPr>
+        <p:cNvPr id="1" name=""/>
+        <p:cNvGrpSpPr/>
+        <p:nvPr/>
+      </p:nvGrpSpPr>
+      <p:grpSpPr>
+        <a:xfrm>
+          <a:off x="0" y="0"/>
+          <a:ext cx="0" cy="0"/>
+          <a:chOff x="0" y="0"/>
+          <a:chExt cx="0" cy="0"/>
+        </a:xfrm>
+      </p:grpSpPr>
+      <p:sp>
+        <p:nvSpPr>
+          <p:cNvPr id="2" name="Заголовок 1"/>
+          <p:cNvSpPr>
+            <a:spLocks noGrp="1"/>
+          </p:cNvSpPr>
+          <p:nvPr>
+            <p:ph type="title"/>
+          </p:nvPr>
+        </p:nvSpPr>
+        <p:spPr/>
+        <p:txBody>
+          <a:bodyPr/>
+          <a:lstStyle/>
+          <a:p>
+            <a:r>
+              <a:rPr lang="en-US" dirty="0" smtClean="0"/>
+              <a:t>Deadlock </a:t>
+            </a:r>
+            <a:r>
+              <a:rPr lang="ru-RU" dirty="0" smtClean="0"/>
+              <a:t>в асинхронном коде</a:t>
+            </a:r>
+            <a:endParaRPr lang="ru-RU" dirty="0"/>
+          </a:p>
+        </p:txBody>
+      </p:sp>
+      <p:sp>
+        <p:nvSpPr>
+          <p:cNvPr id="3" name="Объект 2"/>
+          <p:cNvSpPr>
+            <a:spLocks noGrp="1"/>
+          </p:cNvSpPr>
+          <p:nvPr>
+            <p:ph idx="1"/>
+          </p:nvPr>
+        </p:nvSpPr>
+        <p:spPr/>
+        <p:txBody>
+          <a:bodyPr/>
+          <a:lstStyle/>
+          <a:p>
+            <a:pPr lvl="0">
+              <a:buClr>
+                <a:srgbClr val="000000"/>
+              </a:buClr>
+              <a:buFont typeface="Courier New" panose="02070309020205020404" pitchFamily="49" charset="0"/>
+              <a:buChar char="o"/>
+            </a:pPr>
+            <a:r>
+              <a:rPr lang="ru-RU" sz="3600" dirty="0">
+                <a:solidFill>
+                  <a:srgbClr val="000000">
+                    <a:lumMod val="75000"/>
+                    <a:lumOff val="25000"/>
+                  </a:srgbClr>
+                </a:solidFill>
+              </a:rPr>
+              <a:t> Помните про контекст синхронизации</a:t>
+            </a:r>
+          </a:p>
+          <a:p>
+            <a:pPr lvl="0">
+              <a:buClr>
+                <a:srgbClr val="000000"/>
+              </a:buClr>
+              <a:buFont typeface="Courier New" panose="02070309020205020404" pitchFamily="49" charset="0"/>
+              <a:buChar char="o"/>
+            </a:pPr>
+            <a:r>
+              <a:rPr lang="ru-RU" sz="3600" dirty="0">
+                <a:solidFill>
+                  <a:srgbClr val="000000">
+                    <a:lumMod val="75000"/>
+                    <a:lumOff val="25000"/>
+                  </a:srgbClr>
+                </a:solidFill>
+              </a:rPr>
+              <a:t> Не выполняйте блокирующих ожиданий асинхронного кода</a:t>
+            </a:r>
+          </a:p>
+          <a:p>
+            <a:pPr lvl="0">
+              <a:buClr>
+                <a:srgbClr val="000000"/>
+              </a:buClr>
+              <a:buFont typeface="Courier New" panose="02070309020205020404" pitchFamily="49" charset="0"/>
+              <a:buChar char="o"/>
+            </a:pPr>
+            <a:r>
+              <a:rPr lang="ru-RU" sz="3600" dirty="0">
+                <a:solidFill>
+                  <a:srgbClr val="000000">
+                    <a:lumMod val="75000"/>
+                    <a:lumOff val="25000"/>
+                  </a:srgbClr>
+                </a:solidFill>
+              </a:rPr>
+              <a:t> Используйте </a:t>
+            </a:r>
+            <a:r>
+              <a:rPr lang="en-US" sz="3600" dirty="0" err="1">
+                <a:solidFill>
+                  <a:srgbClr val="000000">
+                    <a:lumMod val="75000"/>
+                    <a:lumOff val="25000"/>
+                  </a:srgbClr>
+                </a:solidFill>
+              </a:rPr>
+              <a:t>async</a:t>
+            </a:r>
+            <a:r>
+              <a:rPr lang="ru-RU" sz="3600" dirty="0">
+                <a:solidFill>
+                  <a:srgbClr val="000000">
+                    <a:lumMod val="75000"/>
+                    <a:lumOff val="25000"/>
+                  </a:srgbClr>
+                </a:solidFill>
+              </a:rPr>
+              <a:t>/</a:t>
+            </a:r>
+            <a:r>
+              <a:rPr lang="en-US" sz="3600" dirty="0">
+                <a:solidFill>
+                  <a:srgbClr val="000000">
+                    <a:lumMod val="75000"/>
+                    <a:lumOff val="25000"/>
+                  </a:srgbClr>
+                </a:solidFill>
+              </a:rPr>
+              <a:t>await</a:t>
+            </a:r>
+            <a:r>
+              <a:rPr lang="ru-RU" sz="3600" dirty="0">
+                <a:solidFill>
+                  <a:srgbClr val="000000">
+                    <a:lumMod val="75000"/>
+                    <a:lumOff val="25000"/>
+                  </a:srgbClr>
+                </a:solidFill>
+              </a:rPr>
+              <a:t> во всей цепочке вызовов</a:t>
+            </a:r>
+          </a:p>
+          <a:p>
+            <a:endParaRPr lang="ru-RU" dirty="0"/>
+          </a:p>
+        </p:txBody>
+      </p:sp>
+    </p:spTree>
+    <p:extLst>
+      <p:ext uri="{BB962C8B-B14F-4D97-AF65-F5344CB8AC3E}">
+        <p14:creationId xmlns:p14="http://schemas.microsoft.com/office/powerpoint/2010/main" val="1651839151"/>
+      </p:ext>
+    </p:extLst>
+  </p:cSld>
+  <p:clrMapOvr>
+    <a:masterClrMapping/>
+  </p:clrMapOvr>
+  <p:timing>
+    <p:tnLst>
+      <p:par>
+        <p:cTn id="1" dur="indefinite" restart="never" nodeType="tmRoot"/>
+      </p:par>
+    </p:tnLst>
+  </p:timing>
+</p:sld>
+</file>
+
+<file path=ppt/slides/slide26.xml><?xml version="1.0" encoding="utf-8"?>
+<p:sld xmlns:a="http://schemas.openxmlformats.org/drawingml/2006/main" xmlns:r="http://schemas.openxmlformats.org/officeDocument/2006/relationships" xmlns:p="http://schemas.openxmlformats.org/presentationml/2006/main">
+  <p:cSld>
+    <p:spTree>
+      <p:nvGrpSpPr>
+        <p:cNvPr id="1" name=""/>
+        <p:cNvGrpSpPr/>
+        <p:nvPr/>
+      </p:nvGrpSpPr>
+      <p:grpSpPr>
+        <a:xfrm>
+          <a:off x="0" y="0"/>
+          <a:ext cx="0" cy="0"/>
+          <a:chOff x="0" y="0"/>
+          <a:chExt cx="0" cy="0"/>
+        </a:xfrm>
+      </p:grpSpPr>
+      <p:sp>
+        <p:nvSpPr>
+          <p:cNvPr id="2" name="Заголовок 1"/>
+          <p:cNvSpPr>
+            <a:spLocks noGrp="1"/>
+          </p:cNvSpPr>
+          <p:nvPr>
+            <p:ph type="title"/>
+          </p:nvPr>
+        </p:nvSpPr>
+        <p:spPr/>
+        <p:txBody>
+          <a:bodyPr/>
+          <a:lstStyle/>
+          <a:p>
+            <a:r>
+              <a:rPr lang="ru-RU" dirty="0" smtClean="0"/>
+              <a:t>Состояние гонки</a:t>
+            </a:r>
+            <a:endParaRPr lang="ru-RU" dirty="0"/>
+          </a:p>
+        </p:txBody>
+      </p:sp>
+      <p:pic>
+        <p:nvPicPr>
+          <p:cNvPr id="6146" name="Picture 2" descr="ÐÐ°ÑÑÐ¸Ð½ÐºÐ¸ Ð¿Ð¾ Ð·Ð°Ð¿ÑÐ¾ÑÑ race condition"/>
+          <p:cNvPicPr>
+            <a:picLocks noChangeAspect="1" noChangeArrowheads="1"/>
+          </p:cNvPicPr>
+          <p:nvPr/>
+        </p:nvPicPr>
+        <p:blipFill rotWithShape="1">
+          <a:blip r:embed="rId2">
+            <a:extLst>
+              <a:ext uri="{28A0092B-C50C-407E-A947-70E740481C1C}">
+                <a14:useLocalDpi xmlns:a14="http://schemas.microsoft.com/office/drawing/2010/main" val="0"/>
+              </a:ext>
+            </a:extLst>
+          </a:blip>
+          <a:srcRect t="2914" b="4036"/>
+          <a:stretch/>
+        </p:blipFill>
+        <p:spPr bwMode="auto">
+          <a:xfrm>
+            <a:off x="1834673" y="1859280"/>
+            <a:ext cx="8583613" cy="4438766"/>
+          </a:xfrm>
+          <a:prstGeom prst="rect">
+            <a:avLst/>
+          </a:prstGeom>
+          <a:noFill/>
+          <a:extLst>
+            <a:ext uri="{909E8E84-426E-40DD-AFC4-6F175D3DCCD1}">
+              <a14:hiddenFill xmlns:a14="http://schemas.microsoft.com/office/drawing/2010/main">
+                <a:solidFill>
+                  <a:srgbClr val="FFFFFF"/>
+                </a:solidFill>
+              </a14:hiddenFill>
+            </a:ext>
+          </a:extLst>
+        </p:spPr>
+      </p:pic>
+    </p:spTree>
+    <p:extLst>
+      <p:ext uri="{BB962C8B-B14F-4D97-AF65-F5344CB8AC3E}">
+        <p14:creationId xmlns:p14="http://schemas.microsoft.com/office/powerpoint/2010/main" val="3985672154"/>
+      </p:ext>
+    </p:extLst>
+  </p:cSld>
+  <p:clrMapOvr>
+    <a:masterClrMapping/>
+  </p:clrMapOvr>
+  <p:timing>
+    <p:tnLst>
+      <p:par>
+        <p:cTn id="1" dur="indefinite" restart="never" nodeType="tmRoot"/>
+      </p:par>
+    </p:tnLst>
+  </p:timing>
+</p:sld>
+</file>
+
+<file path=ppt/slides/slide27.xml><?xml version="1.0" encoding="utf-8"?>
+<p:sld xmlns:a="http://schemas.openxmlformats.org/drawingml/2006/main" xmlns:r="http://schemas.openxmlformats.org/officeDocument/2006/relationships" xmlns:p="http://schemas.openxmlformats.org/presentationml/2006/main">
+  <p:cSld>
+    <p:spTree>
+      <p:nvGrpSpPr>
+        <p:cNvPr id="1" name=""/>
+        <p:cNvGrpSpPr/>
+        <p:nvPr/>
+      </p:nvGrpSpPr>
+      <p:grpSpPr>
+        <a:xfrm>
+          <a:off x="0" y="0"/>
+          <a:ext cx="0" cy="0"/>
+          <a:chOff x="0" y="0"/>
+          <a:chExt cx="0" cy="0"/>
+        </a:xfrm>
+      </p:grpSpPr>
+      <p:sp>
+        <p:nvSpPr>
+          <p:cNvPr id="2" name="Заголовок 1"/>
+          <p:cNvSpPr>
+            <a:spLocks noGrp="1"/>
+          </p:cNvSpPr>
+          <p:nvPr>
+            <p:ph type="title"/>
+          </p:nvPr>
+        </p:nvSpPr>
+        <p:spPr/>
+        <p:txBody>
+          <a:bodyPr/>
+          <a:lstStyle/>
+          <a:p>
+            <a:r>
+              <a:rPr lang="ru-RU" dirty="0" smtClean="0"/>
+              <a:t>Примитивы синхронизации</a:t>
+            </a:r>
+            <a:endParaRPr lang="ru-RU" dirty="0"/>
+          </a:p>
+        </p:txBody>
+      </p:sp>
+      <p:sp>
+        <p:nvSpPr>
+          <p:cNvPr id="3" name="Объект 2"/>
+          <p:cNvSpPr>
+            <a:spLocks noGrp="1"/>
+          </p:cNvSpPr>
+          <p:nvPr>
+            <p:ph idx="1"/>
+          </p:nvPr>
+        </p:nvSpPr>
+        <p:spPr>
+          <a:xfrm>
+            <a:off x="7620000" y="2291081"/>
+            <a:ext cx="3535680" cy="3132666"/>
+          </a:xfrm>
+        </p:spPr>
+        <p:txBody>
+          <a:bodyPr>
+            <a:normAutofit/>
+          </a:bodyPr>
+          <a:lstStyle/>
+          <a:p>
+            <a:pPr>
+              <a:buFont typeface="Courier New" panose="02070309020205020404" pitchFamily="49" charset="0"/>
+              <a:buChar char="o"/>
+            </a:pPr>
+            <a:r>
+              <a:rPr lang="ru-RU" sz="3600" dirty="0" smtClean="0"/>
+              <a:t> Блокирующие секции</a:t>
+            </a:r>
+          </a:p>
+          <a:p>
+            <a:pPr>
+              <a:buFont typeface="Courier New" panose="02070309020205020404" pitchFamily="49" charset="0"/>
+              <a:buChar char="o"/>
+            </a:pPr>
+            <a:r>
+              <a:rPr lang="ru-RU" sz="3600" dirty="0"/>
+              <a:t> </a:t>
+            </a:r>
+            <a:r>
+              <a:rPr lang="ru-RU" sz="3600" dirty="0" smtClean="0"/>
+              <a:t>Семафоры</a:t>
+            </a:r>
+          </a:p>
+          <a:p>
+            <a:pPr>
+              <a:buFont typeface="Courier New" panose="02070309020205020404" pitchFamily="49" charset="0"/>
+              <a:buChar char="o"/>
+            </a:pPr>
+            <a:r>
+              <a:rPr lang="ru-RU" sz="3600" dirty="0"/>
+              <a:t> </a:t>
+            </a:r>
+            <a:r>
+              <a:rPr lang="ru-RU" sz="3600" dirty="0" err="1" smtClean="0"/>
+              <a:t>Мьютексы</a:t>
+            </a:r>
+            <a:endParaRPr lang="ru-RU" sz="3600" dirty="0" smtClean="0"/>
+          </a:p>
+          <a:p>
+            <a:pPr>
+              <a:buFont typeface="Courier New" panose="02070309020205020404" pitchFamily="49" charset="0"/>
+              <a:buChar char="o"/>
+            </a:pPr>
+            <a:r>
+              <a:rPr lang="ru-RU" sz="3600" dirty="0"/>
+              <a:t> </a:t>
+            </a:r>
+            <a:r>
+              <a:rPr lang="en-US" sz="3600" dirty="0" smtClean="0"/>
+              <a:t>Interlocked</a:t>
+            </a:r>
+            <a:endParaRPr lang="ru-RU" sz="3600" dirty="0"/>
+          </a:p>
+        </p:txBody>
+      </p:sp>
+      <p:pic>
+        <p:nvPicPr>
+          <p:cNvPr id="4" name="Рисунок 3"/>
+          <p:cNvPicPr>
+            <a:picLocks noChangeAspect="1"/>
+          </p:cNvPicPr>
+          <p:nvPr/>
+        </p:nvPicPr>
+        <p:blipFill>
+          <a:blip r:embed="rId2"/>
+          <a:stretch>
+            <a:fillRect/>
+          </a:stretch>
+        </p:blipFill>
+        <p:spPr>
+          <a:xfrm>
+            <a:off x="434975" y="2019089"/>
+            <a:ext cx="6953250" cy="3676650"/>
+          </a:xfrm>
+          <a:prstGeom prst="rect">
+            <a:avLst/>
+          </a:prstGeom>
+        </p:spPr>
+      </p:pic>
+    </p:spTree>
+    <p:extLst>
+      <p:ext uri="{BB962C8B-B14F-4D97-AF65-F5344CB8AC3E}">
+        <p14:creationId xmlns:p14="http://schemas.microsoft.com/office/powerpoint/2010/main" val="3285976805"/>
+      </p:ext>
+    </p:extLst>
+  </p:cSld>
+  <p:clrMapOvr>
+    <a:masterClrMapping/>
+  </p:clrMapOvr>
+  <p:timing>
+    <p:tnLst>
+      <p:par>
+        <p:cTn id="1" dur="indefinite" restart="never" nodeType="tmRoot"/>
+      </p:par>
+    </p:tnLst>
+  </p:timing>
+</p:sld>
+</file>
+
+<file path=ppt/slides/slide28.xml><?xml version="1.0" encoding="utf-8"?>
+<p:sld xmlns:a="http://schemas.openxmlformats.org/drawingml/2006/main" xmlns:r="http://schemas.openxmlformats.org/officeDocument/2006/relationships" xmlns:p="http://schemas.openxmlformats.org/presentationml/2006/main">
+  <p:cSld>
+    <p:spTree>
+      <p:nvGrpSpPr>
+        <p:cNvPr id="1" name=""/>
+        <p:cNvGrpSpPr/>
+        <p:nvPr/>
+      </p:nvGrpSpPr>
+      <p:grpSpPr>
+        <a:xfrm>
+          <a:off x="0" y="0"/>
+          <a:ext cx="0" cy="0"/>
+          <a:chOff x="0" y="0"/>
+          <a:chExt cx="0" cy="0"/>
+        </a:xfrm>
+      </p:grpSpPr>
+      <p:sp>
+        <p:nvSpPr>
+          <p:cNvPr id="2" name="Заголовок 1"/>
+          <p:cNvSpPr>
+            <a:spLocks noGrp="1"/>
+          </p:cNvSpPr>
+          <p:nvPr>
+            <p:ph type="title"/>
+          </p:nvPr>
+        </p:nvSpPr>
+        <p:spPr/>
+        <p:txBody>
+          <a:bodyPr/>
+          <a:lstStyle/>
+          <a:p>
+            <a:r>
+              <a:rPr lang="en-US" dirty="0" err="1" smtClean="0"/>
+              <a:t>System.Collections.Concurrent</a:t>
+            </a:r>
+            <a:endParaRPr lang="ru-RU" dirty="0"/>
+          </a:p>
+        </p:txBody>
+      </p:sp>
+      <p:sp>
+        <p:nvSpPr>
+          <p:cNvPr id="3" name="Объект 2"/>
+          <p:cNvSpPr>
+            <a:spLocks noGrp="1"/>
+          </p:cNvSpPr>
+          <p:nvPr>
+            <p:ph idx="1"/>
+          </p:nvPr>
+        </p:nvSpPr>
+        <p:spPr/>
+        <p:txBody>
+          <a:bodyPr/>
+          <a:lstStyle/>
+          <a:p>
+            <a:endParaRPr lang="ru-RU" dirty="0"/>
+          </a:p>
+        </p:txBody>
+      </p:sp>
+    </p:spTree>
+    <p:extLst>
+      <p:ext uri="{BB962C8B-B14F-4D97-AF65-F5344CB8AC3E}">
+        <p14:creationId xmlns:p14="http://schemas.microsoft.com/office/powerpoint/2010/main" val="1604528609"/>
+      </p:ext>
+    </p:extLst>
+  </p:cSld>
+  <p:clrMapOvr>
+    <a:masterClrMapping/>
+  </p:clrMapOvr>
+  <p:timing>
+    <p:tnLst>
+      <p:par>
+        <p:cTn id="1" dur="indefinite" restart="never" nodeType="tmRoot"/>
+      </p:par>
+    </p:tnLst>
+  </p:timing>
+</p:sld>
+</file>
+
+<file path=ppt/slides/slide29.xml><?xml version="1.0" encoding="utf-8"?>
+<p:sld xmlns:a="http://schemas.openxmlformats.org/drawingml/2006/main" xmlns:r="http://schemas.openxmlformats.org/officeDocument/2006/relationships" xmlns:p="http://schemas.openxmlformats.org/presentationml/2006/main">
+  <p:cSld>
+    <p:spTree>
+      <p:nvGrpSpPr>
+        <p:cNvPr id="1" name=""/>
+        <p:cNvGrpSpPr/>
+        <p:nvPr/>
+      </p:nvGrpSpPr>
+      <p:grpSpPr>
+        <a:xfrm>
+          <a:off x="0" y="0"/>
+          <a:ext cx="0" cy="0"/>
+          <a:chOff x="0" y="0"/>
+          <a:chExt cx="0" cy="0"/>
+        </a:xfrm>
+      </p:grpSpPr>
+      <p:sp>
+        <p:nvSpPr>
+          <p:cNvPr id="2" name="Заголовок 1"/>
+          <p:cNvSpPr>
+            <a:spLocks noGrp="1"/>
+          </p:cNvSpPr>
+          <p:nvPr>
+            <p:ph type="title"/>
+          </p:nvPr>
+        </p:nvSpPr>
+        <p:spPr/>
+        <p:txBody>
+          <a:bodyPr/>
+          <a:lstStyle/>
+          <a:p>
+            <a:r>
+              <a:rPr lang="ru-RU" dirty="0" smtClean="0"/>
+              <a:t>Состояние гонки</a:t>
+            </a:r>
+            <a:endParaRPr lang="ru-RU" dirty="0"/>
+          </a:p>
+        </p:txBody>
+      </p:sp>
+      <p:sp>
+        <p:nvSpPr>
+          <p:cNvPr id="3" name="Объект 2"/>
+          <p:cNvSpPr>
+            <a:spLocks noGrp="1"/>
+          </p:cNvSpPr>
+          <p:nvPr>
+            <p:ph idx="1"/>
+          </p:nvPr>
+        </p:nvSpPr>
+        <p:spPr/>
+        <p:txBody>
+          <a:bodyPr>
+            <a:normAutofit fontScale="92500" lnSpcReduction="10000"/>
+          </a:bodyPr>
+          <a:lstStyle/>
+          <a:p>
+            <a:pPr>
+              <a:buFont typeface="Courier New" panose="02070309020205020404" pitchFamily="49" charset="0"/>
+              <a:buChar char="o"/>
+            </a:pPr>
+            <a:r>
+              <a:rPr lang="ru-RU" sz="3200" dirty="0" smtClean="0"/>
+              <a:t> Не работайте с </a:t>
+            </a:r>
+            <a:r>
+              <a:rPr lang="ru-RU" sz="3200" dirty="0" err="1" smtClean="0"/>
+              <a:t>потоконебезопасными</a:t>
+            </a:r>
+            <a:r>
+              <a:rPr lang="ru-RU" sz="3200" dirty="0" smtClean="0"/>
+              <a:t> структурами данных из нескольких потоков</a:t>
+            </a:r>
+          </a:p>
+          <a:p>
+            <a:pPr lvl="1">
+              <a:buFont typeface="Courier New" panose="02070309020205020404" pitchFamily="49" charset="0"/>
+              <a:buChar char="o"/>
+            </a:pPr>
+            <a:r>
+              <a:rPr lang="en-US" sz="3000" dirty="0"/>
+              <a:t> </a:t>
+            </a:r>
+            <a:r>
+              <a:rPr lang="en-US" sz="3000" dirty="0" smtClean="0"/>
+              <a:t>lock(object) {}</a:t>
+            </a:r>
+          </a:p>
+          <a:p>
+            <a:pPr lvl="1">
+              <a:buFont typeface="Courier New" panose="02070309020205020404" pitchFamily="49" charset="0"/>
+              <a:buChar char="o"/>
+            </a:pPr>
+            <a:r>
+              <a:rPr lang="en-US" sz="3000" dirty="0"/>
+              <a:t> </a:t>
+            </a:r>
+            <a:r>
+              <a:rPr lang="en-US" sz="3000" dirty="0" smtClean="0"/>
+              <a:t>Interlocked</a:t>
+            </a:r>
+            <a:endParaRPr lang="ru-RU" sz="3000" dirty="0" smtClean="0"/>
+          </a:p>
+          <a:p>
+            <a:pPr>
+              <a:buFont typeface="Courier New" panose="02070309020205020404" pitchFamily="49" charset="0"/>
+              <a:buChar char="o"/>
+            </a:pPr>
+            <a:r>
+              <a:rPr lang="ru-RU" sz="3200" dirty="0" smtClean="0"/>
+              <a:t> Пользуйтесь специальными коллекциями из </a:t>
+            </a:r>
+            <a:r>
+              <a:rPr lang="en-US" sz="3200" dirty="0" err="1" smtClean="0"/>
+              <a:t>System.Collections.Concurrent</a:t>
+            </a:r>
+            <a:endParaRPr lang="en-US" sz="3200" dirty="0" smtClean="0"/>
+          </a:p>
+          <a:p>
+            <a:pPr lvl="1">
+              <a:buFont typeface="Courier New" panose="02070309020205020404" pitchFamily="49" charset="0"/>
+              <a:buChar char="o"/>
+            </a:pPr>
+            <a:r>
+              <a:rPr lang="en-US" sz="3000" dirty="0" smtClean="0"/>
+              <a:t> </a:t>
+            </a:r>
+            <a:r>
+              <a:rPr lang="en-US" sz="3000" dirty="0" err="1" smtClean="0"/>
+              <a:t>ConcurrentDictionary</a:t>
+            </a:r>
+            <a:endParaRPr lang="ru-RU" sz="3000" dirty="0" smtClean="0"/>
+          </a:p>
+          <a:p>
+            <a:pPr>
+              <a:buFont typeface="Courier New" panose="02070309020205020404" pitchFamily="49" charset="0"/>
+              <a:buChar char="o"/>
+            </a:pPr>
+            <a:r>
+              <a:rPr lang="ru-RU" sz="3200" dirty="0"/>
+              <a:t> </a:t>
+            </a:r>
+            <a:r>
+              <a:rPr lang="ru-RU" sz="3200" dirty="0" smtClean="0"/>
+              <a:t>Выполняйте операции с коллекциями за один вызов метода</a:t>
+            </a:r>
+          </a:p>
+        </p:txBody>
+      </p:sp>
+    </p:spTree>
+    <p:extLst>
+      <p:ext uri="{BB962C8B-B14F-4D97-AF65-F5344CB8AC3E}">
+        <p14:creationId xmlns:p14="http://schemas.microsoft.com/office/powerpoint/2010/main" val="1147705217"/>
       </p:ext>
     </p:extLst>
   </p:cSld>
@@ -42628,6 +42269,868 @@
     <p:extLst>
       <p:ext uri="{BB962C8B-B14F-4D97-AF65-F5344CB8AC3E}">
         <p14:creationId xmlns:p14="http://schemas.microsoft.com/office/powerpoint/2010/main" val="1715726264"/>
+      </p:ext>
+    </p:extLst>
+  </p:cSld>
+  <p:clrMapOvr>
+    <a:masterClrMapping/>
+  </p:clrMapOvr>
+  <p:timing>
+    <p:tnLst>
+      <p:par>
+        <p:cTn id="1" dur="indefinite" restart="never" nodeType="tmRoot"/>
+      </p:par>
+    </p:tnLst>
+  </p:timing>
+</p:sld>
+</file>
+
+<file path=ppt/slides/slide30.xml><?xml version="1.0" encoding="utf-8"?>
+<p:sld xmlns:a="http://schemas.openxmlformats.org/drawingml/2006/main" xmlns:r="http://schemas.openxmlformats.org/officeDocument/2006/relationships" xmlns:p="http://schemas.openxmlformats.org/presentationml/2006/main">
+  <p:cSld>
+    <p:spTree>
+      <p:nvGrpSpPr>
+        <p:cNvPr id="1" name=""/>
+        <p:cNvGrpSpPr/>
+        <p:nvPr/>
+      </p:nvGrpSpPr>
+      <p:grpSpPr>
+        <a:xfrm>
+          <a:off x="0" y="0"/>
+          <a:ext cx="0" cy="0"/>
+          <a:chOff x="0" y="0"/>
+          <a:chExt cx="0" cy="0"/>
+        </a:xfrm>
+      </p:grpSpPr>
+      <p:sp>
+        <p:nvSpPr>
+          <p:cNvPr id="2" name="Заголовок 1"/>
+          <p:cNvSpPr>
+            <a:spLocks noGrp="1"/>
+          </p:cNvSpPr>
+          <p:nvPr>
+            <p:ph type="title"/>
+          </p:nvPr>
+        </p:nvSpPr>
+        <p:spPr/>
+        <p:txBody>
+          <a:bodyPr/>
+          <a:lstStyle/>
+          <a:p>
+            <a:r>
+              <a:rPr lang="ru-RU" dirty="0" smtClean="0"/>
+              <a:t>Обработка ошибок</a:t>
+            </a:r>
+            <a:endParaRPr lang="ru-RU" dirty="0"/>
+          </a:p>
+        </p:txBody>
+      </p:sp>
+      <p:sp>
+        <p:nvSpPr>
+          <p:cNvPr id="3" name="Объект 2"/>
+          <p:cNvSpPr>
+            <a:spLocks noGrp="1"/>
+          </p:cNvSpPr>
+          <p:nvPr>
+            <p:ph idx="1"/>
+          </p:nvPr>
+        </p:nvSpPr>
+        <p:spPr/>
+        <p:txBody>
+          <a:bodyPr>
+            <a:normAutofit/>
+          </a:bodyPr>
+          <a:lstStyle/>
+          <a:p>
+            <a:pPr>
+              <a:buFont typeface="Courier New" panose="02070309020205020404" pitchFamily="49" charset="0"/>
+              <a:buChar char="o"/>
+            </a:pPr>
+            <a:r>
+              <a:rPr lang="ru-RU" sz="3600" dirty="0" smtClean="0"/>
+              <a:t> Обрабатывайте </a:t>
+            </a:r>
+            <a:r>
+              <a:rPr lang="en-US" sz="3600" dirty="0" err="1" smtClean="0"/>
+              <a:t>AggregateException</a:t>
+            </a:r>
+            <a:endParaRPr lang="en-US" sz="3600" dirty="0" smtClean="0"/>
+          </a:p>
+          <a:p>
+            <a:pPr>
+              <a:buFont typeface="Courier New" panose="02070309020205020404" pitchFamily="49" charset="0"/>
+              <a:buChar char="o"/>
+            </a:pPr>
+            <a:r>
+              <a:rPr lang="ru-RU" sz="3400" dirty="0"/>
+              <a:t> </a:t>
+            </a:r>
+            <a:r>
+              <a:rPr lang="ru-RU" sz="3400" dirty="0" smtClean="0"/>
+              <a:t>Для обработки реального исключения используйте методы объекта </a:t>
+            </a:r>
+            <a:r>
+              <a:rPr lang="en-US" sz="3400" dirty="0" err="1" smtClean="0"/>
+              <a:t>AggregateException</a:t>
+            </a:r>
+            <a:r>
+              <a:rPr lang="en-US" sz="3400" dirty="0" smtClean="0"/>
+              <a:t> Flatten</a:t>
+            </a:r>
+            <a:r>
+              <a:rPr lang="ru-RU" sz="3400" dirty="0" smtClean="0"/>
+              <a:t> и </a:t>
+            </a:r>
+            <a:r>
+              <a:rPr lang="en-US" sz="3400" dirty="0" smtClean="0"/>
+              <a:t>Handle</a:t>
+            </a:r>
+            <a:endParaRPr lang="ru-RU" sz="3400" dirty="0"/>
+          </a:p>
+        </p:txBody>
+      </p:sp>
+    </p:spTree>
+    <p:extLst>
+      <p:ext uri="{BB962C8B-B14F-4D97-AF65-F5344CB8AC3E}">
+        <p14:creationId xmlns:p14="http://schemas.microsoft.com/office/powerpoint/2010/main" val="2217972207"/>
+      </p:ext>
+    </p:extLst>
+  </p:cSld>
+  <p:clrMapOvr>
+    <a:masterClrMapping/>
+  </p:clrMapOvr>
+  <p:timing>
+    <p:tnLst>
+      <p:par>
+        <p:cTn id="1" dur="indefinite" restart="never" nodeType="tmRoot"/>
+      </p:par>
+    </p:tnLst>
+  </p:timing>
+</p:sld>
+</file>
+
+<file path=ppt/slides/slide31.xml><?xml version="1.0" encoding="utf-8"?>
+<p:sld xmlns:a="http://schemas.openxmlformats.org/drawingml/2006/main" xmlns:r="http://schemas.openxmlformats.org/officeDocument/2006/relationships" xmlns:p="http://schemas.openxmlformats.org/presentationml/2006/main">
+  <p:cSld>
+    <p:spTree>
+      <p:nvGrpSpPr>
+        <p:cNvPr id="1" name=""/>
+        <p:cNvGrpSpPr/>
+        <p:nvPr/>
+      </p:nvGrpSpPr>
+      <p:grpSpPr>
+        <a:xfrm>
+          <a:off x="0" y="0"/>
+          <a:ext cx="0" cy="0"/>
+          <a:chOff x="0" y="0"/>
+          <a:chExt cx="0" cy="0"/>
+        </a:xfrm>
+      </p:grpSpPr>
+      <p:sp>
+        <p:nvSpPr>
+          <p:cNvPr id="2" name="Заголовок 1"/>
+          <p:cNvSpPr>
+            <a:spLocks noGrp="1"/>
+          </p:cNvSpPr>
+          <p:nvPr>
+            <p:ph type="title"/>
+          </p:nvPr>
+        </p:nvSpPr>
+        <p:spPr/>
+        <p:txBody>
+          <a:bodyPr/>
+          <a:lstStyle/>
+          <a:p>
+            <a:r>
+              <a:rPr lang="ru-RU" dirty="0" smtClean="0"/>
+              <a:t>Запуск фоновых задач</a:t>
+            </a:r>
+            <a:endParaRPr lang="ru-RU" dirty="0"/>
+          </a:p>
+        </p:txBody>
+      </p:sp>
+      <p:sp>
+        <p:nvSpPr>
+          <p:cNvPr id="3" name="Объект 2"/>
+          <p:cNvSpPr>
+            <a:spLocks noGrp="1"/>
+          </p:cNvSpPr>
+          <p:nvPr>
+            <p:ph idx="1"/>
+          </p:nvPr>
+        </p:nvSpPr>
+        <p:spPr/>
+        <p:txBody>
+          <a:bodyPr>
+            <a:normAutofit/>
+          </a:bodyPr>
+          <a:lstStyle/>
+          <a:p>
+            <a:pPr>
+              <a:buFont typeface="Courier New" panose="02070309020205020404" pitchFamily="49" charset="0"/>
+              <a:buChar char="o"/>
+            </a:pPr>
+            <a:r>
+              <a:rPr lang="ru-RU" sz="3200" dirty="0" smtClean="0"/>
+              <a:t> </a:t>
+            </a:r>
+            <a:r>
+              <a:rPr lang="en-US" sz="3200" dirty="0" err="1" smtClean="0"/>
+              <a:t>Task.Run</a:t>
+            </a:r>
+            <a:r>
+              <a:rPr lang="en-US" sz="3200" dirty="0" smtClean="0"/>
+              <a:t>()</a:t>
+            </a:r>
+            <a:r>
+              <a:rPr lang="ru-RU" sz="3200" dirty="0" smtClean="0"/>
+              <a:t> или </a:t>
+            </a:r>
+            <a:r>
+              <a:rPr lang="en-US" sz="3200" dirty="0" err="1" smtClean="0"/>
+              <a:t>Task.Factory.StartNew</a:t>
+            </a:r>
+            <a:r>
+              <a:rPr lang="en-US" sz="3200" dirty="0" smtClean="0"/>
+              <a:t>()</a:t>
+            </a:r>
+          </a:p>
+          <a:p>
+            <a:pPr>
+              <a:buFont typeface="Courier New" panose="02070309020205020404" pitchFamily="49" charset="0"/>
+              <a:buChar char="o"/>
+            </a:pPr>
+            <a:r>
+              <a:rPr lang="en-US" sz="3200" dirty="0"/>
+              <a:t> </a:t>
+            </a:r>
+            <a:r>
+              <a:rPr lang="ru-RU" sz="3200" dirty="0" smtClean="0"/>
+              <a:t>Для параллелизма по данным стоит использовать класс </a:t>
+            </a:r>
+            <a:r>
+              <a:rPr lang="en-US" sz="3200" dirty="0" smtClean="0"/>
+              <a:t>Parallel </a:t>
+            </a:r>
+            <a:r>
+              <a:rPr lang="ru-RU" sz="3200" dirty="0" smtClean="0"/>
+              <a:t>или </a:t>
+            </a:r>
+            <a:r>
+              <a:rPr lang="en-US" sz="3200" dirty="0" smtClean="0"/>
+              <a:t>PLINQ</a:t>
+            </a:r>
+          </a:p>
+          <a:p>
+            <a:pPr>
+              <a:buFont typeface="Courier New" panose="02070309020205020404" pitchFamily="49" charset="0"/>
+              <a:buChar char="o"/>
+            </a:pPr>
+            <a:r>
+              <a:rPr lang="ru-RU" sz="3200" dirty="0"/>
+              <a:t> </a:t>
+            </a:r>
+            <a:r>
+              <a:rPr lang="ru-RU" sz="3200" dirty="0" smtClean="0"/>
+              <a:t>Запущенные таким образом фоновые задачи можно ожидать блокирующим образом, в отличие от асинхронных методов</a:t>
+            </a:r>
+            <a:endParaRPr lang="en-US" sz="3200" dirty="0" smtClean="0"/>
+          </a:p>
+          <a:p>
+            <a:pPr>
+              <a:buFont typeface="Courier New" panose="02070309020205020404" pitchFamily="49" charset="0"/>
+              <a:buChar char="o"/>
+            </a:pPr>
+            <a:r>
+              <a:rPr lang="en-US" sz="3200" dirty="0"/>
+              <a:t> </a:t>
+            </a:r>
+            <a:r>
+              <a:rPr lang="ru-RU" sz="3200" dirty="0" smtClean="0"/>
+              <a:t>Не использовать в </a:t>
+            </a:r>
+            <a:r>
+              <a:rPr lang="en-US" sz="3200" dirty="0" err="1" smtClean="0"/>
+              <a:t>ASP.Net</a:t>
+            </a:r>
+            <a:endParaRPr lang="ru-RU" sz="3200" dirty="0"/>
+          </a:p>
+        </p:txBody>
+      </p:sp>
+    </p:spTree>
+    <p:extLst>
+      <p:ext uri="{BB962C8B-B14F-4D97-AF65-F5344CB8AC3E}">
+        <p14:creationId xmlns:p14="http://schemas.microsoft.com/office/powerpoint/2010/main" val="839958983"/>
+      </p:ext>
+    </p:extLst>
+  </p:cSld>
+  <p:clrMapOvr>
+    <a:masterClrMapping/>
+  </p:clrMapOvr>
+  <p:timing>
+    <p:tnLst>
+      <p:par>
+        <p:cTn id="1" dur="indefinite" restart="never" nodeType="tmRoot"/>
+      </p:par>
+    </p:tnLst>
+  </p:timing>
+</p:sld>
+</file>
+
+<file path=ppt/slides/slide32.xml><?xml version="1.0" encoding="utf-8"?>
+<p:sld xmlns:a="http://schemas.openxmlformats.org/drawingml/2006/main" xmlns:r="http://schemas.openxmlformats.org/officeDocument/2006/relationships" xmlns:p="http://schemas.openxmlformats.org/presentationml/2006/main">
+  <p:cSld>
+    <p:spTree>
+      <p:nvGrpSpPr>
+        <p:cNvPr id="1" name=""/>
+        <p:cNvGrpSpPr/>
+        <p:nvPr/>
+      </p:nvGrpSpPr>
+      <p:grpSpPr>
+        <a:xfrm>
+          <a:off x="0" y="0"/>
+          <a:ext cx="0" cy="0"/>
+          <a:chOff x="0" y="0"/>
+          <a:chExt cx="0" cy="0"/>
+        </a:xfrm>
+      </p:grpSpPr>
+      <p:sp>
+        <p:nvSpPr>
+          <p:cNvPr id="2" name="Заголовок 1"/>
+          <p:cNvSpPr>
+            <a:spLocks noGrp="1"/>
+          </p:cNvSpPr>
+          <p:nvPr>
+            <p:ph type="title"/>
+          </p:nvPr>
+        </p:nvSpPr>
+        <p:spPr/>
+        <p:txBody>
+          <a:bodyPr/>
+          <a:lstStyle/>
+          <a:p>
+            <a:r>
+              <a:rPr lang="ru-RU" dirty="0" smtClean="0"/>
+              <a:t>Остановка выполнения</a:t>
+            </a:r>
+            <a:endParaRPr lang="ru-RU" dirty="0"/>
+          </a:p>
+        </p:txBody>
+      </p:sp>
+      <p:sp>
+        <p:nvSpPr>
+          <p:cNvPr id="3" name="Объект 2"/>
+          <p:cNvSpPr>
+            <a:spLocks noGrp="1"/>
+          </p:cNvSpPr>
+          <p:nvPr>
+            <p:ph idx="1"/>
+          </p:nvPr>
+        </p:nvSpPr>
+        <p:spPr/>
+        <p:txBody>
+          <a:bodyPr>
+            <a:normAutofit/>
+          </a:bodyPr>
+          <a:lstStyle/>
+          <a:p>
+            <a:pPr>
+              <a:buFont typeface="Courier New" panose="02070309020205020404" pitchFamily="49" charset="0"/>
+              <a:buChar char="o"/>
+            </a:pPr>
+            <a:r>
+              <a:rPr lang="ru-RU" sz="3200" dirty="0" smtClean="0"/>
+              <a:t> Используйте механизм </a:t>
+            </a:r>
+            <a:r>
+              <a:rPr lang="en-US" sz="3200" dirty="0" err="1" smtClean="0"/>
+              <a:t>CancellationToken</a:t>
+            </a:r>
+            <a:endParaRPr lang="ru-RU" sz="3200" dirty="0" smtClean="0"/>
+          </a:p>
+          <a:p>
+            <a:pPr>
+              <a:buFont typeface="Courier New" panose="02070309020205020404" pitchFamily="49" charset="0"/>
+              <a:buChar char="o"/>
+            </a:pPr>
+            <a:r>
+              <a:rPr lang="ru-RU" sz="3200" dirty="0"/>
+              <a:t> </a:t>
+            </a:r>
+            <a:r>
+              <a:rPr lang="ru-RU" sz="3200" dirty="0" smtClean="0"/>
+              <a:t>Наличие запроса отмены задачи необходимо проверять вручную</a:t>
+            </a:r>
+            <a:endParaRPr lang="ru-RU" sz="3200" dirty="0"/>
+          </a:p>
+        </p:txBody>
+      </p:sp>
+    </p:spTree>
+    <p:extLst>
+      <p:ext uri="{BB962C8B-B14F-4D97-AF65-F5344CB8AC3E}">
+        <p14:creationId xmlns:p14="http://schemas.microsoft.com/office/powerpoint/2010/main" val="4111389727"/>
+      </p:ext>
+    </p:extLst>
+  </p:cSld>
+  <p:clrMapOvr>
+    <a:masterClrMapping/>
+  </p:clrMapOvr>
+  <p:timing>
+    <p:tnLst>
+      <p:par>
+        <p:cTn id="1" dur="indefinite" restart="never" nodeType="tmRoot"/>
+      </p:par>
+    </p:tnLst>
+  </p:timing>
+</p:sld>
+</file>
+
+<file path=ppt/slides/slide33.xml><?xml version="1.0" encoding="utf-8"?>
+<p:sld xmlns:a="http://schemas.openxmlformats.org/drawingml/2006/main" xmlns:r="http://schemas.openxmlformats.org/officeDocument/2006/relationships" xmlns:p="http://schemas.openxmlformats.org/presentationml/2006/main">
+  <p:cSld>
+    <p:spTree>
+      <p:nvGrpSpPr>
+        <p:cNvPr id="1" name=""/>
+        <p:cNvGrpSpPr/>
+        <p:nvPr/>
+      </p:nvGrpSpPr>
+      <p:grpSpPr>
+        <a:xfrm>
+          <a:off x="0" y="0"/>
+          <a:ext cx="0" cy="0"/>
+          <a:chOff x="0" y="0"/>
+          <a:chExt cx="0" cy="0"/>
+        </a:xfrm>
+      </p:grpSpPr>
+      <p:sp>
+        <p:nvSpPr>
+          <p:cNvPr id="2" name="Заголовок 1"/>
+          <p:cNvSpPr>
+            <a:spLocks noGrp="1"/>
+          </p:cNvSpPr>
+          <p:nvPr>
+            <p:ph type="title"/>
+          </p:nvPr>
+        </p:nvSpPr>
+        <p:spPr/>
+        <p:txBody>
+          <a:bodyPr/>
+          <a:lstStyle/>
+          <a:p>
+            <a:r>
+              <a:rPr lang="ru-RU" dirty="0" smtClean="0"/>
+              <a:t>Сложная обработка данных</a:t>
+            </a:r>
+            <a:endParaRPr lang="ru-RU" dirty="0"/>
+          </a:p>
+        </p:txBody>
+      </p:sp>
+      <p:sp>
+        <p:nvSpPr>
+          <p:cNvPr id="3" name="Объект 2"/>
+          <p:cNvSpPr>
+            <a:spLocks noGrp="1"/>
+          </p:cNvSpPr>
+          <p:nvPr>
+            <p:ph idx="1"/>
+          </p:nvPr>
+        </p:nvSpPr>
+        <p:spPr/>
+        <p:txBody>
+          <a:bodyPr/>
+          <a:lstStyle/>
+          <a:p>
+            <a:endParaRPr lang="ru-RU" dirty="0"/>
+          </a:p>
+        </p:txBody>
+      </p:sp>
+      <p:pic>
+        <p:nvPicPr>
+          <p:cNvPr id="7170" name="Picture 2" descr="ÐÐ°ÑÑÐ¸Ð½ÐºÐ¸ Ð¿Ð¾ Ð·Ð°Ð¿ÑÐ¾ÑÑ tpl dataflow"/>
+          <p:cNvPicPr>
+            <a:picLocks noChangeAspect="1" noChangeArrowheads="1"/>
+          </p:cNvPicPr>
+          <p:nvPr/>
+        </p:nvPicPr>
+        <p:blipFill>
+          <a:blip r:embed="rId2">
+            <a:extLst>
+              <a:ext uri="{28A0092B-C50C-407E-A947-70E740481C1C}">
+                <a14:useLocalDpi xmlns:a14="http://schemas.microsoft.com/office/drawing/2010/main" val="0"/>
+              </a:ext>
+            </a:extLst>
+          </a:blip>
+          <a:srcRect/>
+          <a:stretch>
+            <a:fillRect/>
+          </a:stretch>
+        </p:blipFill>
+        <p:spPr bwMode="auto">
+          <a:xfrm>
+            <a:off x="618045" y="1845734"/>
+            <a:ext cx="10636857" cy="3830602"/>
+          </a:xfrm>
+          <a:prstGeom prst="rect">
+            <a:avLst/>
+          </a:prstGeom>
+          <a:noFill/>
+          <a:extLst>
+            <a:ext uri="{909E8E84-426E-40DD-AFC4-6F175D3DCCD1}">
+              <a14:hiddenFill xmlns:a14="http://schemas.microsoft.com/office/drawing/2010/main">
+                <a:solidFill>
+                  <a:srgbClr val="FFFFFF"/>
+                </a:solidFill>
+              </a14:hiddenFill>
+            </a:ext>
+          </a:extLst>
+        </p:spPr>
+      </p:pic>
+    </p:spTree>
+    <p:extLst>
+      <p:ext uri="{BB962C8B-B14F-4D97-AF65-F5344CB8AC3E}">
+        <p14:creationId xmlns:p14="http://schemas.microsoft.com/office/powerpoint/2010/main" val="1907858395"/>
+      </p:ext>
+    </p:extLst>
+  </p:cSld>
+  <p:clrMapOvr>
+    <a:masterClrMapping/>
+  </p:clrMapOvr>
+  <p:timing>
+    <p:tnLst>
+      <p:par>
+        <p:cTn id="1" dur="indefinite" restart="never" nodeType="tmRoot"/>
+      </p:par>
+    </p:tnLst>
+  </p:timing>
+</p:sld>
+</file>
+
+<file path=ppt/slides/slide34.xml><?xml version="1.0" encoding="utf-8"?>
+<p:sld xmlns:a="http://schemas.openxmlformats.org/drawingml/2006/main" xmlns:r="http://schemas.openxmlformats.org/officeDocument/2006/relationships" xmlns:p="http://schemas.openxmlformats.org/presentationml/2006/main">
+  <p:cSld>
+    <p:spTree>
+      <p:nvGrpSpPr>
+        <p:cNvPr id="1" name=""/>
+        <p:cNvGrpSpPr/>
+        <p:nvPr/>
+      </p:nvGrpSpPr>
+      <p:grpSpPr>
+        <a:xfrm>
+          <a:off x="0" y="0"/>
+          <a:ext cx="0" cy="0"/>
+          <a:chOff x="0" y="0"/>
+          <a:chExt cx="0" cy="0"/>
+        </a:xfrm>
+      </p:grpSpPr>
+      <p:sp>
+        <p:nvSpPr>
+          <p:cNvPr id="2" name="Заголовок 1"/>
+          <p:cNvSpPr>
+            <a:spLocks noGrp="1"/>
+          </p:cNvSpPr>
+          <p:nvPr>
+            <p:ph type="title"/>
+          </p:nvPr>
+        </p:nvSpPr>
+        <p:spPr/>
+        <p:txBody>
+          <a:bodyPr/>
+          <a:lstStyle/>
+          <a:p>
+            <a:r>
+              <a:rPr lang="en-US" dirty="0" smtClean="0"/>
+              <a:t>Reactive Programming</a:t>
+            </a:r>
+            <a:endParaRPr lang="ru-RU" dirty="0"/>
+          </a:p>
+        </p:txBody>
+      </p:sp>
+      <p:sp>
+        <p:nvSpPr>
+          <p:cNvPr id="3" name="Объект 2"/>
+          <p:cNvSpPr>
+            <a:spLocks noGrp="1"/>
+          </p:cNvSpPr>
+          <p:nvPr>
+            <p:ph idx="1"/>
+          </p:nvPr>
+        </p:nvSpPr>
+        <p:spPr/>
+        <p:txBody>
+          <a:bodyPr>
+            <a:normAutofit/>
+          </a:bodyPr>
+          <a:lstStyle/>
+          <a:p>
+            <a:r>
+              <a:rPr lang="en-US" sz="4000" dirty="0" smtClean="0"/>
+              <a:t>- </a:t>
+            </a:r>
+            <a:r>
+              <a:rPr lang="ru-RU" sz="4000" dirty="0" smtClean="0"/>
+              <a:t>декларативный стиль программирования, при котором приложение реагирует на возникающие события</a:t>
+            </a:r>
+            <a:endParaRPr lang="ru-RU" sz="4000" dirty="0"/>
+          </a:p>
+        </p:txBody>
+      </p:sp>
+      <p:pic>
+        <p:nvPicPr>
+          <p:cNvPr id="4098" name="Picture 2" descr="ÐÐ°ÑÑÐ¸Ð½ÐºÐ¸ Ð¿Ð¾ Ð·Ð°Ð¿ÑÐ¾ÑÑ rx .net"/>
+          <p:cNvPicPr>
+            <a:picLocks noChangeAspect="1" noChangeArrowheads="1"/>
+          </p:cNvPicPr>
+          <p:nvPr/>
+        </p:nvPicPr>
+        <p:blipFill rotWithShape="1">
+          <a:blip r:embed="rId2">
+            <a:extLst>
+              <a:ext uri="{28A0092B-C50C-407E-A947-70E740481C1C}">
+                <a14:useLocalDpi xmlns:a14="http://schemas.microsoft.com/office/drawing/2010/main" val="0"/>
+              </a:ext>
+            </a:extLst>
+          </a:blip>
+          <a:srcRect t="14698" b="17061"/>
+          <a:stretch/>
+        </p:blipFill>
+        <p:spPr bwMode="auto">
+          <a:xfrm>
+            <a:off x="5499100" y="3657600"/>
+            <a:ext cx="5656580" cy="2171326"/>
+          </a:xfrm>
+          <a:prstGeom prst="rect">
+            <a:avLst/>
+          </a:prstGeom>
+          <a:noFill/>
+          <a:extLst>
+            <a:ext uri="{909E8E84-426E-40DD-AFC4-6F175D3DCCD1}">
+              <a14:hiddenFill xmlns:a14="http://schemas.microsoft.com/office/drawing/2010/main">
+                <a:solidFill>
+                  <a:srgbClr val="FFFFFF"/>
+                </a:solidFill>
+              </a14:hiddenFill>
+            </a:ext>
+          </a:extLst>
+        </p:spPr>
+      </p:pic>
+    </p:spTree>
+    <p:extLst>
+      <p:ext uri="{BB962C8B-B14F-4D97-AF65-F5344CB8AC3E}">
+        <p14:creationId xmlns:p14="http://schemas.microsoft.com/office/powerpoint/2010/main" val="664873569"/>
+      </p:ext>
+    </p:extLst>
+  </p:cSld>
+  <p:clrMapOvr>
+    <a:masterClrMapping/>
+  </p:clrMapOvr>
+  <p:timing>
+    <p:tnLst>
+      <p:par>
+        <p:cTn id="1" dur="indefinite" restart="never" nodeType="tmRoot"/>
+      </p:par>
+    </p:tnLst>
+  </p:timing>
+</p:sld>
+</file>
+
+<file path=ppt/slides/slide35.xml><?xml version="1.0" encoding="utf-8"?>
+<p:sld xmlns:a="http://schemas.openxmlformats.org/drawingml/2006/main" xmlns:r="http://schemas.openxmlformats.org/officeDocument/2006/relationships" xmlns:p="http://schemas.openxmlformats.org/presentationml/2006/main">
+  <p:cSld>
+    <p:spTree>
+      <p:nvGrpSpPr>
+        <p:cNvPr id="1" name=""/>
+        <p:cNvGrpSpPr/>
+        <p:nvPr/>
+      </p:nvGrpSpPr>
+      <p:grpSpPr>
+        <a:xfrm>
+          <a:off x="0" y="0"/>
+          <a:ext cx="0" cy="0"/>
+          <a:chOff x="0" y="0"/>
+          <a:chExt cx="0" cy="0"/>
+        </a:xfrm>
+      </p:grpSpPr>
+      <p:sp>
+        <p:nvSpPr>
+          <p:cNvPr id="2" name="Заголовок 1"/>
+          <p:cNvSpPr>
+            <a:spLocks noGrp="1"/>
+          </p:cNvSpPr>
+          <p:nvPr>
+            <p:ph type="title"/>
+          </p:nvPr>
+        </p:nvSpPr>
+        <p:spPr/>
+        <p:txBody>
+          <a:bodyPr/>
+          <a:lstStyle/>
+          <a:p>
+            <a:r>
+              <a:rPr lang="ru-RU" dirty="0" smtClean="0"/>
+              <a:t>Ресурсы</a:t>
+            </a:r>
+            <a:endParaRPr lang="ru-RU" dirty="0"/>
+          </a:p>
+        </p:txBody>
+      </p:sp>
+      <p:sp>
+        <p:nvSpPr>
+          <p:cNvPr id="3" name="Объект 2"/>
+          <p:cNvSpPr>
+            <a:spLocks noGrp="1"/>
+          </p:cNvSpPr>
+          <p:nvPr>
+            <p:ph idx="1"/>
+          </p:nvPr>
+        </p:nvSpPr>
+        <p:spPr/>
+        <p:txBody>
+          <a:bodyPr/>
+          <a:lstStyle/>
+          <a:p>
+            <a:pPr>
+              <a:buFont typeface="Courier New" panose="02070309020205020404" pitchFamily="49" charset="0"/>
+              <a:buChar char="o"/>
+            </a:pPr>
+            <a:r>
+              <a:rPr lang="en-US" dirty="0" smtClean="0"/>
+              <a:t> </a:t>
+            </a:r>
+            <a:r>
+              <a:rPr lang="en-US" dirty="0" smtClean="0">
+                <a:hlinkClick r:id="rId2"/>
+              </a:rPr>
+              <a:t>Task-based Asynchronous Pattern</a:t>
+            </a:r>
+            <a:endParaRPr lang="en-US" dirty="0" smtClean="0"/>
+          </a:p>
+          <a:p>
+            <a:pPr>
+              <a:buFont typeface="Courier New" panose="02070309020205020404" pitchFamily="49" charset="0"/>
+              <a:buChar char="o"/>
+            </a:pPr>
+            <a:r>
+              <a:rPr lang="en-US" dirty="0" smtClean="0"/>
+              <a:t> </a:t>
+            </a:r>
+            <a:r>
+              <a:rPr lang="en-US" dirty="0" smtClean="0">
+                <a:hlinkClick r:id="rId3"/>
+              </a:rPr>
+              <a:t>Concurrency in C# Cookbook</a:t>
+            </a:r>
+            <a:endParaRPr lang="en-US" dirty="0" smtClean="0"/>
+          </a:p>
+          <a:p>
+            <a:pPr>
+              <a:buFont typeface="Courier New" panose="02070309020205020404" pitchFamily="49" charset="0"/>
+              <a:buChar char="o"/>
+            </a:pPr>
+            <a:r>
+              <a:rPr lang="en-US" dirty="0"/>
+              <a:t> </a:t>
+            </a:r>
+            <a:r>
+              <a:rPr lang="en-US" dirty="0" smtClean="0">
+                <a:hlinkClick r:id="rId4"/>
+              </a:rPr>
+              <a:t>C# Concurrent Collections</a:t>
+            </a:r>
+            <a:endParaRPr lang="en-US" dirty="0" smtClean="0"/>
+          </a:p>
+          <a:p>
+            <a:pPr>
+              <a:buFont typeface="Courier New" panose="02070309020205020404" pitchFamily="49" charset="0"/>
+              <a:buChar char="o"/>
+            </a:pPr>
+            <a:r>
+              <a:rPr lang="en-US" dirty="0"/>
+              <a:t> </a:t>
+            </a:r>
+            <a:r>
+              <a:rPr lang="en-US" dirty="0">
+                <a:hlinkClick r:id="rId5"/>
+              </a:rPr>
+              <a:t>http://www.albahari.com/threading</a:t>
+            </a:r>
+            <a:r>
+              <a:rPr lang="en-US" dirty="0" smtClean="0">
+                <a:hlinkClick r:id="rId5"/>
+              </a:rPr>
+              <a:t>/</a:t>
+            </a:r>
+            <a:r>
+              <a:rPr lang="en-US" dirty="0" smtClean="0"/>
+              <a:t> </a:t>
+            </a:r>
+            <a:endParaRPr lang="ru-RU" dirty="0"/>
+          </a:p>
+        </p:txBody>
+      </p:sp>
+    </p:spTree>
+    <p:extLst>
+      <p:ext uri="{BB962C8B-B14F-4D97-AF65-F5344CB8AC3E}">
+        <p14:creationId xmlns:p14="http://schemas.microsoft.com/office/powerpoint/2010/main" val="177013043"/>
+      </p:ext>
+    </p:extLst>
+  </p:cSld>
+  <p:clrMapOvr>
+    <a:masterClrMapping/>
+  </p:clrMapOvr>
+  <p:timing>
+    <p:tnLst>
+      <p:par>
+        <p:cTn id="1" dur="indefinite" restart="never" nodeType="tmRoot"/>
+      </p:par>
+    </p:tnLst>
+  </p:timing>
+</p:sld>
+</file>
+
+<file path=ppt/slides/slide36.xml><?xml version="1.0" encoding="utf-8"?>
+<p:sld xmlns:a="http://schemas.openxmlformats.org/drawingml/2006/main" xmlns:r="http://schemas.openxmlformats.org/officeDocument/2006/relationships" xmlns:p="http://schemas.openxmlformats.org/presentationml/2006/main">
+  <p:cSld>
+    <p:spTree>
+      <p:nvGrpSpPr>
+        <p:cNvPr id="1" name=""/>
+        <p:cNvGrpSpPr/>
+        <p:nvPr/>
+      </p:nvGrpSpPr>
+      <p:grpSpPr>
+        <a:xfrm>
+          <a:off x="0" y="0"/>
+          <a:ext cx="0" cy="0"/>
+          <a:chOff x="0" y="0"/>
+          <a:chExt cx="0" cy="0"/>
+        </a:xfrm>
+      </p:grpSpPr>
+      <p:sp>
+        <p:nvSpPr>
+          <p:cNvPr id="2" name="Заголовок 1"/>
+          <p:cNvSpPr>
+            <a:spLocks noGrp="1"/>
+          </p:cNvSpPr>
+          <p:nvPr>
+            <p:ph type="title"/>
+          </p:nvPr>
+        </p:nvSpPr>
+        <p:spPr/>
+        <p:txBody>
+          <a:bodyPr/>
+          <a:lstStyle/>
+          <a:p>
+            <a:r>
+              <a:rPr lang="ru-RU" dirty="0" smtClean="0"/>
+              <a:t>Спасибо за внимание</a:t>
+            </a:r>
+            <a:endParaRPr lang="ru-RU" dirty="0"/>
+          </a:p>
+        </p:txBody>
+      </p:sp>
+    </p:spTree>
+    <p:extLst>
+      <p:ext uri="{BB962C8B-B14F-4D97-AF65-F5344CB8AC3E}">
+        <p14:creationId xmlns:p14="http://schemas.microsoft.com/office/powerpoint/2010/main" val="1125138191"/>
       </p:ext>
     </p:extLst>
   </p:cSld>
@@ -43143,6 +43646,25 @@
           </a:p>
         </p:txBody>
       </p:sp>
+      <p:sp>
+        <p:nvSpPr>
+          <p:cNvPr id="2" name="Текст 1"/>
+          <p:cNvSpPr>
+            <a:spLocks noGrp="1"/>
+          </p:cNvSpPr>
+          <p:nvPr>
+            <p:ph type="body" idx="1"/>
+          </p:nvPr>
+        </p:nvSpPr>
+        <p:spPr/>
+        <p:txBody>
+          <a:bodyPr/>
+          <a:lstStyle/>
+          <a:p>
+            <a:endParaRPr lang="ru-RU"/>
+          </a:p>
+        </p:txBody>
+      </p:sp>
     </p:spTree>
     <p:extLst>
       <p:ext uri="{BB962C8B-B14F-4D97-AF65-F5344CB8AC3E}">
@@ -43197,59 +43719,53 @@
           <a:p>
             <a:r>
               <a:rPr lang="ru-RU" dirty="0" smtClean="0"/>
-              <a:t>Зачем </a:t>
-            </a:r>
-            <a:r>
-              <a:rPr lang="ru-RU" dirty="0" err="1" smtClean="0"/>
-              <a:t>многопоточность</a:t>
-            </a:r>
-            <a:r>
-              <a:rPr lang="ru-RU" dirty="0" smtClean="0"/>
-              <a:t>?</a:t>
+              <a:t>Параллельная обработка данных</a:t>
             </a:r>
             <a:endParaRPr lang="ru-RU" dirty="0"/>
           </a:p>
         </p:txBody>
       </p:sp>
-      <p:sp>
-        <p:nvSpPr>
-          <p:cNvPr id="5" name="Объект 4"/>
-          <p:cNvSpPr>
-            <a:spLocks noGrp="1"/>
-          </p:cNvSpPr>
-          <p:nvPr>
-            <p:ph idx="1"/>
-          </p:nvPr>
-        </p:nvSpPr>
-        <p:spPr/>
-        <p:txBody>
-          <a:bodyPr>
-            <a:noAutofit/>
-          </a:bodyPr>
-          <a:lstStyle/>
-          <a:p>
-            <a:pPr>
-              <a:buFont typeface="Courier New" panose="02070309020205020404" pitchFamily="49" charset="0"/>
-              <a:buChar char="o"/>
-            </a:pPr>
-            <a:r>
-              <a:rPr lang="ru-RU" sz="3600" dirty="0" smtClean="0"/>
-              <a:t> Распараллеливание обработки большого объема данных</a:t>
-            </a:r>
-            <a:endParaRPr lang="en-US" sz="3600" dirty="0" smtClean="0"/>
-          </a:p>
-          <a:p>
-            <a:pPr>
-              <a:buFont typeface="Courier New" panose="02070309020205020404" pitchFamily="49" charset="0"/>
-              <a:buChar char="o"/>
-            </a:pPr>
-            <a:r>
-              <a:rPr lang="ru-RU" sz="3600" dirty="0" smtClean="0"/>
-              <a:t> Одновременная обработка множества запросов к сервису</a:t>
-            </a:r>
-          </a:p>
-        </p:txBody>
-      </p:sp>
+      <p:pic>
+        <p:nvPicPr>
+          <p:cNvPr id="2051" name="Picture 3" descr="PLINQ Execution"/>
+          <p:cNvPicPr>
+            <a:picLocks noChangeAspect="1" noChangeArrowheads="1"/>
+          </p:cNvPicPr>
+          <p:nvPr/>
+        </p:nvPicPr>
+        <p:blipFill>
+          <a:blip r:embed="rId3">
+            <a:extLst>
+              <a:ext uri="{28A0092B-C50C-407E-A947-70E740481C1C}">
+                <a14:useLocalDpi xmlns:a14="http://schemas.microsoft.com/office/drawing/2010/main" val="0"/>
+              </a:ext>
+            </a:extLst>
+          </a:blip>
+          <a:srcRect/>
+          <a:stretch>
+            <a:fillRect/>
+          </a:stretch>
+        </p:blipFill>
+        <p:spPr bwMode="auto">
+          <a:xfrm>
+            <a:off x="1323975" y="1915794"/>
+            <a:ext cx="9753536" cy="3875405"/>
+          </a:xfrm>
+          <a:prstGeom prst="rect">
+            <a:avLst/>
+          </a:prstGeom>
+          <a:noFill/>
+          <a:extLst>
+            <a:ext uri="{909E8E84-426E-40DD-AFC4-6F175D3DCCD1}">
+              <a14:hiddenFill xmlns:a14="http://schemas.microsoft.com/office/drawing/2010/main">
+                <a:solidFill>
+                  <a:srgbClr val="FFFFFF"/>
+                </a:solidFill>
+              </a14:hiddenFill>
+            </a:ext>
+          </a:extLst>
+        </p:spPr>
+      </p:pic>
     </p:spTree>
     <p:extLst>
       <p:ext uri="{BB962C8B-B14F-4D97-AF65-F5344CB8AC3E}">
@@ -43263,96 +43779,9 @@
   <p:timing>
     <p:tnLst>
       <p:par>
-        <p:cTn id="1" dur="indefinite" restart="never" nodeType="tmRoot">
-          <p:childTnLst>
-            <p:seq concurrent="1" nextAc="seek">
-              <p:cTn id="2" dur="indefinite" nodeType="mainSeq">
-                <p:childTnLst>
-                  <p:par>
-                    <p:cTn id="3" fill="hold">
-                      <p:stCondLst>
-                        <p:cond delay="indefinite"/>
-                      </p:stCondLst>
-                      <p:childTnLst>
-                        <p:par>
-                          <p:cTn id="4" fill="hold">
-                            <p:stCondLst>
-                              <p:cond delay="0"/>
-                            </p:stCondLst>
-                            <p:childTnLst>
-                              <p:par>
-                                <p:cTn id="5" presetID="10" presetClass="entr" presetSubtype="0" fill="hold" grpId="0" nodeType="clickEffect">
-                                  <p:stCondLst>
-                                    <p:cond delay="0"/>
-                                  </p:stCondLst>
-                                  <p:childTnLst>
-                                    <p:set>
-                                      <p:cBhvr>
-                                        <p:cTn id="6" dur="1" fill="hold">
-                                          <p:stCondLst>
-                                            <p:cond delay="0"/>
-                                          </p:stCondLst>
-                                        </p:cTn>
-                                        <p:tgtEl>
-                                          <p:spTgt spid="5">
-                                            <p:txEl>
-                                              <p:pRg st="1" end="1"/>
-                                            </p:txEl>
-                                          </p:spTgt>
-                                        </p:tgtEl>
-                                        <p:attrNameLst>
-                                          <p:attrName>style.visibility</p:attrName>
-                                        </p:attrNameLst>
-                                      </p:cBhvr>
-                                      <p:to>
-                                        <p:strVal val="visible"/>
-                                      </p:to>
-                                    </p:set>
-                                    <p:animEffect transition="in" filter="fade">
-                                      <p:cBhvr>
-                                        <p:cTn id="7" dur="500"/>
-                                        <p:tgtEl>
-                                          <p:spTgt spid="5">
-                                            <p:txEl>
-                                              <p:pRg st="1" end="1"/>
-                                            </p:txEl>
-                                          </p:spTgt>
-                                        </p:tgtEl>
-                                      </p:cBhvr>
-                                    </p:animEffect>
-                                  </p:childTnLst>
-                                </p:cTn>
-                              </p:par>
-                            </p:childTnLst>
-                          </p:cTn>
-                        </p:par>
-                      </p:childTnLst>
-                    </p:cTn>
-                  </p:par>
-                </p:childTnLst>
-              </p:cTn>
-              <p:prevCondLst>
-                <p:cond evt="onPrev" delay="0">
-                  <p:tgtEl>
-                    <p:sldTgt/>
-                  </p:tgtEl>
-                </p:cond>
-              </p:prevCondLst>
-              <p:nextCondLst>
-                <p:cond evt="onNext" delay="0">
-                  <p:tgtEl>
-                    <p:sldTgt/>
-                  </p:tgtEl>
-                </p:cond>
-              </p:nextCondLst>
-            </p:seq>
-          </p:childTnLst>
-        </p:cTn>
+        <p:cTn id="1" dur="indefinite" restart="never" nodeType="tmRoot"/>
       </p:par>
     </p:tnLst>
-    <p:bldLst>
-      <p:bldP spid="5" grpId="0" uiExpand="1" build="p"/>
-    </p:bldLst>
   </p:timing>
 </p:sld>
 </file>
